--- a/projects/kog.3gr.020-gom/3gre060_physics.pptx
+++ b/projects/kog.3gr.020-gom/3gre060_physics.pptx
@@ -253,7 +253,7 @@
           <a:p>
             <a:fld id="{9CB53498-0D27-4BA1-B64E-F3F0DF81F6FC}" type="datetimeFigureOut">
               <a:rPr lang="en-US" smtClean="0"/>
-              <a:t>3/1/2021</a:t>
+              <a:t>3/16/2021</a:t>
             </a:fld>
             <a:endParaRPr lang="en-US"/>
           </a:p>
@@ -788,6 +788,90 @@
 </p:notes>
 </file>
 
+<file path=ppt/notesSlides/notesSlide3.xml><?xml version="1.0" encoding="utf-8"?>
+<p:notes xmlns:a="http://schemas.openxmlformats.org/drawingml/2006/main" xmlns:r="http://schemas.openxmlformats.org/officeDocument/2006/relationships" xmlns:p="http://schemas.openxmlformats.org/presentationml/2006/main">
+  <p:cSld>
+    <p:spTree>
+      <p:nvGrpSpPr>
+        <p:cNvPr id="1" name=""/>
+        <p:cNvGrpSpPr/>
+        <p:nvPr/>
+      </p:nvGrpSpPr>
+      <p:grpSpPr>
+        <a:xfrm>
+          <a:off x="0" y="0"/>
+          <a:ext cx="0" cy="0"/>
+          <a:chOff x="0" y="0"/>
+          <a:chExt cx="0" cy="0"/>
+        </a:xfrm>
+      </p:grpSpPr>
+      <p:sp>
+        <p:nvSpPr>
+          <p:cNvPr id="2" name="Slide Image Placeholder 1"/>
+          <p:cNvSpPr>
+            <a:spLocks noGrp="1" noRot="1" noChangeAspect="1"/>
+          </p:cNvSpPr>
+          <p:nvPr>
+            <p:ph type="sldImg"/>
+          </p:nvPr>
+        </p:nvSpPr>
+        <p:spPr/>
+      </p:sp>
+      <p:sp>
+        <p:nvSpPr>
+          <p:cNvPr id="3" name="Notes Placeholder 2"/>
+          <p:cNvSpPr>
+            <a:spLocks noGrp="1"/>
+          </p:cNvSpPr>
+          <p:nvPr>
+            <p:ph type="body" idx="1"/>
+          </p:nvPr>
+        </p:nvSpPr>
+        <p:spPr/>
+        <p:txBody>
+          <a:bodyPr/>
+          <a:lstStyle/>
+          <a:p>
+            <a:endParaRPr lang="en-US" dirty="0"/>
+          </a:p>
+        </p:txBody>
+      </p:sp>
+      <p:sp>
+        <p:nvSpPr>
+          <p:cNvPr id="4" name="Slide Number Placeholder 3"/>
+          <p:cNvSpPr>
+            <a:spLocks noGrp="1"/>
+          </p:cNvSpPr>
+          <p:nvPr>
+            <p:ph type="sldNum" sz="quarter" idx="5"/>
+          </p:nvPr>
+        </p:nvSpPr>
+        <p:spPr/>
+        <p:txBody>
+          <a:bodyPr/>
+          <a:lstStyle/>
+          <a:p>
+            <a:fld id="{EC4EACB1-31E9-4803-B2A0-303E52099FBA}" type="slidenum">
+              <a:rPr lang="en-US" smtClean="0"/>
+              <a:t>35</a:t>
+            </a:fld>
+            <a:endParaRPr lang="en-US"/>
+          </a:p>
+        </p:txBody>
+      </p:sp>
+    </p:spTree>
+    <p:extLst>
+      <p:ext uri="{BB962C8B-B14F-4D97-AF65-F5344CB8AC3E}">
+        <p14:creationId xmlns:p14="http://schemas.microsoft.com/office/powerpoint/2010/main" val="3407956204"/>
+      </p:ext>
+    </p:extLst>
+  </p:cSld>
+  <p:clrMapOvr>
+    <a:masterClrMapping/>
+  </p:clrMapOvr>
+</p:notes>
+</file>
+
 <file path=ppt/slideLayouts/slideLayout1.xml><?xml version="1.0" encoding="utf-8"?>
 <p:sldLayout xmlns:a="http://schemas.openxmlformats.org/drawingml/2006/main" xmlns:r="http://schemas.openxmlformats.org/officeDocument/2006/relationships" xmlns:p="http://schemas.openxmlformats.org/presentationml/2006/main" type="title" preserve="1">
   <p:cSld name="Title Slide">
@@ -1352,7 +1436,7 @@
           <a:p>
             <a:fld id="{233D5BDB-207A-4240-9DD0-70E5211C08C1}" type="datetimeFigureOut">
               <a:rPr lang="en-US" smtClean="0"/>
-              <a:t>3/1/2021</a:t>
+              <a:t>3/16/2021</a:t>
             </a:fld>
             <a:endParaRPr lang="en-US"/>
           </a:p>
@@ -4075,7 +4159,7 @@
             <a:fld id="{233D5BDB-207A-4240-9DD0-70E5211C08C1}" type="datetimeFigureOut">
               <a:rPr lang="en-US" smtClean="0"/>
               <a:pPr/>
-              <a:t>3/1/2021</a:t>
+              <a:t>3/16/2021</a:t>
             </a:fld>
             <a:endParaRPr lang="en-US"/>
           </a:p>
@@ -5097,8 +5181,8 @@
         </p:nvSpPr>
         <p:spPr bwMode="auto">
           <a:xfrm>
-            <a:off x="4615543" y="3892149"/>
-            <a:ext cx="4002208" cy="1171575"/>
+            <a:off x="3910693" y="3869872"/>
+            <a:ext cx="4523014" cy="457200"/>
           </a:xfrm>
           <a:prstGeom prst="rect">
             <a:avLst/>
@@ -5253,58 +5337,7 @@
                 <a:latin typeface="Courier New" pitchFamily="49" charset="0"/>
                 <a:cs typeface="Courier New" pitchFamily="49" charset="0"/>
               </a:rPr>
-              <a:t> *= </a:t>
-            </a:r>
-          </a:p>
-          <a:p>
-            <a:r>
-              <a:rPr lang="en-US" altLang="en-US" sz="2100" dirty="0" err="1">
-                <a:latin typeface="Courier New" pitchFamily="49" charset="0"/>
-                <a:cs typeface="Courier New" pitchFamily="49" charset="0"/>
-              </a:rPr>
-              <a:t>m</a:t>
-            </a:r>
-            <a:r>
-              <a:rPr lang="hu-HU" altLang="en-US" sz="2100" dirty="0" err="1">
-                <a:latin typeface="Courier New" pitchFamily="49" charset="0"/>
-                <a:cs typeface="Courier New" pitchFamily="49" charset="0"/>
-              </a:rPr>
-              <a:t>ath</a:t>
-            </a:r>
-            <a:r>
-              <a:rPr lang="hu-HU" altLang="en-US" sz="2100" dirty="0">
-                <a:latin typeface="Courier New" pitchFamily="49" charset="0"/>
-                <a:cs typeface="Courier New" pitchFamily="49" charset="0"/>
-              </a:rPr>
-              <a:t>.</a:t>
-            </a:r>
-            <a:r>
-              <a:rPr lang="en-US" altLang="en-US" sz="2100" dirty="0" err="1">
-                <a:latin typeface="Courier New" pitchFamily="49" charset="0"/>
-                <a:cs typeface="Courier New" pitchFamily="49" charset="0"/>
-              </a:rPr>
-              <a:t>exp</a:t>
-            </a:r>
-            <a:r>
-              <a:rPr lang="en-US" altLang="en-US" sz="2100" dirty="0">
-                <a:latin typeface="Courier New" pitchFamily="49" charset="0"/>
-                <a:cs typeface="Courier New" pitchFamily="49" charset="0"/>
-              </a:rPr>
-              <a:t>(-</a:t>
-            </a:r>
-            <a:r>
-              <a:rPr lang="en-US" altLang="en-US" sz="2100" dirty="0" err="1">
-                <a:latin typeface="Courier New" pitchFamily="49" charset="0"/>
-                <a:cs typeface="Courier New" pitchFamily="49" charset="0"/>
-              </a:rPr>
-              <a:t>dt</a:t>
-            </a:r>
-            <a:r>
-              <a:rPr lang="en-US" altLang="en-US" sz="2100" dirty="0">
-                <a:latin typeface="Courier New" pitchFamily="49" charset="0"/>
-                <a:cs typeface="Courier New" pitchFamily="49" charset="0"/>
-              </a:rPr>
-              <a:t> * c/m)</a:t>
+              <a:t> *= exp(-dt * c/m)</a:t>
             </a:r>
             <a:endParaRPr lang="hu-HU" altLang="en-US" sz="2100" dirty="0">
               <a:latin typeface="Courier New" pitchFamily="49" charset="0"/>
@@ -5834,8 +5867,8 @@
         </p:nvSpPr>
         <p:spPr bwMode="auto">
           <a:xfrm>
-            <a:off x="5231386" y="3957464"/>
-            <a:ext cx="3694900" cy="1171575"/>
+            <a:off x="4327071" y="3844299"/>
+            <a:ext cx="4490358" cy="531758"/>
           </a:xfrm>
           <a:prstGeom prst="rect">
             <a:avLst/>
@@ -5983,58 +6016,7 @@
                 <a:latin typeface="Courier New" pitchFamily="49" charset="0"/>
                 <a:cs typeface="Courier New" pitchFamily="49" charset="0"/>
               </a:rPr>
-              <a:t>momentum *=</a:t>
-            </a:r>
-          </a:p>
-          <a:p>
-            <a:r>
-              <a:rPr lang="en-US" altLang="en-US" sz="2100" dirty="0">
-                <a:latin typeface="Courier New" pitchFamily="49" charset="0"/>
-                <a:cs typeface="Courier New" pitchFamily="49" charset="0"/>
-              </a:rPr>
-              <a:t>m</a:t>
-            </a:r>
-            <a:r>
-              <a:rPr lang="hu-HU" altLang="en-US" sz="2100" dirty="0" err="1">
-                <a:latin typeface="Courier New" pitchFamily="49" charset="0"/>
-                <a:cs typeface="Courier New" pitchFamily="49" charset="0"/>
-              </a:rPr>
-              <a:t>ath</a:t>
-            </a:r>
-            <a:r>
-              <a:rPr lang="hu-HU" altLang="en-US" sz="2100" dirty="0">
-                <a:latin typeface="Courier New" pitchFamily="49" charset="0"/>
-                <a:cs typeface="Courier New" pitchFamily="49" charset="0"/>
-              </a:rPr>
-              <a:t>.</a:t>
-            </a:r>
-            <a:r>
-              <a:rPr lang="en-US" altLang="en-US" sz="2100" dirty="0" err="1">
-                <a:latin typeface="Courier New" pitchFamily="49" charset="0"/>
-                <a:cs typeface="Courier New" pitchFamily="49" charset="0"/>
-              </a:rPr>
-              <a:t>exp</a:t>
-            </a:r>
-            <a:r>
-              <a:rPr lang="en-US" altLang="en-US" sz="2100" dirty="0">
-                <a:latin typeface="Courier New" pitchFamily="49" charset="0"/>
-                <a:cs typeface="Courier New" pitchFamily="49" charset="0"/>
-              </a:rPr>
-              <a:t>(-</a:t>
-            </a:r>
-            <a:r>
-              <a:rPr lang="en-US" altLang="en-US" sz="2100" dirty="0" err="1">
-                <a:latin typeface="Courier New" pitchFamily="49" charset="0"/>
-                <a:cs typeface="Courier New" pitchFamily="49" charset="0"/>
-              </a:rPr>
-              <a:t>dt</a:t>
-            </a:r>
-            <a:r>
-              <a:rPr lang="en-US" altLang="en-US" sz="2100" dirty="0">
-                <a:latin typeface="Courier New" pitchFamily="49" charset="0"/>
-                <a:cs typeface="Courier New" pitchFamily="49" charset="0"/>
-              </a:rPr>
-              <a:t> * c/m)</a:t>
+              <a:t>momentum *= exp(-dt * c/m)</a:t>
             </a:r>
             <a:endParaRPr lang="hu-HU" altLang="en-US" sz="2100" dirty="0">
               <a:latin typeface="Courier New" pitchFamily="49" charset="0"/>
@@ -6434,7 +6416,7 @@
             </a:r>
             <a:r>
               <a:rPr lang="en-US" dirty="0"/>
-              <a:t>	</a:t>
+              <a:t>		</a:t>
             </a:r>
             <a:r>
               <a:rPr lang="hu-HU" dirty="0">
@@ -6489,7 +6471,15 @@
             </a:r>
             <a:r>
               <a:rPr lang="hu-HU" dirty="0"/>
-              <a:t>	3D vektor </a:t>
+              <a:t>	</a:t>
+            </a:r>
+            <a:r>
+              <a:rPr lang="en-US" dirty="0"/>
+              <a:t>	</a:t>
+            </a:r>
+            <a:r>
+              <a:rPr lang="hu-HU" dirty="0"/>
+              <a:t>3D vektor </a:t>
             </a:r>
             <a:r>
               <a:rPr lang="en-US" dirty="0"/>
@@ -6539,7 +6529,7 @@
             </a:r>
             <a:r>
               <a:rPr lang="en-US" dirty="0"/>
-              <a:t>[</a:t>
+              <a:t>		[</a:t>
             </a:r>
             <a:r>
               <a:rPr lang="hu-HU" dirty="0"/>
@@ -6556,6 +6546,13 @@
             <a:r>
               <a:rPr lang="en-US" dirty="0"/>
               <a:t>]</a:t>
+            </a:r>
+          </a:p>
+          <a:p>
+            <a:pPr lvl="1"/>
+            <a:r>
+              <a:rPr lang="en-US" dirty="0"/>
+              <a:t>(mass moment of inertia, angular mass)</a:t>
             </a:r>
             <a:endParaRPr lang="hu-HU" dirty="0"/>
           </a:p>
@@ -6571,10 +6568,7 @@
               </a:rPr>
               <a:t>I</a:t>
             </a:r>
-            <a:r>
-              <a:rPr lang="en-US" dirty="0"/>
-              <a:t> (mass moment of inertia, angular mass)</a:t>
-            </a:r>
+            <a:endParaRPr lang="en-US" dirty="0"/>
           </a:p>
           <a:p>
             <a:r>
@@ -8896,54 +8890,57 @@
             <a:pPr lvl="1"/>
             <a:r>
               <a:rPr lang="hu-HU" dirty="0"/>
-              <a:t>leszármaztatás?</a:t>
+              <a:t>leszármaztatás</a:t>
             </a:r>
           </a:p>
           <a:p>
             <a:pPr lvl="2"/>
             <a:r>
+              <a:rPr lang="en-US" dirty="0" err="1"/>
+              <a:t>egyszer</a:t>
+            </a:r>
+            <a:r>
               <a:rPr lang="hu-HU" dirty="0"/>
-              <a:t>lehetséges, de elég merev</a:t>
-            </a:r>
+              <a:t>ű </a:t>
+            </a:r>
+            <a:r>
+              <a:rPr lang="hu-HU" dirty="0" err="1"/>
+              <a:t>Kotlinban</a:t>
+            </a:r>
+            <a:endParaRPr lang="hu-HU" dirty="0"/>
           </a:p>
           <a:p>
             <a:pPr lvl="1"/>
             <a:r>
-              <a:rPr lang="en-US" dirty="0" err="1"/>
-              <a:t>mozgat</a:t>
-            </a:r>
-            <a:r>
               <a:rPr lang="hu-HU" dirty="0"/>
-              <a:t>ási logika függvényben, és adjuk ezt a függvényt értékül a megfelelő játékobjektumok </a:t>
+              <a:t>lehetne mozgatási logikát megvalósító komponens, és minden játékobjektumnak adhatnánk egyet</a:t>
+            </a:r>
+          </a:p>
+          <a:p>
+            <a:r>
+              <a:rPr lang="hu-HU" dirty="0"/>
+              <a:t>a </a:t>
             </a:r>
             <a:r>
               <a:rPr lang="en-US" dirty="0">
                 <a:latin typeface="Consolas" panose="020B0609020204030204" pitchFamily="49" charset="0"/>
                 <a:cs typeface="Consolas" panose="020B0609020204030204" pitchFamily="49" charset="0"/>
               </a:rPr>
-              <a:t>move</a:t>
-            </a:r>
-            <a:r>
-              <a:rPr lang="en-US" sz="2800" dirty="0"/>
-              <a:t> </a:t>
-            </a:r>
-            <a:r>
-              <a:rPr lang="hu-HU" dirty="0" err="1"/>
-              <a:t>propertyjének</a:t>
-            </a:r>
-            <a:endParaRPr lang="hu-HU" dirty="0"/>
-          </a:p>
-          <a:p>
-            <a:r>
-              <a:rPr lang="hu-HU" dirty="0"/>
-              <a:t>a </a:t>
+              <a:t>Scene</a:t>
+            </a:r>
+            <a:r>
+              <a:rPr lang="hu-HU" dirty="0">
+                <a:latin typeface="Consolas" panose="020B0609020204030204" pitchFamily="49" charset="0"/>
+                <a:cs typeface="Consolas" panose="020B0609020204030204" pitchFamily="49" charset="0"/>
+              </a:rPr>
+              <a:t>.</a:t>
             </a:r>
             <a:r>
               <a:rPr lang="en-US" dirty="0">
                 <a:latin typeface="Consolas" panose="020B0609020204030204" pitchFamily="49" charset="0"/>
                 <a:cs typeface="Consolas" panose="020B0609020204030204" pitchFamily="49" charset="0"/>
               </a:rPr>
-              <a:t>Scene::u</a:t>
+              <a:t>u</a:t>
             </a:r>
             <a:r>
               <a:rPr lang="hu-HU" dirty="0" err="1">
@@ -12783,7 +12780,7 @@
                 <a:ea typeface="Times New Roman" panose="02020603050405020304" pitchFamily="18" charset="0"/>
                 <a:cs typeface="Times New Roman" panose="02020603050405020304" pitchFamily="18" charset="0"/>
               </a:rPr>
-              <a:t>  if("W“ in </a:t>
+              <a:t>  if("W" in </a:t>
             </a:r>
             <a:r>
               <a:rPr lang="en-US" dirty="0" err="1">
@@ -12997,8 +12994,8 @@
         </p:nvSpPr>
         <p:spPr bwMode="auto">
           <a:xfrm>
-            <a:off x="1078301" y="3949281"/>
-            <a:ext cx="6883879" cy="2085975"/>
+            <a:off x="204107" y="3845379"/>
+            <a:ext cx="8784771" cy="2944220"/>
           </a:xfrm>
           <a:prstGeom prst="rect">
             <a:avLst/>
@@ -13142,11 +13139,64 @@
           </a:lstStyle>
           <a:p>
             <a:r>
+              <a:rPr lang="en-US" altLang="en-US" sz="2100" dirty="0" err="1">
+                <a:latin typeface="Courier New" pitchFamily="49" charset="0"/>
+                <a:cs typeface="Courier New" pitchFamily="49" charset="0"/>
+              </a:rPr>
+              <a:t>velocity.set</a:t>
+            </a:r>
+            <a:r>
+              <a:rPr lang="en-US" altLang="en-US" sz="2100" dirty="0">
+                <a:latin typeface="Courier New" pitchFamily="49" charset="0"/>
+                <a:cs typeface="Courier New" pitchFamily="49" charset="0"/>
+              </a:rPr>
+              <a:t>(</a:t>
+            </a:r>
+          </a:p>
+          <a:p>
+            <a:r>
+              <a:rPr lang="en-US" altLang="en-US" sz="2100" dirty="0">
+                <a:latin typeface="Courier New" pitchFamily="49" charset="0"/>
+                <a:cs typeface="Courier New" pitchFamily="49" charset="0"/>
+              </a:rPr>
+              <a:t>  (</a:t>
+            </a:r>
+          </a:p>
+          <a:p>
+            <a:r>
+              <a:rPr lang="en-US" altLang="en-US" sz="2100" dirty="0">
+                <a:latin typeface="Courier New" pitchFamily="49" charset="0"/>
+                <a:cs typeface="Courier New" pitchFamily="49" charset="0"/>
+              </a:rPr>
+              <a:t>  </a:t>
+            </a:r>
+            <a:r>
+              <a:rPr lang="hu-HU" altLang="en-US" sz="2100" dirty="0" err="1">
+                <a:latin typeface="Courier New" pitchFamily="49" charset="0"/>
+                <a:cs typeface="Courier New" pitchFamily="49" charset="0"/>
+              </a:rPr>
+              <a:t>velocity.xyz</a:t>
+            </a:r>
+            <a:r>
+              <a:rPr lang="en-US" altLang="en-US" sz="2100" dirty="0">
+                <a:latin typeface="Courier New" pitchFamily="49" charset="0"/>
+                <a:cs typeface="Courier New" pitchFamily="49" charset="0"/>
+              </a:rPr>
+              <a:t>0</a:t>
+            </a:r>
+            <a:r>
               <a:rPr lang="hu-HU" altLang="en-US" sz="2100" dirty="0">
                 <a:latin typeface="Courier New" pitchFamily="49" charset="0"/>
                 <a:cs typeface="Courier New" pitchFamily="49" charset="0"/>
               </a:rPr>
-              <a:t>this.velocity.</a:t>
+              <a:t> * </a:t>
+            </a:r>
+            <a:r>
+              <a:rPr lang="en-US" altLang="en-US" sz="2100" dirty="0" err="1">
+                <a:latin typeface="Courier New" pitchFamily="49" charset="0"/>
+                <a:cs typeface="Courier New" pitchFamily="49" charset="0"/>
+              </a:rPr>
+              <a:t>modelMatrixInverse</a:t>
             </a:r>
             <a:endParaRPr lang="en-US" altLang="en-US" sz="2100" dirty="0">
               <a:latin typeface="Courier New" pitchFamily="49" charset="0"/>
@@ -13166,29 +13216,88 @@
                 <a:latin typeface="Courier New" pitchFamily="49" charset="0"/>
                 <a:cs typeface="Courier New" pitchFamily="49" charset="0"/>
               </a:rPr>
-              <a:t>xyz</a:t>
+              <a:t>*</a:t>
+            </a:r>
+            <a:endParaRPr lang="en-US" altLang="en-US" sz="2100" dirty="0">
+              <a:latin typeface="Courier New" pitchFamily="49" charset="0"/>
+              <a:cs typeface="Courier New" pitchFamily="49" charset="0"/>
+            </a:endParaRPr>
+          </a:p>
+          <a:p>
+            <a:r>
+              <a:rPr lang="hu-HU" altLang="en-US" sz="2100" dirty="0">
+                <a:latin typeface="Courier New" pitchFamily="49" charset="0"/>
+                <a:cs typeface="Courier New" pitchFamily="49" charset="0"/>
+              </a:rPr>
+              <a:t>  </a:t>
+            </a:r>
+            <a:r>
+              <a:rPr lang="hu-HU" altLang="en-US" sz="2100" dirty="0" err="1">
+                <a:latin typeface="Courier New" pitchFamily="49" charset="0"/>
+                <a:cs typeface="Courier New" pitchFamily="49" charset="0"/>
+              </a:rPr>
+              <a:t>Vec</a:t>
             </a:r>
             <a:r>
               <a:rPr lang="en-US" altLang="en-US" sz="2100" dirty="0">
                 <a:latin typeface="Courier New" pitchFamily="49" charset="0"/>
                 <a:cs typeface="Courier New" pitchFamily="49" charset="0"/>
               </a:rPr>
-              <a:t>0mul(</a:t>
+              <a:t>4(exp(-dt * cx/m), exp(-dt * cy/m), 1.0f, 0.0f)</a:t>
+            </a:r>
+          </a:p>
+          <a:p>
+            <a:r>
+              <a:rPr lang="en-US" altLang="en-US" sz="2100" dirty="0">
+                <a:latin typeface="Courier New" pitchFamily="49" charset="0"/>
+                <a:cs typeface="Courier New" pitchFamily="49" charset="0"/>
+              </a:rPr>
+              <a:t>  *</a:t>
+            </a:r>
+            <a:endParaRPr lang="hu-HU" altLang="en-US" sz="2100" dirty="0">
+              <a:latin typeface="Courier New" pitchFamily="49" charset="0"/>
+              <a:cs typeface="Courier New" pitchFamily="49" charset="0"/>
+            </a:endParaRPr>
+          </a:p>
+          <a:p>
+            <a:r>
+              <a:rPr lang="hu-HU" altLang="en-US" sz="2100" dirty="0">
+                <a:latin typeface="Courier New" pitchFamily="49" charset="0"/>
+                <a:cs typeface="Courier New" pitchFamily="49" charset="0"/>
+              </a:rPr>
+              <a:t>  </a:t>
             </a:r>
             <a:r>
               <a:rPr lang="en-US" altLang="en-US" sz="2100" dirty="0" err="1">
                 <a:latin typeface="Courier New" pitchFamily="49" charset="0"/>
                 <a:cs typeface="Courier New" pitchFamily="49" charset="0"/>
               </a:rPr>
-              <a:t>this.modelMatrixInverse</a:t>
-            </a:r>
+              <a:t>modelMatrix</a:t>
+            </a:r>
+            <a:endParaRPr lang="en-US" altLang="en-US" sz="2100" dirty="0">
+              <a:latin typeface="Courier New" pitchFamily="49" charset="0"/>
+              <a:cs typeface="Courier New" pitchFamily="49" charset="0"/>
+            </a:endParaRPr>
+          </a:p>
+          <a:p>
             <a:r>
               <a:rPr lang="en-US" altLang="en-US" sz="2100" dirty="0">
                 <a:latin typeface="Courier New" pitchFamily="49" charset="0"/>
                 <a:cs typeface="Courier New" pitchFamily="49" charset="0"/>
               </a:rPr>
-              <a:t>).</a:t>
-            </a:r>
+              <a:t>  ).</a:t>
+            </a:r>
+            <a:r>
+              <a:rPr lang="en-US" altLang="en-US" sz="2100" dirty="0" err="1">
+                <a:latin typeface="Courier New" pitchFamily="49" charset="0"/>
+                <a:cs typeface="Courier New" pitchFamily="49" charset="0"/>
+              </a:rPr>
+              <a:t>xyz</a:t>
+            </a:r>
+            <a:endParaRPr lang="en-US" altLang="en-US" sz="2100" dirty="0">
+              <a:latin typeface="Courier New" pitchFamily="49" charset="0"/>
+              <a:cs typeface="Courier New" pitchFamily="49" charset="0"/>
+            </a:endParaRPr>
           </a:p>
           <a:p>
             <a:r>
@@ -13196,72 +13305,7 @@
                 <a:latin typeface="Courier New" pitchFamily="49" charset="0"/>
                 <a:cs typeface="Courier New" pitchFamily="49" charset="0"/>
               </a:rPr>
-              <a:t>  scale( </a:t>
-            </a:r>
-            <a:r>
-              <a:rPr lang="en-US" altLang="en-US" sz="2100" dirty="0" err="1">
-                <a:latin typeface="Courier New" pitchFamily="49" charset="0"/>
-                <a:cs typeface="Courier New" pitchFamily="49" charset="0"/>
-              </a:rPr>
-              <a:t>Math.exp</a:t>
-            </a:r>
-            <a:r>
-              <a:rPr lang="en-US" altLang="en-US" sz="2100" dirty="0">
-                <a:latin typeface="Courier New" pitchFamily="49" charset="0"/>
-                <a:cs typeface="Courier New" pitchFamily="49" charset="0"/>
-              </a:rPr>
-              <a:t>(-</a:t>
-            </a:r>
-            <a:r>
-              <a:rPr lang="en-US" altLang="en-US" sz="2100" dirty="0" err="1">
-                <a:latin typeface="Courier New" pitchFamily="49" charset="0"/>
-                <a:cs typeface="Courier New" pitchFamily="49" charset="0"/>
-              </a:rPr>
-              <a:t>dt</a:t>
-            </a:r>
-            <a:r>
-              <a:rPr lang="en-US" altLang="en-US" sz="2100" dirty="0">
-                <a:latin typeface="Courier New" pitchFamily="49" charset="0"/>
-                <a:cs typeface="Courier New" pitchFamily="49" charset="0"/>
-              </a:rPr>
-              <a:t> * c/m) ).</a:t>
-            </a:r>
-          </a:p>
-          <a:p>
-            <a:r>
-              <a:rPr lang="en-US" altLang="en-US" sz="2100" dirty="0">
-                <a:latin typeface="Courier New" pitchFamily="49" charset="0"/>
-                <a:cs typeface="Courier New" pitchFamily="49" charset="0"/>
-              </a:rPr>
-              <a:t>  </a:t>
-            </a:r>
-            <a:r>
-              <a:rPr lang="hu-HU" altLang="en-US" sz="2100" dirty="0">
-                <a:latin typeface="Courier New" pitchFamily="49" charset="0"/>
-                <a:cs typeface="Courier New" pitchFamily="49" charset="0"/>
-              </a:rPr>
-              <a:t>xyz</a:t>
-            </a:r>
-            <a:r>
-              <a:rPr lang="en-US" altLang="en-US" sz="2100" dirty="0">
-                <a:latin typeface="Courier New" pitchFamily="49" charset="0"/>
-                <a:cs typeface="Courier New" pitchFamily="49" charset="0"/>
-              </a:rPr>
-              <a:t>0mul(</a:t>
-            </a:r>
-            <a:r>
-              <a:rPr lang="en-US" altLang="en-US" sz="2100" dirty="0" err="1">
-                <a:latin typeface="Courier New" pitchFamily="49" charset="0"/>
-                <a:cs typeface="Courier New" pitchFamily="49" charset="0"/>
-              </a:rPr>
-              <a:t>this.modelMatrix</a:t>
-            </a:r>
-            <a:r>
-              <a:rPr lang="en-US" altLang="en-US" sz="2100" dirty="0">
-                <a:latin typeface="Courier New" pitchFamily="49" charset="0"/>
-                <a:cs typeface="Courier New" pitchFamily="49" charset="0"/>
-              </a:rPr>
-              <a:t>);</a:t>
+              <a:t>)</a:t>
             </a:r>
             <a:endParaRPr lang="hu-HU" altLang="en-US" sz="2100" dirty="0">
               <a:latin typeface="Courier New" pitchFamily="49" charset="0"/>
@@ -13473,7 +13517,7 @@
                 <a:latin typeface="Courier New" pitchFamily="49" charset="0"/>
                 <a:cs typeface="Courier New" pitchFamily="49" charset="0"/>
               </a:rPr>
-              <a:t>(axis, angle);</a:t>
+              <a:t>(angle, axis);</a:t>
             </a:r>
             <a:endParaRPr lang="hu-HU" altLang="en-US" sz="2100" dirty="0">
               <a:latin typeface="Courier New" pitchFamily="49" charset="0"/>
@@ -13955,7 +13999,7 @@
                 <a:latin typeface="Courier New" pitchFamily="49" charset="0"/>
                 <a:cs typeface="Courier New" pitchFamily="49" charset="0"/>
               </a:rPr>
-              <a:t>new Mat4(</a:t>
+              <a:t>Mat4(</a:t>
             </a:r>
             <a:endParaRPr lang="en-US" altLang="en-US" sz="2100" dirty="0">
               <a:latin typeface="Courier New" pitchFamily="49" charset="0"/>
@@ -14211,8 +14255,13 @@
           <a:p>
             <a:r>
               <a:rPr lang="en-US" dirty="0"/>
-              <a:t>Static ‘up’ vector</a:t>
-            </a:r>
+              <a:t>Fix ‘up’ </a:t>
+            </a:r>
+            <a:r>
+              <a:rPr lang="en-US" dirty="0" err="1"/>
+              <a:t>vektor</a:t>
+            </a:r>
+            <a:endParaRPr lang="en-US" dirty="0"/>
           </a:p>
         </p:txBody>
       </p:sp>
@@ -14233,14 +14282,48 @@
           <a:p>
             <a:r>
               <a:rPr lang="en-US" dirty="0"/>
-              <a:t>instead of the acceleration vector we can use a fixed vector</a:t>
-            </a:r>
-          </a:p>
-          <a:p>
+              <a:t>a </a:t>
+            </a:r>
+            <a:r>
+              <a:rPr lang="en-US" dirty="0" err="1"/>
+              <a:t>gyorsul</a:t>
+            </a:r>
+            <a:r>
+              <a:rPr lang="hu-HU" dirty="0"/>
+              <a:t>á</a:t>
+            </a:r>
+            <a:r>
+              <a:rPr lang="en-US" dirty="0" err="1"/>
+              <a:t>svektor</a:t>
+            </a:r>
             <a:r>
               <a:rPr lang="en-US" dirty="0"/>
-              <a:t>boring, but the plane never turns upside down</a:t>
-            </a:r>
+              <a:t> </a:t>
+            </a:r>
+            <a:r>
+              <a:rPr lang="en-US" dirty="0" err="1"/>
+              <a:t>helyett</a:t>
+            </a:r>
+            <a:r>
+              <a:rPr lang="en-US" dirty="0"/>
+              <a:t> </a:t>
+            </a:r>
+            <a:r>
+              <a:rPr lang="hu-HU" dirty="0"/>
+              <a:t>használhatunk egy rögzített </a:t>
+            </a:r>
+            <a:r>
+              <a:rPr lang="hu-HU" dirty="0" err="1"/>
+              <a:t>felfeléirányt</a:t>
+            </a:r>
+            <a:endParaRPr lang="en-US" dirty="0"/>
+          </a:p>
+          <a:p>
+            <a:r>
+              <a:rPr lang="hu-HU" dirty="0"/>
+              <a:t>kevésbé dinamikus, de nem áll fejre</a:t>
+            </a:r>
+            <a:endParaRPr lang="en-US" dirty="0"/>
           </a:p>
         </p:txBody>
       </p:sp>
@@ -18201,7 +18284,7 @@
           </p:nvPr>
         </p:nvPicPr>
         <p:blipFill>
-          <a:blip r:embed="rId7" cstate="print">
+          <a:blip r:embed="rId8" cstate="print">
             <a:extLst>
               <a:ext uri="{28A0092B-C50C-407E-A947-70E740481C1C}">
                 <a14:useLocalDpi xmlns:a14="http://schemas.microsoft.com/office/drawing/2010/main" val="0"/>
@@ -18235,7 +18318,7 @@
           </p:nvPr>
         </p:nvPicPr>
         <p:blipFill>
-          <a:blip r:embed="rId8" cstate="print">
+          <a:blip r:embed="rId9" cstate="print">
             <a:extLst>
               <a:ext uri="{28A0092B-C50C-407E-A947-70E740481C1C}">
                 <a14:useLocalDpi xmlns:a14="http://schemas.microsoft.com/office/drawing/2010/main" val="0"/>
@@ -18269,7 +18352,7 @@
           </p:nvPr>
         </p:nvPicPr>
         <p:blipFill>
-          <a:blip r:embed="rId9" cstate="print">
+          <a:blip r:embed="rId10" cstate="print">
             <a:extLst>
               <a:ext uri="{28A0092B-C50C-407E-A947-70E740481C1C}">
                 <a14:useLocalDpi xmlns:a14="http://schemas.microsoft.com/office/drawing/2010/main" val="0"/>
@@ -18303,7 +18386,7 @@
           </p:nvPr>
         </p:nvPicPr>
         <p:blipFill>
-          <a:blip r:embed="rId10" cstate="print">
+          <a:blip r:embed="rId11" cstate="print">
             <a:extLst>
               <a:ext uri="{28A0092B-C50C-407E-A947-70E740481C1C}">
                 <a14:useLocalDpi xmlns:a14="http://schemas.microsoft.com/office/drawing/2010/main" val="0"/>
@@ -18337,7 +18420,7 @@
           </p:nvPr>
         </p:nvPicPr>
         <p:blipFill>
-          <a:blip r:embed="rId11" cstate="print">
+          <a:blip r:embed="rId12" cstate="print">
             <a:extLst>
               <a:ext uri="{28A0092B-C50C-407E-A947-70E740481C1C}">
                 <a14:useLocalDpi xmlns:a14="http://schemas.microsoft.com/office/drawing/2010/main" val="0"/>
@@ -34047,28 +34130,10 @@
           <a:lstStyle/>
           <a:p>
             <a:r>
-              <a:rPr lang="hu-HU" altLang="en-US" sz="1350" b="1" dirty="0" err="1">
-                <a:latin typeface="Courier New" panose="02070309020205020404" pitchFamily="49" charset="0"/>
-              </a:rPr>
-              <a:t>ship</a:t>
-            </a:r>
-            <a:r>
               <a:rPr lang="en-US" altLang="en-US" sz="1350" b="1" dirty="0">
                 <a:latin typeface="Courier New" panose="02070309020205020404" pitchFamily="49" charset="0"/>
               </a:rPr>
-              <a:t>.move = function(</a:t>
-            </a:r>
-            <a:r>
-              <a:rPr lang="en-US" altLang="en-US" sz="1350" b="1" dirty="0" err="1">
-                <a:latin typeface="Courier New" panose="02070309020205020404" pitchFamily="49" charset="0"/>
-              </a:rPr>
-              <a:t>dt</a:t>
-            </a:r>
-            <a:r>
-              <a:rPr lang="en-US" altLang="en-US" sz="1350" b="1" dirty="0">
-                <a:latin typeface="Courier New" panose="02070309020205020404" pitchFamily="49" charset="0"/>
-              </a:rPr>
-              <a:t>){</a:t>
+              <a:t>fun move (dt : Float){</a:t>
             </a:r>
             <a:endParaRPr lang="hu-HU" altLang="en-US" sz="1350" b="1" dirty="0">
               <a:latin typeface="Courier New" panose="02070309020205020404" pitchFamily="49" charset="0"/>
@@ -34076,46 +34141,46 @@
           </a:p>
           <a:p>
             <a:r>
+              <a:rPr lang="en-US" altLang="en-US" sz="1350" b="1" dirty="0">
+                <a:latin typeface="Courier New" panose="02070309020205020404" pitchFamily="49" charset="0"/>
+              </a:rPr>
+              <a:t>  </a:t>
+            </a:r>
+            <a:r>
+              <a:rPr lang="hu-HU" altLang="en-US" sz="1350" b="1" dirty="0" err="1">
+                <a:latin typeface="Courier New" panose="02070309020205020404" pitchFamily="49" charset="0"/>
+              </a:rPr>
+              <a:t>acceleration</a:t>
+            </a:r>
+            <a:r>
+              <a:rPr lang="en-US" altLang="en-US" sz="1350" b="1" dirty="0">
+                <a:latin typeface="Courier New" panose="02070309020205020404" pitchFamily="49" charset="0"/>
+              </a:rPr>
+              <a:t> = </a:t>
+            </a:r>
+            <a:r>
+              <a:rPr lang="hu-HU" altLang="en-US" sz="1350" b="1" dirty="0" err="1">
+                <a:latin typeface="Courier New" panose="02070309020205020404" pitchFamily="49" charset="0"/>
+              </a:rPr>
+              <a:t>force</a:t>
+            </a:r>
+            <a:r>
+              <a:rPr lang="en-US" altLang="en-US" sz="1350" b="1" dirty="0">
+                <a:latin typeface="Courier New" panose="02070309020205020404" pitchFamily="49" charset="0"/>
+              </a:rPr>
+              <a:t> *</a:t>
+            </a:r>
+            <a:r>
               <a:rPr lang="hu-HU" altLang="en-US" sz="1350" b="1" dirty="0">
                 <a:latin typeface="Courier New" panose="02070309020205020404" pitchFamily="49" charset="0"/>
               </a:rPr>
-              <a:t>  </a:t>
-            </a:r>
-            <a:r>
-              <a:rPr lang="hu-HU" altLang="en-US" sz="1350" b="1" dirty="0" err="1">
-                <a:latin typeface="Courier New" panose="02070309020205020404" pitchFamily="49" charset="0"/>
-              </a:rPr>
-              <a:t>this.acceleration.setScaled</a:t>
-            </a:r>
-            <a:r>
-              <a:rPr lang="en-US" altLang="en-US" sz="1350" b="1" dirty="0">
-                <a:latin typeface="Courier New" panose="02070309020205020404" pitchFamily="49" charset="0"/>
-              </a:rPr>
-              <a:t>(</a:t>
-            </a:r>
-            <a:r>
-              <a:rPr lang="hu-HU" altLang="en-US" sz="1350" b="1" dirty="0" err="1">
-                <a:latin typeface="Courier New" panose="02070309020205020404" pitchFamily="49" charset="0"/>
-              </a:rPr>
-              <a:t>force</a:t>
-            </a:r>
-            <a:r>
-              <a:rPr lang="hu-HU" altLang="en-US" sz="1350" b="1" dirty="0">
-                <a:latin typeface="Courier New" panose="02070309020205020404" pitchFamily="49" charset="0"/>
-              </a:rPr>
-              <a:t>, </a:t>
+              <a:t> </a:t>
             </a:r>
             <a:r>
               <a:rPr lang="en-US" altLang="en-US" sz="1350" b="1" dirty="0" err="1">
                 <a:latin typeface="Courier New" panose="02070309020205020404" pitchFamily="49" charset="0"/>
               </a:rPr>
               <a:t>invMass</a:t>
-            </a:r>
-            <a:r>
-              <a:rPr lang="en-US" altLang="en-US" sz="1350" b="1" dirty="0">
-                <a:latin typeface="Courier New" panose="02070309020205020404" pitchFamily="49" charset="0"/>
-              </a:rPr>
-              <a:t>);</a:t>
             </a:r>
             <a:endParaRPr lang="hu-HU" altLang="en-US" sz="1350" b="1" dirty="0">
               <a:latin typeface="Courier New" panose="02070309020205020404" pitchFamily="49" charset="0"/>
@@ -34129,102 +34194,36 @@
               <a:t>  </a:t>
             </a:r>
             <a:r>
+              <a:rPr lang="hu-HU" altLang="en-US" sz="1350" b="1" dirty="0" err="1">
+                <a:latin typeface="Courier New" panose="02070309020205020404" pitchFamily="49" charset="0"/>
+              </a:rPr>
+              <a:t>velocity</a:t>
+            </a:r>
+            <a:r>
               <a:rPr lang="en-US" altLang="en-US" sz="1350" b="1" dirty="0">
                 <a:latin typeface="Courier New" panose="02070309020205020404" pitchFamily="49" charset="0"/>
               </a:rPr>
-              <a:t>this.</a:t>
+              <a:t> += </a:t>
             </a:r>
             <a:r>
               <a:rPr lang="hu-HU" altLang="en-US" sz="1350" b="1" dirty="0" err="1">
                 <a:latin typeface="Courier New" panose="02070309020205020404" pitchFamily="49" charset="0"/>
               </a:rPr>
-              <a:t>velocity</a:t>
+              <a:t>acceleration</a:t>
             </a:r>
             <a:r>
               <a:rPr lang="en-US" altLang="en-US" sz="1350" b="1" dirty="0">
                 <a:latin typeface="Courier New" panose="02070309020205020404" pitchFamily="49" charset="0"/>
               </a:rPr>
-              <a:t>.</a:t>
-            </a:r>
-            <a:r>
-              <a:rPr lang="en-US" altLang="en-US" sz="1350" b="1" dirty="0" err="1">
-                <a:latin typeface="Courier New" panose="02070309020205020404" pitchFamily="49" charset="0"/>
-              </a:rPr>
-              <a:t>addScaled</a:t>
-            </a:r>
+              <a:t> * dt</a:t>
+            </a:r>
+          </a:p>
+          <a:p>
             <a:r>
               <a:rPr lang="en-US" altLang="en-US" sz="1350" b="1" dirty="0">
                 <a:latin typeface="Courier New" panose="02070309020205020404" pitchFamily="49" charset="0"/>
               </a:rPr>
-              <a:t>(</a:t>
-            </a:r>
-            <a:r>
-              <a:rPr lang="en-US" altLang="en-US" sz="1350" b="1" dirty="0" err="1">
-                <a:latin typeface="Courier New" panose="02070309020205020404" pitchFamily="49" charset="0"/>
-              </a:rPr>
-              <a:t>dt</a:t>
-            </a:r>
-            <a:r>
-              <a:rPr lang="en-US" altLang="en-US" sz="1350" b="1" dirty="0">
-                <a:latin typeface="Courier New" panose="02070309020205020404" pitchFamily="49" charset="0"/>
-              </a:rPr>
-              <a:t>, </a:t>
-            </a:r>
-            <a:r>
-              <a:rPr lang="hu-HU" altLang="en-US" sz="1350" b="1" dirty="0" err="1">
-                <a:latin typeface="Courier New" panose="02070309020205020404" pitchFamily="49" charset="0"/>
-              </a:rPr>
-              <a:t>acceleration</a:t>
-            </a:r>
-            <a:r>
-              <a:rPr lang="en-US" altLang="en-US" sz="1350" b="1" dirty="0">
-                <a:latin typeface="Courier New" panose="02070309020205020404" pitchFamily="49" charset="0"/>
-              </a:rPr>
-              <a:t>);</a:t>
-            </a:r>
-          </a:p>
-          <a:p>
-            <a:r>
-              <a:rPr lang="hu-HU" altLang="en-US" sz="1350" b="1" dirty="0">
-                <a:latin typeface="Courier New" panose="02070309020205020404" pitchFamily="49" charset="0"/>
-              </a:rPr>
-              <a:t>  </a:t>
-            </a:r>
-            <a:r>
-              <a:rPr lang="en-US" altLang="en-US" sz="1350" b="1" dirty="0" err="1">
-                <a:latin typeface="Courier New" panose="02070309020205020404" pitchFamily="49" charset="0"/>
-              </a:rPr>
-              <a:t>this.position.addScaled</a:t>
-            </a:r>
-            <a:r>
-              <a:rPr lang="en-US" altLang="en-US" sz="1350" b="1" dirty="0">
-                <a:latin typeface="Courier New" panose="02070309020205020404" pitchFamily="49" charset="0"/>
-              </a:rPr>
-              <a:t>(</a:t>
-            </a:r>
-            <a:r>
-              <a:rPr lang="en-US" altLang="en-US" sz="1350" b="1" dirty="0" err="1">
-                <a:latin typeface="Courier New" panose="02070309020205020404" pitchFamily="49" charset="0"/>
-              </a:rPr>
-              <a:t>dt</a:t>
-            </a:r>
-            <a:r>
-              <a:rPr lang="en-US" altLang="en-US" sz="1350" b="1" dirty="0">
-                <a:latin typeface="Courier New" panose="02070309020205020404" pitchFamily="49" charset="0"/>
-              </a:rPr>
-              <a:t>, </a:t>
-            </a:r>
-            <a:r>
-              <a:rPr lang="en-US" altLang="en-US" sz="1350" b="1" dirty="0" err="1">
-                <a:latin typeface="Courier New" panose="02070309020205020404" pitchFamily="49" charset="0"/>
-              </a:rPr>
-              <a:t>this.velocity</a:t>
-            </a:r>
-            <a:r>
-              <a:rPr lang="en-US" altLang="en-US" sz="1350" b="1" dirty="0">
-                <a:latin typeface="Courier New" panose="02070309020205020404" pitchFamily="49" charset="0"/>
-              </a:rPr>
-              <a:t>);</a:t>
+              <a:t>  position += velocity * dt</a:t>
             </a:r>
           </a:p>
           <a:p>
@@ -36158,78 +36157,24 @@
           <a:lstStyle/>
           <a:p>
             <a:r>
-              <a:rPr lang="hu-HU" altLang="en-US" sz="1350" b="1" dirty="0" err="1">
-                <a:latin typeface="Courier New" panose="02070309020205020404" pitchFamily="49" charset="0"/>
-              </a:rPr>
-              <a:t>ship</a:t>
-            </a:r>
-            <a:r>
               <a:rPr lang="en-US" altLang="en-US" sz="1350" b="1" dirty="0">
                 <a:latin typeface="Courier New" panose="02070309020205020404" pitchFamily="49" charset="0"/>
               </a:rPr>
-              <a:t>.move = function(</a:t>
-            </a:r>
-            <a:r>
-              <a:rPr lang="en-US" altLang="en-US" sz="1350" b="1" dirty="0" err="1">
+              <a:t>fun move (dt : Float){</a:t>
+            </a:r>
+          </a:p>
+          <a:p>
+            <a:r>
+              <a:rPr lang="hu-HU" altLang="en-US" sz="1350" b="1" dirty="0">
                 <a:latin typeface="Courier New" panose="02070309020205020404" pitchFamily="49" charset="0"/>
               </a:rPr>
-              <a:t>dt</a:t>
+              <a:t> </a:t>
             </a:r>
             <a:r>
               <a:rPr lang="en-US" altLang="en-US" sz="1350" b="1" dirty="0">
                 <a:latin typeface="Courier New" panose="02070309020205020404" pitchFamily="49" charset="0"/>
               </a:rPr>
-              <a:t>){</a:t>
-            </a:r>
-          </a:p>
-          <a:p>
-            <a:r>
-              <a:rPr lang="hu-HU" altLang="en-US" sz="1350" b="1" dirty="0">
-                <a:latin typeface="Courier New" panose="02070309020205020404" pitchFamily="49" charset="0"/>
-              </a:rPr>
-              <a:t> </a:t>
-            </a:r>
-            <a:r>
-              <a:rPr lang="en-US" altLang="en-US" sz="1350" b="1" dirty="0">
-                <a:latin typeface="Courier New" panose="02070309020205020404" pitchFamily="49" charset="0"/>
-              </a:rPr>
-              <a:t> </a:t>
-            </a:r>
-            <a:r>
-              <a:rPr lang="en-US" altLang="en-US" sz="1350" b="1" dirty="0" err="1">
-                <a:latin typeface="Courier New" panose="02070309020205020404" pitchFamily="49" charset="0"/>
-              </a:rPr>
-              <a:t>this.momentum.add</a:t>
-            </a:r>
-            <a:r>
-              <a:rPr lang="hu-HU" altLang="en-US" sz="1350" b="1" dirty="0" err="1">
-                <a:latin typeface="Courier New" panose="02070309020205020404" pitchFamily="49" charset="0"/>
-              </a:rPr>
-              <a:t>Scaled</a:t>
-            </a:r>
-            <a:r>
-              <a:rPr lang="en-US" altLang="en-US" sz="1350" b="1" dirty="0">
-                <a:latin typeface="Courier New" panose="02070309020205020404" pitchFamily="49" charset="0"/>
-              </a:rPr>
-              <a:t>(</a:t>
-            </a:r>
-            <a:r>
-              <a:rPr lang="hu-HU" altLang="en-US" sz="1350" b="1" dirty="0" err="1">
-                <a:latin typeface="Courier New" panose="02070309020205020404" pitchFamily="49" charset="0"/>
-              </a:rPr>
-              <a:t>dt</a:t>
-            </a:r>
-            <a:r>
-              <a:rPr lang="hu-HU" altLang="en-US" sz="1350" b="1" dirty="0">
-                <a:latin typeface="Courier New" panose="02070309020205020404" pitchFamily="49" charset="0"/>
-              </a:rPr>
-              <a:t>, </a:t>
-            </a:r>
-            <a:r>
-              <a:rPr lang="en-US" altLang="en-US" sz="1350" b="1" dirty="0">
-                <a:latin typeface="Courier New" panose="02070309020205020404" pitchFamily="49" charset="0"/>
-              </a:rPr>
-              <a:t>force);</a:t>
+              <a:t> momentum += force * dt</a:t>
             </a:r>
             <a:endParaRPr lang="hu-HU" altLang="en-US" sz="1350" b="1" dirty="0">
               <a:latin typeface="Courier New" panose="02070309020205020404" pitchFamily="49" charset="0"/>
@@ -36237,52 +36182,22 @@
           </a:p>
           <a:p>
             <a:r>
+              <a:rPr lang="en-US" altLang="en-US" sz="1350" b="1" dirty="0">
+                <a:latin typeface="Courier New" panose="02070309020205020404" pitchFamily="49" charset="0"/>
+              </a:rPr>
+              <a:t>  velocity = momentum *</a:t>
+            </a:r>
+            <a:r>
               <a:rPr lang="hu-HU" altLang="en-US" sz="1350" b="1" dirty="0">
                 <a:latin typeface="Courier New" panose="02070309020205020404" pitchFamily="49" charset="0"/>
               </a:rPr>
-              <a:t>  </a:t>
-            </a:r>
-            <a:r>
-              <a:rPr lang="hu-HU" altLang="en-US" sz="1350" b="1" dirty="0" err="1">
-                <a:latin typeface="Courier New" panose="02070309020205020404" pitchFamily="49" charset="0"/>
-              </a:rPr>
-              <a:t>this</a:t>
-            </a:r>
-            <a:r>
-              <a:rPr lang="hu-HU" altLang="en-US" sz="1350" b="1" dirty="0">
-                <a:latin typeface="Courier New" panose="02070309020205020404" pitchFamily="49" charset="0"/>
-              </a:rPr>
-              <a:t>.</a:t>
-            </a:r>
-            <a:r>
-              <a:rPr lang="en-US" altLang="en-US" sz="1350" b="1" dirty="0">
-                <a:latin typeface="Courier New" panose="02070309020205020404" pitchFamily="49" charset="0"/>
-              </a:rPr>
-              <a:t>velocity</a:t>
-            </a:r>
-            <a:r>
-              <a:rPr lang="hu-HU" altLang="en-US" sz="1350" b="1" dirty="0">
-                <a:latin typeface="Courier New" panose="02070309020205020404" pitchFamily="49" charset="0"/>
-              </a:rPr>
-              <a:t>.setScaled(t</a:t>
+              <a:t> </a:t>
             </a:r>
             <a:r>
               <a:rPr lang="en-US" altLang="en-US" sz="1350" b="1" dirty="0" err="1">
                 <a:latin typeface="Courier New" panose="02070309020205020404" pitchFamily="49" charset="0"/>
               </a:rPr>
-              <a:t>his.momentum</a:t>
-            </a:r>
-            <a:r>
-              <a:rPr lang="hu-HU" altLang="en-US" sz="1350" b="1" dirty="0">
-                <a:latin typeface="Courier New" panose="02070309020205020404" pitchFamily="49" charset="0"/>
-              </a:rPr>
-              <a:t>, invMass</a:t>
-            </a:r>
-            <a:r>
-              <a:rPr lang="en-US" altLang="en-US" sz="1350" b="1" dirty="0">
-                <a:latin typeface="Courier New" panose="02070309020205020404" pitchFamily="49" charset="0"/>
-              </a:rPr>
-              <a:t>);</a:t>
+              <a:t>invMass</a:t>
             </a:r>
             <a:endParaRPr lang="hu-HU" altLang="en-US" sz="1350" b="1" dirty="0">
               <a:latin typeface="Courier New" panose="02070309020205020404" pitchFamily="49" charset="0"/>
@@ -36293,43 +36208,7 @@
               <a:rPr lang="en-US" altLang="en-US" sz="1350" b="1" dirty="0">
                 <a:latin typeface="Courier New" panose="02070309020205020404" pitchFamily="49" charset="0"/>
               </a:rPr>
-              <a:t>  </a:t>
-            </a:r>
-            <a:r>
-              <a:rPr lang="en-US" altLang="en-US" sz="1350" b="1" dirty="0" err="1">
-                <a:latin typeface="Courier New" panose="02070309020205020404" pitchFamily="49" charset="0"/>
-              </a:rPr>
-              <a:t>this.position.add</a:t>
-            </a:r>
-            <a:r>
-              <a:rPr lang="hu-HU" altLang="en-US" sz="1350" b="1" dirty="0" err="1">
-                <a:latin typeface="Courier New" panose="02070309020205020404" pitchFamily="49" charset="0"/>
-              </a:rPr>
-              <a:t>Scaled</a:t>
-            </a:r>
-            <a:r>
-              <a:rPr lang="en-US" altLang="en-US" sz="1350" b="1" dirty="0">
-                <a:latin typeface="Courier New" panose="02070309020205020404" pitchFamily="49" charset="0"/>
-              </a:rPr>
-              <a:t>(</a:t>
-            </a:r>
-            <a:r>
-              <a:rPr lang="hu-HU" altLang="en-US" sz="1350" b="1" dirty="0" err="1">
-                <a:latin typeface="Courier New" panose="02070309020205020404" pitchFamily="49" charset="0"/>
-              </a:rPr>
-              <a:t>dt</a:t>
-            </a:r>
-            <a:r>
-              <a:rPr lang="hu-HU" altLang="en-US" sz="1350" b="1" dirty="0">
-                <a:latin typeface="Courier New" panose="02070309020205020404" pitchFamily="49" charset="0"/>
-              </a:rPr>
-              <a:t>, </a:t>
-            </a:r>
-            <a:r>
-              <a:rPr lang="en-US" altLang="en-US" sz="1350" b="1" dirty="0">
-                <a:latin typeface="Courier New" panose="02070309020205020404" pitchFamily="49" charset="0"/>
-              </a:rPr>
-              <a:t>velocity);</a:t>
+              <a:t>  position += velocity * dt</a:t>
             </a:r>
           </a:p>
           <a:p>

--- a/projects/kog.3gr.020-gom/3gre060_physics.pptx
+++ b/projects/kog.3gr.020-gom/3gre060_physics.pptx
@@ -5,7 +5,7 @@
     <p:sldMasterId id="2147483669" r:id="rId1"/>
   </p:sldMasterIdLst>
   <p:notesMasterIdLst>
-    <p:notesMasterId r:id="rId59"/>
+    <p:notesMasterId r:id="rId60"/>
   </p:notesMasterIdLst>
   <p:sldIdLst>
     <p:sldId id="256" r:id="rId2"/>
@@ -29,42 +29,43 @@
     <p:sldId id="514" r:id="rId20"/>
     <p:sldId id="515" r:id="rId21"/>
     <p:sldId id="570" r:id="rId22"/>
-    <p:sldId id="352" r:id="rId23"/>
-    <p:sldId id="353" r:id="rId24"/>
-    <p:sldId id="561" r:id="rId25"/>
-    <p:sldId id="567" r:id="rId26"/>
-    <p:sldId id="565" r:id="rId27"/>
-    <p:sldId id="566" r:id="rId28"/>
-    <p:sldId id="520" r:id="rId29"/>
-    <p:sldId id="521" r:id="rId30"/>
-    <p:sldId id="522" r:id="rId31"/>
-    <p:sldId id="523" r:id="rId32"/>
-    <p:sldId id="524" r:id="rId33"/>
-    <p:sldId id="527" r:id="rId34"/>
-    <p:sldId id="528" r:id="rId35"/>
-    <p:sldId id="546" r:id="rId36"/>
-    <p:sldId id="529" r:id="rId37"/>
-    <p:sldId id="530" r:id="rId38"/>
-    <p:sldId id="531" r:id="rId39"/>
-    <p:sldId id="532" r:id="rId40"/>
-    <p:sldId id="533" r:id="rId41"/>
-    <p:sldId id="534" r:id="rId42"/>
-    <p:sldId id="535" r:id="rId43"/>
-    <p:sldId id="536" r:id="rId44"/>
-    <p:sldId id="537" r:id="rId45"/>
-    <p:sldId id="538" r:id="rId46"/>
-    <p:sldId id="539" r:id="rId47"/>
-    <p:sldId id="540" r:id="rId48"/>
-    <p:sldId id="547" r:id="rId49"/>
-    <p:sldId id="548" r:id="rId50"/>
-    <p:sldId id="549" r:id="rId51"/>
-    <p:sldId id="551" r:id="rId52"/>
-    <p:sldId id="555" r:id="rId53"/>
-    <p:sldId id="556" r:id="rId54"/>
-    <p:sldId id="557" r:id="rId55"/>
-    <p:sldId id="558" r:id="rId56"/>
-    <p:sldId id="559" r:id="rId57"/>
-    <p:sldId id="560" r:id="rId58"/>
+    <p:sldId id="357" r:id="rId23"/>
+    <p:sldId id="358" r:id="rId24"/>
+    <p:sldId id="359" r:id="rId25"/>
+    <p:sldId id="561" r:id="rId26"/>
+    <p:sldId id="567" r:id="rId27"/>
+    <p:sldId id="565" r:id="rId28"/>
+    <p:sldId id="566" r:id="rId29"/>
+    <p:sldId id="520" r:id="rId30"/>
+    <p:sldId id="521" r:id="rId31"/>
+    <p:sldId id="522" r:id="rId32"/>
+    <p:sldId id="523" r:id="rId33"/>
+    <p:sldId id="524" r:id="rId34"/>
+    <p:sldId id="527" r:id="rId35"/>
+    <p:sldId id="528" r:id="rId36"/>
+    <p:sldId id="546" r:id="rId37"/>
+    <p:sldId id="529" r:id="rId38"/>
+    <p:sldId id="530" r:id="rId39"/>
+    <p:sldId id="531" r:id="rId40"/>
+    <p:sldId id="532" r:id="rId41"/>
+    <p:sldId id="533" r:id="rId42"/>
+    <p:sldId id="534" r:id="rId43"/>
+    <p:sldId id="535" r:id="rId44"/>
+    <p:sldId id="536" r:id="rId45"/>
+    <p:sldId id="537" r:id="rId46"/>
+    <p:sldId id="538" r:id="rId47"/>
+    <p:sldId id="539" r:id="rId48"/>
+    <p:sldId id="540" r:id="rId49"/>
+    <p:sldId id="547" r:id="rId50"/>
+    <p:sldId id="548" r:id="rId51"/>
+    <p:sldId id="549" r:id="rId52"/>
+    <p:sldId id="551" r:id="rId53"/>
+    <p:sldId id="555" r:id="rId54"/>
+    <p:sldId id="556" r:id="rId55"/>
+    <p:sldId id="557" r:id="rId56"/>
+    <p:sldId id="558" r:id="rId57"/>
+    <p:sldId id="559" r:id="rId58"/>
+    <p:sldId id="560" r:id="rId59"/>
   </p:sldIdLst>
   <p:sldSz cx="9144000" cy="6858000" type="screen4x3"/>
   <p:notesSz cx="6858000" cy="9144000"/>
@@ -253,7 +254,7 @@
           <a:p>
             <a:fld id="{9CB53498-0D27-4BA1-B64E-F3F0DF81F6FC}" type="datetimeFigureOut">
               <a:rPr lang="en-US" smtClean="0"/>
-              <a:t>3/16/2021</a:t>
+              <a:t>3/10/2023</a:t>
             </a:fld>
             <a:endParaRPr lang="en-US"/>
           </a:p>
@@ -853,7 +854,7 @@
           <a:p>
             <a:fld id="{EC4EACB1-31E9-4803-B2A0-303E52099FBA}" type="slidenum">
               <a:rPr lang="en-US" smtClean="0"/>
-              <a:t>35</a:t>
+              <a:t>36</a:t>
             </a:fld>
             <a:endParaRPr lang="en-US"/>
           </a:p>
@@ -1436,7 +1437,7 @@
           <a:p>
             <a:fld id="{233D5BDB-207A-4240-9DD0-70E5211C08C1}" type="datetimeFigureOut">
               <a:rPr lang="en-US" smtClean="0"/>
-              <a:t>3/16/2021</a:t>
+              <a:t>3/10/2023</a:t>
             </a:fld>
             <a:endParaRPr lang="en-US"/>
           </a:p>
@@ -4159,7 +4160,7 @@
             <a:fld id="{233D5BDB-207A-4240-9DD0-70E5211C08C1}" type="datetimeFigureOut">
               <a:rPr lang="en-US" smtClean="0"/>
               <a:pPr/>
-              <a:t>3/16/2021</a:t>
+              <a:t>3/10/2023</a:t>
             </a:fld>
             <a:endParaRPr lang="en-US"/>
           </a:p>
@@ -9008,7 +9009,12 @@
             <p:ph type="title"/>
           </p:nvPr>
         </p:nvSpPr>
-        <p:spPr/>
+        <p:spPr>
+          <a:xfrm>
+            <a:off x="628650" y="383598"/>
+            <a:ext cx="7886700" cy="1325563"/>
+          </a:xfrm>
+        </p:spPr>
         <p:txBody>
           <a:bodyPr/>
           <a:lstStyle/>
@@ -9025,7 +9031,7 @@
                 <a:latin typeface="Consolas" panose="020B0609020204030204" pitchFamily="49" charset="0"/>
                 <a:cs typeface="Consolas" panose="020B0609020204030204" pitchFamily="49" charset="0"/>
               </a:rPr>
-              <a:t>::move</a:t>
+              <a:t>.Motion</a:t>
             </a:r>
             <a:endParaRPr lang="en-US" dirty="0"/>
           </a:p>
@@ -9047,20 +9053,6 @@
             <a:noAutofit/>
           </a:bodyPr>
           <a:lstStyle/>
-          <a:p>
-            <a:pPr>
-              <a:lnSpc>
-                <a:spcPct val="107000"/>
-              </a:lnSpc>
-              <a:spcAft>
-                <a:spcPts val="800"/>
-              </a:spcAft>
-            </a:pPr>
-            <a:endParaRPr lang="en-US" sz="2000" dirty="0">
-              <a:ea typeface="Calibri" panose="020F0502020204030204" pitchFamily="34" charset="0"/>
-              <a:cs typeface="Times New Roman" panose="02020603050405020304" pitchFamily="18" charset="0"/>
-            </a:endParaRPr>
-          </a:p>
           <a:p>
             <a:pPr>
               <a:lnSpc>
@@ -9088,28 +9080,6 @@
                 <a:tab pos="9306560" algn="l"/>
               </a:tabLst>
             </a:pPr>
-            <a:r>
-              <a:rPr lang="hu-HU" sz="2000" dirty="0">
-                <a:solidFill>
-                  <a:srgbClr val="C70040"/>
-                </a:solidFill>
-                <a:ea typeface="Times New Roman" panose="02020603050405020304" pitchFamily="18" charset="0"/>
-                <a:cs typeface="Times New Roman" panose="02020603050405020304" pitchFamily="18" charset="0"/>
-              </a:rPr>
-              <a:t>open</a:t>
-            </a:r>
-            <a:r>
-              <a:rPr lang="hu-HU" sz="2000" dirty="0">
-                <a:solidFill>
-                  <a:schemeClr val="bg1">
-                    <a:lumMod val="50000"/>
-                  </a:schemeClr>
-                </a:solidFill>
-                <a:ea typeface="Times New Roman" panose="02020603050405020304" pitchFamily="18" charset="0"/>
-                <a:cs typeface="Times New Roman" panose="02020603050405020304" pitchFamily="18" charset="0"/>
-              </a:rPr>
-              <a:t> </a:t>
-            </a:r>
             <a:r>
               <a:rPr lang="en-US" sz="2000" dirty="0">
                 <a:solidFill>
@@ -9226,52 +9196,170 @@
               <a:t>  </a:t>
             </a:r>
             <a:r>
-              <a:rPr lang="hu-HU" sz="2000" dirty="0">
+              <a:rPr lang="hu-HU" sz="2000" dirty="0" err="1">
                 <a:solidFill>
                   <a:srgbClr val="C70040"/>
                 </a:solidFill>
                 <a:ea typeface="Times New Roman" panose="02020603050405020304" pitchFamily="18" charset="0"/>
                 <a:cs typeface="Times New Roman" panose="02020603050405020304" pitchFamily="18" charset="0"/>
               </a:rPr>
-              <a:t>open fun </a:t>
+              <a:t>open</a:t>
             </a:r>
             <a:r>
               <a:rPr lang="hu-HU" sz="2000" dirty="0">
                 <a:solidFill>
-                  <a:srgbClr val="427E00"/>
+                  <a:srgbClr val="C70040"/>
                 </a:solidFill>
                 <a:ea typeface="Times New Roman" panose="02020603050405020304" pitchFamily="18" charset="0"/>
                 <a:cs typeface="Times New Roman" panose="02020603050405020304" pitchFamily="18" charset="0"/>
               </a:rPr>
-              <a:t>move</a:t>
-            </a:r>
-            <a:r>
-              <a:rPr lang="hu-HU" sz="2000" dirty="0">
-                <a:solidFill>
-                  <a:srgbClr val="000000"/>
+              <a:t> </a:t>
+            </a:r>
+            <a:r>
+              <a:rPr lang="en-US" sz="2000" dirty="0">
+                <a:solidFill>
+                  <a:srgbClr val="C70040"/>
                 </a:solidFill>
                 <a:ea typeface="Times New Roman" panose="02020603050405020304" pitchFamily="18" charset="0"/>
                 <a:cs typeface="Times New Roman" panose="02020603050405020304" pitchFamily="18" charset="0"/>
               </a:rPr>
-              <a:t>(</a:t>
-            </a:r>
-            <a:r>
-              <a:rPr lang="en-US" sz="2000" dirty="0">
-                <a:solidFill>
-                  <a:srgbClr val="000000"/>
+              <a:t>class Motion(</a:t>
+            </a:r>
+            <a:r>
+              <a:rPr lang="en-US" sz="2000" dirty="0" err="1">
+                <a:solidFill>
+                  <a:srgbClr val="C70040"/>
                 </a:solidFill>
                 <a:ea typeface="Times New Roman" panose="02020603050405020304" pitchFamily="18" charset="0"/>
                 <a:cs typeface="Times New Roman" panose="02020603050405020304" pitchFamily="18" charset="0"/>
               </a:rPr>
+              <a:t>val</a:t>
+            </a:r>
+            <a:r>
+              <a:rPr lang="en-US" sz="2000" dirty="0">
+                <a:solidFill>
+                  <a:srgbClr val="C70040"/>
+                </a:solidFill>
+                <a:ea typeface="Times New Roman" panose="02020603050405020304" pitchFamily="18" charset="0"/>
+                <a:cs typeface="Times New Roman" panose="02020603050405020304" pitchFamily="18" charset="0"/>
+              </a:rPr>
+              <a:t> </a:t>
+            </a:r>
+            <a:r>
+              <a:rPr lang="en-US" sz="2000" dirty="0" err="1">
+                <a:solidFill>
+                  <a:srgbClr val="C70040"/>
+                </a:solidFill>
+                <a:ea typeface="Times New Roman" panose="02020603050405020304" pitchFamily="18" charset="0"/>
+                <a:cs typeface="Times New Roman" panose="02020603050405020304" pitchFamily="18" charset="0"/>
+              </a:rPr>
+              <a:t>gameObject</a:t>
+            </a:r>
+            <a:r>
+              <a:rPr lang="en-US" sz="2000" dirty="0">
+                <a:solidFill>
+                  <a:srgbClr val="C70040"/>
+                </a:solidFill>
+                <a:ea typeface="Times New Roman" panose="02020603050405020304" pitchFamily="18" charset="0"/>
+                <a:cs typeface="Times New Roman" panose="02020603050405020304" pitchFamily="18" charset="0"/>
+              </a:rPr>
+              <a:t> : </a:t>
+            </a:r>
+            <a:r>
+              <a:rPr lang="en-US" sz="2000" dirty="0" err="1">
+                <a:solidFill>
+                  <a:srgbClr val="C70040"/>
+                </a:solidFill>
+                <a:ea typeface="Times New Roman" panose="02020603050405020304" pitchFamily="18" charset="0"/>
+                <a:cs typeface="Times New Roman" panose="02020603050405020304" pitchFamily="18" charset="0"/>
+              </a:rPr>
+              <a:t>GameObject</a:t>
+            </a:r>
+            <a:r>
+              <a:rPr lang="en-US" sz="2000" dirty="0">
+                <a:solidFill>
+                  <a:srgbClr val="C70040"/>
+                </a:solidFill>
+                <a:ea typeface="Times New Roman" panose="02020603050405020304" pitchFamily="18" charset="0"/>
+                <a:cs typeface="Times New Roman" panose="02020603050405020304" pitchFamily="18" charset="0"/>
+              </a:rPr>
               <a:t>) {</a:t>
             </a:r>
-            <a:endParaRPr lang="hu-HU" sz="2000" dirty="0">
-              <a:solidFill>
-                <a:srgbClr val="000000"/>
-              </a:solidFill>
-              <a:ea typeface="Times New Roman" panose="02020603050405020304" pitchFamily="18" charset="0"/>
-              <a:cs typeface="Times New Roman" panose="02020603050405020304" pitchFamily="18" charset="0"/>
-            </a:endParaRPr>
+          </a:p>
+          <a:p>
+            <a:pPr>
+              <a:lnSpc>
+                <a:spcPct val="107000"/>
+              </a:lnSpc>
+              <a:tabLst>
+                <a:tab pos="581660" algn="l"/>
+                <a:tab pos="1163320" algn="l"/>
+                <a:tab pos="1744980" algn="l"/>
+                <a:tab pos="2326640" algn="l"/>
+                <a:tab pos="2908300" algn="l"/>
+                <a:tab pos="3489960" algn="l"/>
+                <a:tab pos="4071620" algn="l"/>
+                <a:tab pos="4653280" algn="l"/>
+                <a:tab pos="5234940" algn="l"/>
+                <a:tab pos="5816600" algn="l"/>
+                <a:tab pos="6398260" algn="l"/>
+                <a:tab pos="6979920" algn="l"/>
+                <a:tab pos="7561580" algn="l"/>
+                <a:tab pos="8143240" algn="l"/>
+                <a:tab pos="8724900" algn="l"/>
+                <a:tab pos="9306560" algn="l"/>
+              </a:tabLst>
+            </a:pPr>
+            <a:r>
+              <a:rPr lang="en-US" sz="2000" dirty="0">
+                <a:solidFill>
+                  <a:srgbClr val="C70040"/>
+                </a:solidFill>
+                <a:ea typeface="Times New Roman" panose="02020603050405020304" pitchFamily="18" charset="0"/>
+                <a:cs typeface="Times New Roman" panose="02020603050405020304" pitchFamily="18" charset="0"/>
+              </a:rPr>
+              <a:t>    open operator </a:t>
+            </a:r>
+            <a:r>
+              <a:rPr lang="hu-HU" sz="2000" dirty="0" err="1">
+                <a:solidFill>
+                  <a:srgbClr val="C70040"/>
+                </a:solidFill>
+                <a:ea typeface="Times New Roman" panose="02020603050405020304" pitchFamily="18" charset="0"/>
+                <a:cs typeface="Times New Roman" panose="02020603050405020304" pitchFamily="18" charset="0"/>
+              </a:rPr>
+              <a:t>fun</a:t>
+            </a:r>
+            <a:r>
+              <a:rPr lang="hu-HU" sz="2000" dirty="0">
+                <a:solidFill>
+                  <a:srgbClr val="C70040"/>
+                </a:solidFill>
+                <a:ea typeface="Times New Roman" panose="02020603050405020304" pitchFamily="18" charset="0"/>
+                <a:cs typeface="Times New Roman" panose="02020603050405020304" pitchFamily="18" charset="0"/>
+              </a:rPr>
+              <a:t> </a:t>
+            </a:r>
+            <a:r>
+              <a:rPr lang="en-US" sz="2000" dirty="0">
+                <a:solidFill>
+                  <a:srgbClr val="427E00"/>
+                </a:solidFill>
+                <a:ea typeface="Times New Roman" panose="02020603050405020304" pitchFamily="18" charset="0"/>
+                <a:cs typeface="Times New Roman" panose="02020603050405020304" pitchFamily="18" charset="0"/>
+              </a:rPr>
+              <a:t>invoke</a:t>
+            </a:r>
+            <a:r>
+              <a:rPr lang="hu-HU" sz="2000" dirty="0">
+                <a:solidFill>
+                  <a:srgbClr val="000000"/>
+                </a:solidFill>
+                <a:ea typeface="Times New Roman" panose="02020603050405020304" pitchFamily="18" charset="0"/>
+                <a:cs typeface="Times New Roman" panose="02020603050405020304" pitchFamily="18" charset="0"/>
+              </a:rPr>
+              <a:t>(</a:t>
+            </a:r>
           </a:p>
           <a:p>
             <a:pPr fontAlgn="t"/>
@@ -9592,12 +9680,143 @@
               <a:t>      </a:t>
             </a:r>
             <a:r>
+              <a:rPr lang="hu-HU" sz="2000" dirty="0" err="1">
+                <a:solidFill>
+                  <a:srgbClr val="CB6500"/>
+                </a:solidFill>
+              </a:rPr>
+              <a:t>interactors</a:t>
+            </a:r>
+            <a:r>
+              <a:rPr lang="en-US" sz="2000" dirty="0">
+                <a:solidFill>
+                  <a:srgbClr val="000000"/>
+                </a:solidFill>
+              </a:rPr>
+              <a:t> </a:t>
+            </a:r>
+            <a:r>
+              <a:rPr lang="en-US" sz="2000" dirty="0">
+                <a:solidFill>
+                  <a:srgbClr val="C70040"/>
+                </a:solidFill>
+              </a:rPr>
+              <a:t>:</a:t>
+            </a:r>
+            <a:r>
+              <a:rPr lang="en-US" sz="2000" dirty="0">
+                <a:solidFill>
+                  <a:srgbClr val="000000"/>
+                </a:solidFill>
+              </a:rPr>
+              <a:t> </a:t>
+            </a:r>
+            <a:r>
+              <a:rPr lang="en-US" sz="2000" dirty="0">
+                <a:solidFill>
+                  <a:srgbClr val="34A7BD"/>
+                </a:solidFill>
+              </a:rPr>
+              <a:t>List</a:t>
+            </a:r>
+            <a:r>
+              <a:rPr lang="en-US" sz="2000" dirty="0">
+                <a:solidFill>
+                  <a:srgbClr val="000000"/>
+                </a:solidFill>
+              </a:rPr>
+              <a:t>&lt;</a:t>
+            </a:r>
+            <a:r>
               <a:rPr lang="en-US" sz="2000" dirty="0" err="1">
                 <a:solidFill>
+                  <a:srgbClr val="000000"/>
+                </a:solidFill>
+              </a:rPr>
+              <a:t>GameObject</a:t>
+            </a:r>
+            <a:r>
+              <a:rPr lang="en-US" sz="2000" dirty="0">
+                <a:solidFill>
+                  <a:srgbClr val="000000"/>
+                </a:solidFill>
+              </a:rPr>
+              <a:t>&gt; </a:t>
+            </a:r>
+            <a:r>
+              <a:rPr lang="en-US" sz="2000" dirty="0">
+                <a:solidFill>
+                  <a:srgbClr val="C70040"/>
+                </a:solidFill>
+              </a:rPr>
+              <a:t>=</a:t>
+            </a:r>
+            <a:r>
+              <a:rPr lang="en-US" sz="2000" dirty="0">
+                <a:solidFill>
+                  <a:srgbClr val="000000"/>
+                </a:solidFill>
+              </a:rPr>
+              <a:t> </a:t>
+            </a:r>
+            <a:r>
+              <a:rPr lang="en-US" sz="2000" dirty="0" err="1">
+                <a:solidFill>
+                  <a:srgbClr val="000000"/>
+                </a:solidFill>
+              </a:rPr>
+              <a:t>emptyList</a:t>
+            </a:r>
+            <a:r>
+              <a:rPr lang="en-US" sz="2000" dirty="0">
+                <a:solidFill>
+                  <a:srgbClr val="000000"/>
+                </a:solidFill>
+              </a:rPr>
+              <a:t>&lt;</a:t>
+            </a:r>
+            <a:r>
+              <a:rPr lang="en-US" sz="2000" dirty="0" err="1">
+                <a:solidFill>
+                  <a:srgbClr val="000000"/>
+                </a:solidFill>
+              </a:rPr>
+              <a:t>GameObject</a:t>
+            </a:r>
+            <a:r>
+              <a:rPr lang="en-US" sz="2000" dirty="0">
+                <a:solidFill>
+                  <a:srgbClr val="000000"/>
+                </a:solidFill>
+              </a:rPr>
+              <a:t>&gt;()</a:t>
+            </a:r>
+            <a:r>
+              <a:rPr lang="hu-HU" sz="2000" dirty="0">
+                <a:solidFill>
+                  <a:srgbClr val="000000"/>
+                </a:solidFill>
+              </a:rPr>
+              <a:t>,</a:t>
+            </a:r>
+          </a:p>
+          <a:p>
+            <a:pPr fontAlgn="t"/>
+            <a:r>
+              <a:rPr lang="en-US" sz="2000" dirty="0">
+                <a:solidFill>
+                  <a:srgbClr val="000000"/>
+                </a:solidFill>
+              </a:rPr>
+              <a:t>      </a:t>
+            </a:r>
+            <a:r>
+              <a:rPr lang="hu-HU" sz="2000" dirty="0" err="1">
+                <a:solidFill>
                   <a:srgbClr val="CB6500"/>
                 </a:solidFill>
               </a:rPr>
-              <a:t>gameObjects</a:t>
+              <a:t>spawn</a:t>
             </a:r>
             <a:r>
               <a:rPr lang="en-US" sz="2000" dirty="0">
@@ -9756,7 +9975,7 @@
                   <a:srgbClr val="000000"/>
                 </a:solidFill>
               </a:rPr>
-              <a:t>    </a:t>
+              <a:t>        </a:t>
             </a:r>
             <a:r>
               <a:rPr lang="en-US" sz="2000" dirty="0">
@@ -9788,7 +10007,7 @@
                   <a:srgbClr val="000000"/>
                 </a:solidFill>
               </a:rPr>
-              <a:t>; </a:t>
+              <a:t> </a:t>
             </a:r>
             <a:endParaRPr lang="en-US" sz="2000" dirty="0"/>
           </a:p>
@@ -9800,7 +10019,29 @@
                   <a:srgbClr val="000000"/>
                 </a:solidFill>
               </a:rPr>
-              <a:t>  }</a:t>
+              <a:t>    }</a:t>
+            </a:r>
+          </a:p>
+          <a:p>
+            <a:pPr fontAlgn="t"/>
+            <a:r>
+              <a:rPr lang="en-US" sz="2000" dirty="0">
+                <a:solidFill>
+                  <a:srgbClr val="000000"/>
+                </a:solidFill>
+              </a:rPr>
+              <a:t>  }</a:t>
+            </a:r>
+          </a:p>
+          <a:p>
+            <a:pPr fontAlgn="t"/>
+            <a:r>
+              <a:rPr lang="en-US" sz="2000" dirty="0">
+                <a:solidFill>
+                  <a:srgbClr val="000000"/>
+                </a:solidFill>
+              </a:rPr>
+              <a:t>  var move = Motion(this)</a:t>
             </a:r>
             <a:endParaRPr lang="en-US" sz="2000" dirty="0"/>
           </a:p>
@@ -9898,7 +10139,7 @@
         </p:nvSpPr>
         <p:spPr>
           <a:xfrm>
-            <a:off x="6604572" y="4940522"/>
+            <a:off x="6883711" y="5072045"/>
             <a:ext cx="1362073" cy="1200329"/>
           </a:xfrm>
           <a:prstGeom prst="rect">
@@ -9934,14 +10175,15 @@
         <p:nvCxnSpPr>
           <p:cNvPr id="11" name="Straight Arrow Connector 10"/>
           <p:cNvCxnSpPr>
+            <a:cxnSpLocks/>
             <a:stCxn id="10" idx="1"/>
           </p:cNvCxnSpPr>
           <p:nvPr/>
         </p:nvCxnSpPr>
         <p:spPr>
           <a:xfrm flipH="1" flipV="1">
-            <a:off x="2514600" y="4710793"/>
-            <a:ext cx="4089972" cy="829894"/>
+            <a:off x="2807936" y="5178903"/>
+            <a:ext cx="4075775" cy="493307"/>
           </a:xfrm>
           <a:prstGeom prst="straightConnector1">
             <a:avLst/>
@@ -9976,7 +10218,7 @@
         </p:nvSpPr>
         <p:spPr>
           <a:xfrm>
-            <a:off x="0" y="6140851"/>
+            <a:off x="339865" y="6229863"/>
             <a:ext cx="2614992" cy="369332"/>
           </a:xfrm>
           <a:prstGeom prst="rect">
@@ -10012,14 +10254,15 @@
         <p:nvCxnSpPr>
           <p:cNvPr id="16" name="Straight Arrow Connector 15"/>
           <p:cNvCxnSpPr>
+            <a:cxnSpLocks/>
             <a:stCxn id="15" idx="0"/>
           </p:cNvCxnSpPr>
           <p:nvPr/>
         </p:nvCxnSpPr>
         <p:spPr>
           <a:xfrm flipH="1" flipV="1">
-            <a:off x="210312" y="2642616"/>
-            <a:ext cx="1097184" cy="3498235"/>
+            <a:off x="461246" y="2864581"/>
+            <a:ext cx="1186115" cy="3365282"/>
           </a:xfrm>
           <a:prstGeom prst="straightConnector1">
             <a:avLst/>
@@ -10050,14 +10293,15 @@
         <p:nvCxnSpPr>
           <p:cNvPr id="19" name="Straight Arrow Connector 18"/>
           <p:cNvCxnSpPr>
+            <a:cxnSpLocks/>
             <a:stCxn id="15" idx="0"/>
           </p:cNvCxnSpPr>
           <p:nvPr/>
         </p:nvCxnSpPr>
         <p:spPr>
           <a:xfrm flipH="1" flipV="1">
-            <a:off x="704088" y="3246120"/>
-            <a:ext cx="603408" cy="2894731"/>
+            <a:off x="898216" y="3188262"/>
+            <a:ext cx="749145" cy="3041601"/>
           </a:xfrm>
           <a:prstGeom prst="straightConnector1">
             <a:avLst/>
@@ -10087,7 +10331,7 @@
     </p:spTree>
     <p:extLst>
       <p:ext uri="{BB962C8B-B14F-4D97-AF65-F5344CB8AC3E}">
-        <p14:creationId xmlns:p14="http://schemas.microsoft.com/office/powerpoint/2010/main" val="1101869073"/>
+        <p14:creationId xmlns:p14="http://schemas.microsoft.com/office/powerpoint/2010/main" val="4234883663"/>
       </p:ext>
     </p:extLst>
   </p:cSld>
@@ -10136,6 +10380,18 @@
               </a:rPr>
               <a:t>Scene</a:t>
             </a:r>
+            <a:r>
+              <a:rPr lang="hu-HU" dirty="0"/>
+              <a:t>, </a:t>
+            </a:r>
+            <a:r>
+              <a:rPr lang="hu-HU" dirty="0" err="1"/>
+              <a:t>motion</a:t>
+            </a:r>
+            <a:r>
+              <a:rPr lang="hu-HU" dirty="0"/>
+              <a:t> példa</a:t>
+            </a:r>
             <a:endParaRPr lang="en-US" dirty="0"/>
           </a:p>
         </p:txBody>
@@ -10163,7 +10419,7 @@
               </a:lnSpc>
             </a:pPr>
             <a:r>
-              <a:rPr lang="en-US" sz="1800" dirty="0" err="1">
+              <a:rPr lang="en-US" sz="2000" dirty="0" err="1">
                 <a:solidFill>
                   <a:srgbClr val="C70040"/>
                 </a:solidFill>
@@ -10173,7 +10429,7 @@
               <a:t>val</a:t>
             </a:r>
             <a:r>
-              <a:rPr lang="en-US" sz="1800" dirty="0">
+              <a:rPr lang="en-US" sz="2000" dirty="0">
                 <a:solidFill>
                   <a:srgbClr val="000000"/>
                 </a:solidFill>
@@ -10183,7 +10439,7 @@
               <a:t> avatar </a:t>
             </a:r>
             <a:r>
-              <a:rPr lang="en-US" sz="1800" dirty="0">
+              <a:rPr lang="en-US" sz="2000" dirty="0">
                 <a:solidFill>
                   <a:srgbClr val="C70040"/>
                 </a:solidFill>
@@ -10193,7 +10449,7 @@
               <a:t>=</a:t>
             </a:r>
             <a:r>
-              <a:rPr lang="en-US" sz="1800" dirty="0">
+              <a:rPr lang="en-US" sz="2000" dirty="0">
                 <a:solidFill>
                   <a:srgbClr val="000000"/>
                 </a:solidFill>
@@ -10203,104 +10459,44 @@
               <a:t> </a:t>
             </a:r>
             <a:r>
-              <a:rPr lang="en-US" sz="1800" dirty="0">
-                <a:solidFill>
-                  <a:srgbClr val="C70040"/>
+              <a:rPr lang="en-US" sz="2000" i="1" dirty="0" err="1">
+                <a:solidFill>
+                  <a:srgbClr val="427E00"/>
                 </a:solidFill>
                 <a:ea typeface="Times New Roman" panose="02020603050405020304" pitchFamily="18" charset="0"/>
                 <a:cs typeface="Times New Roman" panose="02020603050405020304" pitchFamily="18" charset="0"/>
               </a:rPr>
-              <a:t>object</a:t>
-            </a:r>
-            <a:r>
-              <a:rPr lang="en-US" sz="1800" dirty="0">
+              <a:t>GameObject</a:t>
+            </a:r>
+            <a:r>
+              <a:rPr lang="en-US" sz="2000" dirty="0">
                 <a:solidFill>
                   <a:srgbClr val="000000"/>
                 </a:solidFill>
                 <a:ea typeface="Times New Roman" panose="02020603050405020304" pitchFamily="18" charset="0"/>
                 <a:cs typeface="Times New Roman" panose="02020603050405020304" pitchFamily="18" charset="0"/>
               </a:rPr>
-              <a:t> </a:t>
-            </a:r>
-            <a:r>
-              <a:rPr lang="en-US" sz="1800" dirty="0">
-                <a:solidFill>
-                  <a:srgbClr val="C70040"/>
+              <a:t>(</a:t>
+            </a:r>
+            <a:r>
+              <a:rPr lang="hu-HU" sz="2000" dirty="0" err="1">
+                <a:solidFill>
+                  <a:srgbClr val="000000"/>
                 </a:solidFill>
                 <a:ea typeface="Times New Roman" panose="02020603050405020304" pitchFamily="18" charset="0"/>
                 <a:cs typeface="Times New Roman" panose="02020603050405020304" pitchFamily="18" charset="0"/>
               </a:rPr>
-              <a:t>:</a:t>
-            </a:r>
-            <a:r>
-              <a:rPr lang="en-US" sz="1800" dirty="0">
+              <a:t>raiderMesh</a:t>
+            </a:r>
+            <a:r>
+              <a:rPr lang="en-US" sz="2000" dirty="0">
                 <a:solidFill>
                   <a:srgbClr val="000000"/>
                 </a:solidFill>
                 <a:ea typeface="Times New Roman" panose="02020603050405020304" pitchFamily="18" charset="0"/>
                 <a:cs typeface="Times New Roman" panose="02020603050405020304" pitchFamily="18" charset="0"/>
               </a:rPr>
-              <a:t> </a:t>
-            </a:r>
-            <a:r>
-              <a:rPr lang="en-US" sz="1800" i="1" dirty="0" err="1">
-                <a:solidFill>
-                  <a:srgbClr val="427E00"/>
-                </a:solidFill>
-                <a:ea typeface="Times New Roman" panose="02020603050405020304" pitchFamily="18" charset="0"/>
-                <a:cs typeface="Times New Roman" panose="02020603050405020304" pitchFamily="18" charset="0"/>
-              </a:rPr>
-              <a:t>GameObject</a:t>
-            </a:r>
-            <a:r>
-              <a:rPr lang="en-US" sz="1800" dirty="0">
-                <a:solidFill>
-                  <a:srgbClr val="000000"/>
-                </a:solidFill>
-                <a:ea typeface="Times New Roman" panose="02020603050405020304" pitchFamily="18" charset="0"/>
-                <a:cs typeface="Times New Roman" panose="02020603050405020304" pitchFamily="18" charset="0"/>
-              </a:rPr>
-              <a:t>(Mesh(</a:t>
-            </a:r>
-            <a:r>
-              <a:rPr lang="en-US" sz="1800" dirty="0" err="1">
-                <a:solidFill>
-                  <a:srgbClr val="000000"/>
-                </a:solidFill>
-                <a:ea typeface="Times New Roman" panose="02020603050405020304" pitchFamily="18" charset="0"/>
-                <a:cs typeface="Times New Roman" panose="02020603050405020304" pitchFamily="18" charset="0"/>
-              </a:rPr>
-              <a:t>asteroidMaterial</a:t>
-            </a:r>
-            <a:r>
-              <a:rPr lang="en-US" sz="1800" dirty="0">
-                <a:solidFill>
-                  <a:srgbClr val="000000"/>
-                </a:solidFill>
-                <a:ea typeface="Times New Roman" panose="02020603050405020304" pitchFamily="18" charset="0"/>
-                <a:cs typeface="Times New Roman" panose="02020603050405020304" pitchFamily="18" charset="0"/>
-              </a:rPr>
-              <a:t>, </a:t>
-            </a:r>
-            <a:r>
-              <a:rPr lang="en-US" sz="1800" dirty="0" err="1">
-                <a:solidFill>
-                  <a:srgbClr val="000000"/>
-                </a:solidFill>
-                <a:ea typeface="Times New Roman" panose="02020603050405020304" pitchFamily="18" charset="0"/>
-                <a:cs typeface="Times New Roman" panose="02020603050405020304" pitchFamily="18" charset="0"/>
-              </a:rPr>
-              <a:t>quadGeometry</a:t>
-            </a:r>
-            <a:r>
-              <a:rPr lang="en-US" sz="1800" dirty="0">
-                <a:solidFill>
-                  <a:srgbClr val="000000"/>
-                </a:solidFill>
-                <a:ea typeface="Times New Roman" panose="02020603050405020304" pitchFamily="18" charset="0"/>
-                <a:cs typeface="Times New Roman" panose="02020603050405020304" pitchFamily="18" charset="0"/>
-              </a:rPr>
-              <a:t>)){</a:t>
+              <a:t>).apply{</a:t>
             </a:r>
           </a:p>
           <a:p>
@@ -10310,29 +10506,29 @@
               </a:lnSpc>
             </a:pPr>
             <a:r>
-              <a:rPr lang="en-US" sz="1800" dirty="0">
-                <a:solidFill>
-                  <a:srgbClr val="C70040"/>
+              <a:rPr lang="en-US" sz="2000" dirty="0">
+                <a:solidFill>
+                  <a:srgbClr val="000000"/>
                 </a:solidFill>
                 <a:ea typeface="Times New Roman" panose="02020603050405020304" pitchFamily="18" charset="0"/>
                 <a:cs typeface="Times New Roman" panose="02020603050405020304" pitchFamily="18" charset="0"/>
               </a:rPr>
-              <a:t>  </a:t>
-            </a:r>
-            <a:r>
-              <a:rPr lang="en-US" sz="1800" dirty="0" err="1">
+              <a:t>  move = </a:t>
+            </a:r>
+            <a:r>
+              <a:rPr lang="en-US" sz="2000" dirty="0">
                 <a:solidFill>
                   <a:srgbClr val="C70040"/>
                 </a:solidFill>
                 <a:ea typeface="Times New Roman" panose="02020603050405020304" pitchFamily="18" charset="0"/>
                 <a:cs typeface="Times New Roman" panose="02020603050405020304" pitchFamily="18" charset="0"/>
               </a:rPr>
-              <a:t>val</a:t>
-            </a:r>
-            <a:r>
-              <a:rPr lang="en-US" sz="1800" dirty="0">
-                <a:solidFill>
-                  <a:srgbClr val="C70040"/>
+              <a:t>object</a:t>
+            </a:r>
+            <a:r>
+              <a:rPr lang="en-US" sz="2000" dirty="0">
+                <a:solidFill>
+                  <a:srgbClr val="000000"/>
                 </a:solidFill>
                 <a:ea typeface="Times New Roman" panose="02020603050405020304" pitchFamily="18" charset="0"/>
                 <a:cs typeface="Times New Roman" panose="02020603050405020304" pitchFamily="18" charset="0"/>
@@ -10340,17 +10536,102 @@
               <a:t> </a:t>
             </a:r>
             <a:r>
-              <a:rPr lang="en-US" sz="1800" dirty="0">
-                <a:solidFill>
-                  <a:srgbClr val="000000"/>
+              <a:rPr lang="en-US" sz="2000" dirty="0">
+                <a:solidFill>
+                  <a:srgbClr val="C70040"/>
                 </a:solidFill>
                 <a:ea typeface="Times New Roman" panose="02020603050405020304" pitchFamily="18" charset="0"/>
                 <a:cs typeface="Times New Roman" panose="02020603050405020304" pitchFamily="18" charset="0"/>
               </a:rPr>
+              <a:t>: </a:t>
+            </a:r>
+            <a:r>
+              <a:rPr lang="en-US" sz="2000" i="1" dirty="0" err="1">
+                <a:solidFill>
+                  <a:srgbClr val="427E00"/>
+                </a:solidFill>
+                <a:ea typeface="Times New Roman" panose="02020603050405020304" pitchFamily="18" charset="0"/>
+                <a:cs typeface="Times New Roman" panose="02020603050405020304" pitchFamily="18" charset="0"/>
+              </a:rPr>
+              <a:t>GameObject</a:t>
+            </a:r>
+            <a:r>
+              <a:rPr lang="en-US" sz="2000" dirty="0" err="1">
+                <a:solidFill>
+                  <a:srgbClr val="C70040"/>
+                </a:solidFill>
+                <a:cs typeface="Times New Roman" panose="02020603050405020304" pitchFamily="18" charset="0"/>
+              </a:rPr>
+              <a:t>.</a:t>
+            </a:r>
+            <a:r>
+              <a:rPr lang="en-US" sz="2000" i="1" dirty="0" err="1">
+                <a:solidFill>
+                  <a:srgbClr val="427E00"/>
+                </a:solidFill>
+                <a:ea typeface="Times New Roman" panose="02020603050405020304" pitchFamily="18" charset="0"/>
+                <a:cs typeface="Times New Roman" panose="02020603050405020304" pitchFamily="18" charset="0"/>
+              </a:rPr>
+              <a:t>Motion</a:t>
+            </a:r>
+            <a:r>
+              <a:rPr lang="en-US" sz="2000" dirty="0">
+                <a:solidFill>
+                  <a:srgbClr val="000000"/>
+                </a:solidFill>
+                <a:cs typeface="Times New Roman" panose="02020603050405020304" pitchFamily="18" charset="0"/>
+              </a:rPr>
+              <a:t>(this){</a:t>
+            </a:r>
+          </a:p>
+          <a:p>
+            <a:pPr>
+              <a:lnSpc>
+                <a:spcPct val="107000"/>
+              </a:lnSpc>
+            </a:pPr>
+            <a:r>
+              <a:rPr lang="en-US" sz="2000" dirty="0">
+                <a:solidFill>
+                  <a:srgbClr val="C70040"/>
+                </a:solidFill>
+                <a:ea typeface="Times New Roman" panose="02020603050405020304" pitchFamily="18" charset="0"/>
+                <a:cs typeface="Times New Roman" panose="02020603050405020304" pitchFamily="18" charset="0"/>
+              </a:rPr>
+              <a:t>    </a:t>
+            </a:r>
+            <a:r>
+              <a:rPr lang="en-US" sz="2000" dirty="0" err="1">
+                <a:solidFill>
+                  <a:srgbClr val="C70040"/>
+                </a:solidFill>
+                <a:ea typeface="Times New Roman" panose="02020603050405020304" pitchFamily="18" charset="0"/>
+                <a:cs typeface="Times New Roman" panose="02020603050405020304" pitchFamily="18" charset="0"/>
+              </a:rPr>
+              <a:t>val</a:t>
+            </a:r>
+            <a:r>
+              <a:rPr lang="en-US" sz="2000" dirty="0">
+                <a:solidFill>
+                  <a:srgbClr val="C70040"/>
+                </a:solidFill>
+                <a:ea typeface="Times New Roman" panose="02020603050405020304" pitchFamily="18" charset="0"/>
+                <a:cs typeface="Times New Roman" panose="02020603050405020304" pitchFamily="18" charset="0"/>
+              </a:rPr>
+              <a:t> </a:t>
+            </a:r>
+            <a:r>
+              <a:rPr lang="en-US" sz="2000" dirty="0">
+                <a:solidFill>
+                  <a:srgbClr val="000000"/>
+                </a:solidFill>
+                <a:ea typeface="Times New Roman" panose="02020603050405020304" pitchFamily="18" charset="0"/>
+                <a:cs typeface="Times New Roman" panose="02020603050405020304" pitchFamily="18" charset="0"/>
+              </a:rPr>
               <a:t>velocity </a:t>
             </a:r>
             <a:r>
-              <a:rPr lang="en-US" sz="1800" dirty="0">
+              <a:rPr lang="en-US" sz="2000" dirty="0">
                 <a:solidFill>
                   <a:srgbClr val="C70040"/>
                 </a:solidFill>
@@ -10388,17 +10669,17 @@
               </a:tabLst>
             </a:pPr>
             <a:r>
-              <a:rPr lang="en-US" sz="1800" dirty="0">
+              <a:rPr lang="en-US" sz="2000" dirty="0">
                 <a:solidFill>
                   <a:srgbClr val="C70040"/>
                 </a:solidFill>
                 <a:ea typeface="Times New Roman" panose="02020603050405020304" pitchFamily="18" charset="0"/>
                 <a:cs typeface="Times New Roman" panose="02020603050405020304" pitchFamily="18" charset="0"/>
               </a:rPr>
-              <a:t>  override</a:t>
-            </a:r>
-            <a:r>
-              <a:rPr lang="en-US" sz="1800" dirty="0">
+              <a:t>    override operator fun</a:t>
+            </a:r>
+            <a:r>
+              <a:rPr lang="en-US" sz="2000" dirty="0">
                 <a:solidFill>
                   <a:srgbClr val="000000"/>
                 </a:solidFill>
@@ -10408,164 +10689,94 @@
               <a:t> </a:t>
             </a:r>
             <a:r>
-              <a:rPr lang="en-US" sz="1800" dirty="0">
-                <a:solidFill>
-                  <a:srgbClr val="C70040"/>
+              <a:rPr lang="en-US" sz="2000" dirty="0">
+                <a:solidFill>
+                  <a:srgbClr val="427E00"/>
                 </a:solidFill>
                 <a:ea typeface="Times New Roman" panose="02020603050405020304" pitchFamily="18" charset="0"/>
                 <a:cs typeface="Times New Roman" panose="02020603050405020304" pitchFamily="18" charset="0"/>
               </a:rPr>
-              <a:t>fun</a:t>
-            </a:r>
-            <a:r>
-              <a:rPr lang="en-US" sz="1800" dirty="0">
+              <a:t>invoke</a:t>
+            </a:r>
+            <a:r>
+              <a:rPr lang="en-US" sz="2000" dirty="0">
                 <a:solidFill>
                   <a:srgbClr val="000000"/>
                 </a:solidFill>
                 <a:ea typeface="Times New Roman" panose="02020603050405020304" pitchFamily="18" charset="0"/>
                 <a:cs typeface="Times New Roman" panose="02020603050405020304" pitchFamily="18" charset="0"/>
               </a:rPr>
-              <a:t> </a:t>
-            </a:r>
-            <a:r>
-              <a:rPr lang="en-US" sz="1800" dirty="0">
-                <a:solidFill>
-                  <a:srgbClr val="427E00"/>
+              <a:t>( </a:t>
+            </a:r>
+            <a:r>
+              <a:rPr lang="hu-HU" sz="2000" dirty="0">
+                <a:solidFill>
+                  <a:srgbClr val="000000"/>
                 </a:solidFill>
                 <a:ea typeface="Times New Roman" panose="02020603050405020304" pitchFamily="18" charset="0"/>
                 <a:cs typeface="Times New Roman" panose="02020603050405020304" pitchFamily="18" charset="0"/>
               </a:rPr>
-              <a:t>move</a:t>
-            </a:r>
-            <a:r>
-              <a:rPr lang="en-US" sz="1800" dirty="0">
+              <a:t>…</a:t>
+            </a:r>
+            <a:r>
+              <a:rPr lang="en-US" sz="2000" dirty="0">
                 <a:solidFill>
                   <a:srgbClr val="000000"/>
                 </a:solidFill>
                 <a:ea typeface="Times New Roman" panose="02020603050405020304" pitchFamily="18" charset="0"/>
                 <a:cs typeface="Times New Roman" panose="02020603050405020304" pitchFamily="18" charset="0"/>
               </a:rPr>
-              <a:t>(</a:t>
-            </a:r>
-            <a:r>
-              <a:rPr lang="en-US" sz="1800" i="1" dirty="0" err="1">
-                <a:solidFill>
-                  <a:srgbClr val="CB6500"/>
+              <a:t> )</a:t>
+            </a:r>
+            <a:r>
+              <a:rPr lang="hu-HU" sz="2000" dirty="0">
+                <a:solidFill>
+                  <a:srgbClr val="000000"/>
                 </a:solidFill>
                 <a:ea typeface="Times New Roman" panose="02020603050405020304" pitchFamily="18" charset="0"/>
                 <a:cs typeface="Times New Roman" panose="02020603050405020304" pitchFamily="18" charset="0"/>
               </a:rPr>
-              <a:t>dt</a:t>
-            </a:r>
-            <a:r>
-              <a:rPr lang="en-US" sz="1800" dirty="0">
-                <a:solidFill>
-                  <a:srgbClr val="000000"/>
+              <a:t> </a:t>
+            </a:r>
+            <a:r>
+              <a:rPr lang="en-US" sz="2000" dirty="0">
+                <a:solidFill>
+                  <a:srgbClr val="C70040"/>
                 </a:solidFill>
                 <a:ea typeface="Times New Roman" panose="02020603050405020304" pitchFamily="18" charset="0"/>
                 <a:cs typeface="Times New Roman" panose="02020603050405020304" pitchFamily="18" charset="0"/>
               </a:rPr>
-              <a:t> </a:t>
-            </a:r>
-            <a:r>
-              <a:rPr lang="en-US" sz="1800" dirty="0">
+              <a:t>:</a:t>
+            </a:r>
+            <a:r>
+              <a:rPr lang="hu-HU" sz="2000" dirty="0">
                 <a:solidFill>
                   <a:srgbClr val="C70040"/>
                 </a:solidFill>
                 <a:ea typeface="Times New Roman" panose="02020603050405020304" pitchFamily="18" charset="0"/>
                 <a:cs typeface="Times New Roman" panose="02020603050405020304" pitchFamily="18" charset="0"/>
               </a:rPr>
-              <a:t>:</a:t>
-            </a:r>
-            <a:r>
-              <a:rPr lang="en-US" sz="1800" dirty="0">
-                <a:solidFill>
-                  <a:srgbClr val="000000"/>
+              <a:t> </a:t>
+            </a:r>
+            <a:r>
+              <a:rPr lang="en-US" sz="2000" i="1" dirty="0">
+                <a:solidFill>
+                  <a:srgbClr val="34A7BD"/>
                 </a:solidFill>
                 <a:ea typeface="Times New Roman" panose="02020603050405020304" pitchFamily="18" charset="0"/>
                 <a:cs typeface="Times New Roman" panose="02020603050405020304" pitchFamily="18" charset="0"/>
               </a:rPr>
-              <a:t> </a:t>
-            </a:r>
-            <a:r>
-              <a:rPr lang="en-US" sz="1800" i="1" dirty="0">
-                <a:solidFill>
-                  <a:srgbClr val="34A7BD"/>
+              <a:t>Boolean</a:t>
+            </a:r>
+            <a:r>
+              <a:rPr lang="en-US" sz="2000" dirty="0">
+                <a:solidFill>
+                  <a:srgbClr val="000000"/>
                 </a:solidFill>
                 <a:ea typeface="Times New Roman" panose="02020603050405020304" pitchFamily="18" charset="0"/>
                 <a:cs typeface="Times New Roman" panose="02020603050405020304" pitchFamily="18" charset="0"/>
               </a:rPr>
-              <a:t>Float</a:t>
-            </a:r>
-            <a:r>
-              <a:rPr lang="en-US" sz="1800" dirty="0">
-                <a:solidFill>
-                  <a:srgbClr val="000000"/>
-                </a:solidFill>
-                <a:ea typeface="Times New Roman" panose="02020603050405020304" pitchFamily="18" charset="0"/>
-                <a:cs typeface="Times New Roman" panose="02020603050405020304" pitchFamily="18" charset="0"/>
-              </a:rPr>
-              <a:t>, </a:t>
-            </a:r>
-            <a:r>
-              <a:rPr lang="en-US" sz="1800" i="1" dirty="0">
-                <a:solidFill>
-                  <a:srgbClr val="CB6500"/>
-                </a:solidFill>
-                <a:ea typeface="Times New Roman" panose="02020603050405020304" pitchFamily="18" charset="0"/>
-                <a:cs typeface="Times New Roman" panose="02020603050405020304" pitchFamily="18" charset="0"/>
-              </a:rPr>
-              <a:t>t</a:t>
-            </a:r>
-            <a:r>
-              <a:rPr lang="en-US" sz="1800" dirty="0">
-                <a:solidFill>
-                  <a:srgbClr val="000000"/>
-                </a:solidFill>
-                <a:ea typeface="Times New Roman" panose="02020603050405020304" pitchFamily="18" charset="0"/>
-                <a:cs typeface="Times New Roman" panose="02020603050405020304" pitchFamily="18" charset="0"/>
-              </a:rPr>
-              <a:t> </a:t>
-            </a:r>
-            <a:r>
-              <a:rPr lang="en-US" sz="1800" dirty="0">
-                <a:solidFill>
-                  <a:srgbClr val="C70040"/>
-                </a:solidFill>
-                <a:ea typeface="Times New Roman" panose="02020603050405020304" pitchFamily="18" charset="0"/>
-                <a:cs typeface="Times New Roman" panose="02020603050405020304" pitchFamily="18" charset="0"/>
-              </a:rPr>
-              <a:t>:</a:t>
-            </a:r>
-            <a:r>
-              <a:rPr lang="en-US" sz="1800" dirty="0">
-                <a:solidFill>
-                  <a:srgbClr val="000000"/>
-                </a:solidFill>
-                <a:ea typeface="Times New Roman" panose="02020603050405020304" pitchFamily="18" charset="0"/>
-                <a:cs typeface="Times New Roman" panose="02020603050405020304" pitchFamily="18" charset="0"/>
-              </a:rPr>
-              <a:t> </a:t>
-            </a:r>
-            <a:r>
-              <a:rPr lang="en-US" sz="1800" i="1" dirty="0">
-                <a:solidFill>
-                  <a:srgbClr val="34A7BD"/>
-                </a:solidFill>
-                <a:ea typeface="Times New Roman" panose="02020603050405020304" pitchFamily="18" charset="0"/>
-                <a:cs typeface="Times New Roman" panose="02020603050405020304" pitchFamily="18" charset="0"/>
-              </a:rPr>
-              <a:t>Float</a:t>
-            </a:r>
-            <a:r>
-              <a:rPr lang="en-US" sz="1800" dirty="0">
-                <a:solidFill>
-                  <a:srgbClr val="000000"/>
-                </a:solidFill>
-                <a:ea typeface="Times New Roman" panose="02020603050405020304" pitchFamily="18" charset="0"/>
-                <a:cs typeface="Times New Roman" panose="02020603050405020304" pitchFamily="18" charset="0"/>
-              </a:rPr>
-              <a:t>,</a:t>
+              <a:t> {</a:t>
             </a:r>
           </a:p>
           <a:p>
@@ -10596,57 +10807,57 @@
               </a:tabLst>
             </a:pPr>
             <a:r>
-              <a:rPr lang="en-US" sz="1800" i="1" dirty="0">
+              <a:rPr lang="en-US" sz="2000" dirty="0">
                 <a:solidFill>
                   <a:srgbClr val="000000"/>
                 </a:solidFill>
                 <a:ea typeface="Times New Roman" panose="02020603050405020304" pitchFamily="18" charset="0"/>
                 <a:cs typeface="Times New Roman" panose="02020603050405020304" pitchFamily="18" charset="0"/>
               </a:rPr>
-              <a:t>  </a:t>
-            </a:r>
-            <a:r>
-              <a:rPr lang="en-US" sz="1800" i="1" dirty="0">
-                <a:solidFill>
-                  <a:srgbClr val="CB6500"/>
+              <a:t>      </a:t>
+            </a:r>
+            <a:r>
+              <a:rPr lang="hu-HU" sz="2000" dirty="0" err="1">
+                <a:solidFill>
+                  <a:srgbClr val="000000"/>
                 </a:solidFill>
                 <a:ea typeface="Times New Roman" panose="02020603050405020304" pitchFamily="18" charset="0"/>
                 <a:cs typeface="Times New Roman" panose="02020603050405020304" pitchFamily="18" charset="0"/>
               </a:rPr>
-              <a:t> </a:t>
-            </a:r>
-            <a:r>
-              <a:rPr lang="en-US" sz="1800" i="1" dirty="0" err="1">
-                <a:solidFill>
-                  <a:srgbClr val="CB6500"/>
+              <a:t>gameObject</a:t>
+            </a:r>
+            <a:r>
+              <a:rPr lang="hu-HU" sz="2000" dirty="0">
+                <a:solidFill>
+                  <a:srgbClr val="000000"/>
                 </a:solidFill>
                 <a:ea typeface="Times New Roman" panose="02020603050405020304" pitchFamily="18" charset="0"/>
                 <a:cs typeface="Times New Roman" panose="02020603050405020304" pitchFamily="18" charset="0"/>
               </a:rPr>
-              <a:t>keysPressed</a:t>
-            </a:r>
-            <a:r>
-              <a:rPr lang="en-US" sz="1800" dirty="0">
+              <a:t>.</a:t>
+            </a:r>
+            <a:r>
+              <a:rPr lang="en-US" sz="2000" dirty="0">
                 <a:solidFill>
                   <a:srgbClr val="000000"/>
                 </a:solidFill>
                 <a:ea typeface="Times New Roman" panose="02020603050405020304" pitchFamily="18" charset="0"/>
                 <a:cs typeface="Times New Roman" panose="02020603050405020304" pitchFamily="18" charset="0"/>
               </a:rPr>
-              <a:t> </a:t>
-            </a:r>
-            <a:r>
-              <a:rPr lang="en-US" sz="1800" dirty="0">
+              <a:t>position </a:t>
+            </a:r>
+            <a:r>
+              <a:rPr lang="en-US" sz="2000" dirty="0">
                 <a:solidFill>
                   <a:srgbClr val="C70040"/>
                 </a:solidFill>
                 <a:ea typeface="Times New Roman" panose="02020603050405020304" pitchFamily="18" charset="0"/>
                 <a:cs typeface="Times New Roman" panose="02020603050405020304" pitchFamily="18" charset="0"/>
               </a:rPr>
-              <a:t>:</a:t>
-            </a:r>
-            <a:r>
-              <a:rPr lang="en-US" sz="1800" dirty="0">
+              <a:t>+=</a:t>
+            </a:r>
+            <a:r>
+              <a:rPr lang="en-US" sz="2000" dirty="0">
                 <a:solidFill>
                   <a:srgbClr val="000000"/>
                 </a:solidFill>
@@ -10656,165 +10867,20 @@
               <a:t> </a:t>
             </a:r>
             <a:r>
-              <a:rPr lang="en-US" sz="1800" i="1" dirty="0">
-                <a:solidFill>
-                  <a:srgbClr val="34A7BD"/>
+              <a:rPr lang="en-US" sz="2000" dirty="0">
+                <a:solidFill>
+                  <a:srgbClr val="7C4FCD"/>
                 </a:solidFill>
                 <a:ea typeface="Times New Roman" panose="02020603050405020304" pitchFamily="18" charset="0"/>
                 <a:cs typeface="Times New Roman" panose="02020603050405020304" pitchFamily="18" charset="0"/>
               </a:rPr>
-              <a:t>Set</a:t>
-            </a:r>
-            <a:r>
-              <a:rPr lang="en-US" sz="1800" dirty="0">
-                <a:solidFill>
-                  <a:srgbClr val="000000"/>
-                </a:solidFill>
-                <a:ea typeface="Times New Roman" panose="02020603050405020304" pitchFamily="18" charset="0"/>
-                <a:cs typeface="Times New Roman" panose="02020603050405020304" pitchFamily="18" charset="0"/>
-              </a:rPr>
-              <a:t>&lt;</a:t>
-            </a:r>
-            <a:r>
-              <a:rPr lang="en-US" sz="1800" i="1" dirty="0">
-                <a:solidFill>
-                  <a:srgbClr val="34A7BD"/>
-                </a:solidFill>
-                <a:ea typeface="Times New Roman" panose="02020603050405020304" pitchFamily="18" charset="0"/>
-                <a:cs typeface="Times New Roman" panose="02020603050405020304" pitchFamily="18" charset="0"/>
-              </a:rPr>
-              <a:t>String</a:t>
-            </a:r>
-            <a:r>
-              <a:rPr lang="en-US" sz="1800" dirty="0">
-                <a:solidFill>
-                  <a:srgbClr val="000000"/>
-                </a:solidFill>
-                <a:ea typeface="Times New Roman" panose="02020603050405020304" pitchFamily="18" charset="0"/>
-                <a:cs typeface="Times New Roman" panose="02020603050405020304" pitchFamily="18" charset="0"/>
-              </a:rPr>
-              <a:t>&gt;,</a:t>
-            </a:r>
-            <a:r>
-              <a:rPr lang="en-US" sz="1800" i="1" dirty="0">
-                <a:solidFill>
-                  <a:srgbClr val="CB6500"/>
-                </a:solidFill>
-                <a:ea typeface="Times New Roman" panose="02020603050405020304" pitchFamily="18" charset="0"/>
-                <a:cs typeface="Times New Roman" panose="02020603050405020304" pitchFamily="18" charset="0"/>
-              </a:rPr>
-              <a:t> </a:t>
-            </a:r>
-            <a:r>
-              <a:rPr lang="en-US" sz="1800" i="1" dirty="0" err="1">
-                <a:solidFill>
-                  <a:srgbClr val="CB6500"/>
-                </a:solidFill>
-                <a:ea typeface="Times New Roman" panose="02020603050405020304" pitchFamily="18" charset="0"/>
-                <a:cs typeface="Times New Roman" panose="02020603050405020304" pitchFamily="18" charset="0"/>
-              </a:rPr>
-              <a:t>gameObjects</a:t>
-            </a:r>
-            <a:r>
-              <a:rPr lang="en-US" sz="1800" dirty="0">
-                <a:solidFill>
-                  <a:srgbClr val="000000"/>
-                </a:solidFill>
-                <a:ea typeface="Times New Roman" panose="02020603050405020304" pitchFamily="18" charset="0"/>
-                <a:cs typeface="Times New Roman" panose="02020603050405020304" pitchFamily="18" charset="0"/>
-              </a:rPr>
-              <a:t> </a:t>
-            </a:r>
-            <a:r>
-              <a:rPr lang="en-US" sz="1800" dirty="0">
-                <a:solidFill>
-                  <a:srgbClr val="C70040"/>
-                </a:solidFill>
-                <a:ea typeface="Times New Roman" panose="02020603050405020304" pitchFamily="18" charset="0"/>
-                <a:cs typeface="Times New Roman" panose="02020603050405020304" pitchFamily="18" charset="0"/>
-              </a:rPr>
-              <a:t>:</a:t>
-            </a:r>
-            <a:r>
-              <a:rPr lang="en-US" sz="1800" dirty="0">
-                <a:solidFill>
-                  <a:srgbClr val="000000"/>
-                </a:solidFill>
-                <a:ea typeface="Times New Roman" panose="02020603050405020304" pitchFamily="18" charset="0"/>
-                <a:cs typeface="Times New Roman" panose="02020603050405020304" pitchFamily="18" charset="0"/>
-              </a:rPr>
-              <a:t> </a:t>
-            </a:r>
-            <a:r>
-              <a:rPr lang="en-US" sz="1800" i="1" dirty="0">
-                <a:solidFill>
-                  <a:srgbClr val="34A7BD"/>
-                </a:solidFill>
-                <a:ea typeface="Times New Roman" panose="02020603050405020304" pitchFamily="18" charset="0"/>
-                <a:cs typeface="Times New Roman" panose="02020603050405020304" pitchFamily="18" charset="0"/>
-              </a:rPr>
-              <a:t>List</a:t>
-            </a:r>
-            <a:r>
-              <a:rPr lang="en-US" sz="1800" dirty="0">
-                <a:solidFill>
-                  <a:srgbClr val="000000"/>
-                </a:solidFill>
-                <a:ea typeface="Times New Roman" panose="02020603050405020304" pitchFamily="18" charset="0"/>
-                <a:cs typeface="Times New Roman" panose="02020603050405020304" pitchFamily="18" charset="0"/>
-              </a:rPr>
-              <a:t>&lt;</a:t>
-            </a:r>
-            <a:r>
-              <a:rPr lang="en-US" sz="1800" dirty="0" err="1">
-                <a:solidFill>
-                  <a:srgbClr val="000000"/>
-                </a:solidFill>
-                <a:ea typeface="Times New Roman" panose="02020603050405020304" pitchFamily="18" charset="0"/>
-                <a:cs typeface="Times New Roman" panose="02020603050405020304" pitchFamily="18" charset="0"/>
-              </a:rPr>
-              <a:t>GameObject</a:t>
-            </a:r>
-            <a:r>
-              <a:rPr lang="en-US" sz="1800" dirty="0">
-                <a:solidFill>
-                  <a:srgbClr val="000000"/>
-                </a:solidFill>
-                <a:ea typeface="Times New Roman" panose="02020603050405020304" pitchFamily="18" charset="0"/>
-                <a:cs typeface="Times New Roman" panose="02020603050405020304" pitchFamily="18" charset="0"/>
-              </a:rPr>
-              <a:t>&gt;)</a:t>
-            </a:r>
-            <a:r>
-              <a:rPr lang="en-US" sz="1800" dirty="0">
-                <a:solidFill>
-                  <a:srgbClr val="C70040"/>
-                </a:solidFill>
-                <a:ea typeface="Times New Roman" panose="02020603050405020304" pitchFamily="18" charset="0"/>
-                <a:cs typeface="Times New Roman" panose="02020603050405020304" pitchFamily="18" charset="0"/>
-              </a:rPr>
-              <a:t>:</a:t>
-            </a:r>
-            <a:r>
-              <a:rPr lang="en-US" sz="1800" i="1" dirty="0">
-                <a:solidFill>
-                  <a:srgbClr val="34A7BD"/>
-                </a:solidFill>
-                <a:ea typeface="Times New Roman" panose="02020603050405020304" pitchFamily="18" charset="0"/>
-                <a:cs typeface="Times New Roman" panose="02020603050405020304" pitchFamily="18" charset="0"/>
-              </a:rPr>
-              <a:t>Boolean</a:t>
-            </a:r>
-            <a:r>
-              <a:rPr lang="en-US" sz="1800" dirty="0">
-                <a:solidFill>
-                  <a:srgbClr val="000000"/>
-                </a:solidFill>
-                <a:ea typeface="Times New Roman" panose="02020603050405020304" pitchFamily="18" charset="0"/>
-                <a:cs typeface="Times New Roman" panose="02020603050405020304" pitchFamily="18" charset="0"/>
-              </a:rPr>
-              <a:t> {</a:t>
-            </a:r>
+              <a:t>velocity * dt</a:t>
+            </a:r>
+            <a:endParaRPr lang="en-US" sz="1400" dirty="0">
+              <a:latin typeface="Calibri" panose="020F0502020204030204" pitchFamily="34" charset="0"/>
+              <a:ea typeface="Calibri" panose="020F0502020204030204" pitchFamily="34" charset="0"/>
+              <a:cs typeface="Times New Roman" panose="02020603050405020304" pitchFamily="18" charset="0"/>
+            </a:endParaRPr>
           </a:p>
           <a:p>
             <a:pPr>
@@ -10844,60 +10910,35 @@
               </a:tabLst>
             </a:pPr>
             <a:r>
-              <a:rPr lang="en-US" sz="1800" dirty="0">
-                <a:solidFill>
-                  <a:srgbClr val="000000"/>
+              <a:rPr lang="en-US" sz="2000" dirty="0">
+                <a:solidFill>
+                  <a:srgbClr val="C70040"/>
                 </a:solidFill>
                 <a:ea typeface="Times New Roman" panose="02020603050405020304" pitchFamily="18" charset="0"/>
                 <a:cs typeface="Times New Roman" panose="02020603050405020304" pitchFamily="18" charset="0"/>
               </a:rPr>
-              <a:t>    position </a:t>
-            </a:r>
-            <a:r>
-              <a:rPr lang="en-US" sz="1800" dirty="0">
-                <a:solidFill>
-                  <a:srgbClr val="C70040"/>
+              <a:t>      return</a:t>
+            </a:r>
+            <a:r>
+              <a:rPr lang="en-US" sz="2000" dirty="0">
+                <a:solidFill>
+                  <a:srgbClr val="000000"/>
                 </a:solidFill>
                 <a:ea typeface="Times New Roman" panose="02020603050405020304" pitchFamily="18" charset="0"/>
                 <a:cs typeface="Times New Roman" panose="02020603050405020304" pitchFamily="18" charset="0"/>
               </a:rPr>
-              <a:t>+=</a:t>
-            </a:r>
-            <a:r>
-              <a:rPr lang="en-US" sz="1800" dirty="0">
-                <a:solidFill>
-                  <a:srgbClr val="000000"/>
+              <a:t> </a:t>
+            </a:r>
+            <a:r>
+              <a:rPr lang="en-US" sz="2000" dirty="0">
+                <a:solidFill>
+                  <a:srgbClr val="7C4FCD"/>
                 </a:solidFill>
                 <a:ea typeface="Times New Roman" panose="02020603050405020304" pitchFamily="18" charset="0"/>
                 <a:cs typeface="Times New Roman" panose="02020603050405020304" pitchFamily="18" charset="0"/>
               </a:rPr>
-              <a:t> </a:t>
-            </a:r>
-            <a:r>
-              <a:rPr lang="en-US" sz="1800" dirty="0">
-                <a:solidFill>
-                  <a:srgbClr val="7C4FCD"/>
-                </a:solidFill>
-                <a:ea typeface="Times New Roman" panose="02020603050405020304" pitchFamily="18" charset="0"/>
-                <a:cs typeface="Times New Roman" panose="02020603050405020304" pitchFamily="18" charset="0"/>
-              </a:rPr>
-              <a:t>velocity * </a:t>
-            </a:r>
-            <a:r>
-              <a:rPr lang="en-US" sz="1800" dirty="0" err="1">
-                <a:solidFill>
-                  <a:srgbClr val="7C4FCD"/>
-                </a:solidFill>
-                <a:ea typeface="Times New Roman" panose="02020603050405020304" pitchFamily="18" charset="0"/>
-                <a:cs typeface="Times New Roman" panose="02020603050405020304" pitchFamily="18" charset="0"/>
-              </a:rPr>
-              <a:t>dt</a:t>
-            </a:r>
-            <a:endParaRPr lang="en-US" sz="1200" dirty="0">
-              <a:latin typeface="Calibri" panose="020F0502020204030204" pitchFamily="34" charset="0"/>
-              <a:ea typeface="Calibri" panose="020F0502020204030204" pitchFamily="34" charset="0"/>
-              <a:cs typeface="Times New Roman" panose="02020603050405020304" pitchFamily="18" charset="0"/>
-            </a:endParaRPr>
+              <a:t>true</a:t>
+            </a:r>
           </a:p>
           <a:p>
             <a:pPr>
@@ -10927,34 +10968,14 @@
               </a:tabLst>
             </a:pPr>
             <a:r>
-              <a:rPr lang="en-US" sz="1800" dirty="0">
-                <a:solidFill>
-                  <a:srgbClr val="C70040"/>
+              <a:rPr lang="en-US" sz="2000" dirty="0">
+                <a:solidFill>
+                  <a:srgbClr val="000000"/>
                 </a:solidFill>
                 <a:ea typeface="Times New Roman" panose="02020603050405020304" pitchFamily="18" charset="0"/>
                 <a:cs typeface="Times New Roman" panose="02020603050405020304" pitchFamily="18" charset="0"/>
               </a:rPr>
-              <a:t>    return</a:t>
-            </a:r>
-            <a:r>
-              <a:rPr lang="en-US" sz="1800" dirty="0">
-                <a:solidFill>
-                  <a:srgbClr val="000000"/>
-                </a:solidFill>
-                <a:ea typeface="Times New Roman" panose="02020603050405020304" pitchFamily="18" charset="0"/>
-                <a:cs typeface="Times New Roman" panose="02020603050405020304" pitchFamily="18" charset="0"/>
-              </a:rPr>
-              <a:t> </a:t>
-            </a:r>
-            <a:r>
-              <a:rPr lang="en-US" sz="1800" dirty="0">
-                <a:solidFill>
-                  <a:srgbClr val="7C4FCD"/>
-                </a:solidFill>
-                <a:ea typeface="Times New Roman" panose="02020603050405020304" pitchFamily="18" charset="0"/>
-                <a:cs typeface="Times New Roman" panose="02020603050405020304" pitchFamily="18" charset="0"/>
-              </a:rPr>
-              <a:t>true</a:t>
+              <a:t>    }</a:t>
             </a:r>
           </a:p>
           <a:p>
@@ -10985,7 +11006,7 @@
               </a:tabLst>
             </a:pPr>
             <a:r>
-              <a:rPr lang="en-US" sz="1800" dirty="0">
+              <a:rPr lang="en-US" sz="2000" dirty="0">
                 <a:solidFill>
                   <a:srgbClr val="000000"/>
                 </a:solidFill>
@@ -11023,7 +11044,7 @@
               </a:tabLst>
             </a:pPr>
             <a:r>
-              <a:rPr lang="en-US" sz="1800" dirty="0">
+              <a:rPr lang="en-US" sz="2000" dirty="0">
                 <a:solidFill>
                   <a:srgbClr val="000000"/>
                 </a:solidFill>
@@ -11032,7 +11053,7 @@
               </a:rPr>
               <a:t>}</a:t>
             </a:r>
-            <a:endParaRPr lang="hu-HU" sz="1800" dirty="0">
+            <a:endParaRPr lang="hu-HU" sz="2000" dirty="0">
               <a:solidFill>
                 <a:srgbClr val="000000"/>
               </a:solidFill>
@@ -11067,26 +11088,13 @@
                 <a:tab pos="9306560" algn="l"/>
               </a:tabLst>
             </a:pPr>
-            <a:r>
-              <a:rPr lang="hu-HU" sz="1800" dirty="0">
-                <a:solidFill>
-                  <a:srgbClr val="000000"/>
-                </a:solidFill>
-                <a:ea typeface="Times New Roman" panose="02020603050405020304" pitchFamily="18" charset="0"/>
-                <a:cs typeface="Times New Roman" panose="02020603050405020304" pitchFamily="18" charset="0"/>
-              </a:rPr>
-              <a:t>init </a:t>
-            </a:r>
-            <a:r>
-              <a:rPr lang="en-US" sz="1800" dirty="0">
-                <a:solidFill>
-                  <a:srgbClr val="000000"/>
-                </a:solidFill>
-                <a:ea typeface="Times New Roman" panose="02020603050405020304" pitchFamily="18" charset="0"/>
-                <a:cs typeface="Times New Roman" panose="02020603050405020304" pitchFamily="18" charset="0"/>
-              </a:rPr>
-              <a:t>{</a:t>
-            </a:r>
+            <a:endParaRPr lang="en-US" sz="2000" dirty="0">
+              <a:solidFill>
+                <a:srgbClr val="000000"/>
+              </a:solidFill>
+              <a:ea typeface="Times New Roman" panose="02020603050405020304" pitchFamily="18" charset="0"/>
+              <a:cs typeface="Times New Roman" panose="02020603050405020304" pitchFamily="18" charset="0"/>
+            </a:endParaRPr>
           </a:p>
           <a:p>
             <a:pPr>
@@ -11116,154 +11124,34 @@
               </a:tabLst>
             </a:pPr>
             <a:r>
-              <a:rPr lang="en-US" sz="1800" dirty="0">
+              <a:rPr lang="hu-HU" sz="2000" dirty="0" err="1">
                 <a:solidFill>
                   <a:srgbClr val="000000"/>
                 </a:solidFill>
                 <a:ea typeface="Times New Roman" panose="02020603050405020304" pitchFamily="18" charset="0"/>
                 <a:cs typeface="Times New Roman" panose="02020603050405020304" pitchFamily="18" charset="0"/>
               </a:rPr>
-              <a:t>  </a:t>
-            </a:r>
-            <a:r>
-              <a:rPr lang="en-US" sz="1800" dirty="0" err="1">
+              <a:t>init</a:t>
+            </a:r>
+            <a:r>
+              <a:rPr lang="hu-HU" sz="2000" dirty="0">
                 <a:solidFill>
                   <a:srgbClr val="000000"/>
                 </a:solidFill>
                 <a:ea typeface="Times New Roman" panose="02020603050405020304" pitchFamily="18" charset="0"/>
                 <a:cs typeface="Times New Roman" panose="02020603050405020304" pitchFamily="18" charset="0"/>
               </a:rPr>
-              <a:t>avatar</a:t>
-            </a:r>
-            <a:r>
-              <a:rPr lang="en-US" sz="1800" dirty="0" err="1">
-                <a:solidFill>
-                  <a:srgbClr val="C70040"/>
+              <a:t> </a:t>
+            </a:r>
+            <a:r>
+              <a:rPr lang="en-US" sz="2000" dirty="0">
+                <a:solidFill>
+                  <a:srgbClr val="000000"/>
                 </a:solidFill>
                 <a:ea typeface="Times New Roman" panose="02020603050405020304" pitchFamily="18" charset="0"/>
                 <a:cs typeface="Times New Roman" panose="02020603050405020304" pitchFamily="18" charset="0"/>
               </a:rPr>
-              <a:t>.</a:t>
-            </a:r>
-            <a:r>
-              <a:rPr lang="en-US" sz="1800" dirty="0" err="1">
-                <a:solidFill>
-                  <a:srgbClr val="000000"/>
-                </a:solidFill>
-                <a:ea typeface="Times New Roman" panose="02020603050405020304" pitchFamily="18" charset="0"/>
-                <a:cs typeface="Times New Roman" panose="02020603050405020304" pitchFamily="18" charset="0"/>
-              </a:rPr>
-              <a:t>position</a:t>
-            </a:r>
-            <a:r>
-              <a:rPr lang="en-US" sz="1800" dirty="0" err="1">
-                <a:solidFill>
-                  <a:srgbClr val="C70040"/>
-                </a:solidFill>
-                <a:ea typeface="Times New Roman" panose="02020603050405020304" pitchFamily="18" charset="0"/>
-                <a:cs typeface="Times New Roman" panose="02020603050405020304" pitchFamily="18" charset="0"/>
-              </a:rPr>
-              <a:t>.</a:t>
-            </a:r>
-            <a:r>
-              <a:rPr lang="en-US" sz="1800" dirty="0" err="1">
-                <a:solidFill>
-                  <a:srgbClr val="427E00"/>
-                </a:solidFill>
-                <a:ea typeface="Times New Roman" panose="02020603050405020304" pitchFamily="18" charset="0"/>
-                <a:cs typeface="Times New Roman" panose="02020603050405020304" pitchFamily="18" charset="0"/>
-              </a:rPr>
-              <a:t>set</a:t>
-            </a:r>
-            <a:r>
-              <a:rPr lang="en-US" sz="1800" dirty="0">
-                <a:solidFill>
-                  <a:srgbClr val="000000"/>
-                </a:solidFill>
-                <a:ea typeface="Times New Roman" panose="02020603050405020304" pitchFamily="18" charset="0"/>
-                <a:cs typeface="Times New Roman" panose="02020603050405020304" pitchFamily="18" charset="0"/>
-              </a:rPr>
-              <a:t>(</a:t>
-            </a:r>
-            <a:r>
-              <a:rPr lang="en-US" sz="1800" i="1" dirty="0">
-                <a:solidFill>
-                  <a:srgbClr val="CB6500"/>
-                </a:solidFill>
-                <a:ea typeface="Times New Roman" panose="02020603050405020304" pitchFamily="18" charset="0"/>
-                <a:cs typeface="Times New Roman" panose="02020603050405020304" pitchFamily="18" charset="0"/>
-              </a:rPr>
-              <a:t>0</a:t>
-            </a:r>
-            <a:r>
-              <a:rPr lang="en-US" sz="1800" dirty="0">
-                <a:solidFill>
-                  <a:srgbClr val="C70040"/>
-                </a:solidFill>
-                <a:ea typeface="Times New Roman" panose="02020603050405020304" pitchFamily="18" charset="0"/>
-                <a:cs typeface="Times New Roman" panose="02020603050405020304" pitchFamily="18" charset="0"/>
-              </a:rPr>
-              <a:t>.</a:t>
-            </a:r>
-            <a:r>
-              <a:rPr lang="en-US" sz="1800" i="1" dirty="0">
-                <a:solidFill>
-                  <a:srgbClr val="CB6500"/>
-                </a:solidFill>
-                <a:ea typeface="Times New Roman" panose="02020603050405020304" pitchFamily="18" charset="0"/>
-                <a:cs typeface="Times New Roman" panose="02020603050405020304" pitchFamily="18" charset="0"/>
-              </a:rPr>
-              <a:t>5f</a:t>
-            </a:r>
-            <a:r>
-              <a:rPr lang="en-US" sz="1800" dirty="0">
-                <a:solidFill>
-                  <a:srgbClr val="000000"/>
-                </a:solidFill>
-                <a:ea typeface="Times New Roman" panose="02020603050405020304" pitchFamily="18" charset="0"/>
-                <a:cs typeface="Times New Roman" panose="02020603050405020304" pitchFamily="18" charset="0"/>
-              </a:rPr>
-              <a:t>, </a:t>
-            </a:r>
-            <a:r>
-              <a:rPr lang="en-US" sz="1800" i="1" dirty="0">
-                <a:solidFill>
-                  <a:srgbClr val="CB6500"/>
-                </a:solidFill>
-                <a:ea typeface="Times New Roman" panose="02020603050405020304" pitchFamily="18" charset="0"/>
-                <a:cs typeface="Times New Roman" panose="02020603050405020304" pitchFamily="18" charset="0"/>
-              </a:rPr>
-              <a:t>0</a:t>
-            </a:r>
-            <a:r>
-              <a:rPr lang="en-US" sz="1800" dirty="0">
-                <a:solidFill>
-                  <a:srgbClr val="C70040"/>
-                </a:solidFill>
-                <a:ea typeface="Times New Roman" panose="02020603050405020304" pitchFamily="18" charset="0"/>
-                <a:cs typeface="Times New Roman" panose="02020603050405020304" pitchFamily="18" charset="0"/>
-              </a:rPr>
-              <a:t>.</a:t>
-            </a:r>
-            <a:r>
-              <a:rPr lang="en-US" sz="1800" i="1" dirty="0">
-                <a:solidFill>
-                  <a:srgbClr val="CB6500"/>
-                </a:solidFill>
-                <a:ea typeface="Times New Roman" panose="02020603050405020304" pitchFamily="18" charset="0"/>
-                <a:cs typeface="Times New Roman" panose="02020603050405020304" pitchFamily="18" charset="0"/>
-              </a:rPr>
-              <a:t>5f</a:t>
-            </a:r>
-            <a:r>
-              <a:rPr lang="en-US" sz="1800" dirty="0">
-                <a:solidFill>
-                  <a:srgbClr val="000000"/>
-                </a:solidFill>
-                <a:ea typeface="Times New Roman" panose="02020603050405020304" pitchFamily="18" charset="0"/>
-                <a:cs typeface="Times New Roman" panose="02020603050405020304" pitchFamily="18" charset="0"/>
-              </a:rPr>
-              <a:t>)</a:t>
+              <a:t>{</a:t>
             </a:r>
           </a:p>
           <a:p>
@@ -11294,7 +11182,7 @@
               </a:tabLst>
             </a:pPr>
             <a:r>
-              <a:rPr lang="en-US" sz="1800" dirty="0">
+              <a:rPr lang="en-US" sz="2000" dirty="0">
                 <a:solidFill>
                   <a:srgbClr val="000000"/>
                 </a:solidFill>
@@ -11304,7 +11192,7 @@
               <a:t>  </a:t>
             </a:r>
             <a:r>
-              <a:rPr lang="en-US" sz="1800" dirty="0" err="1">
+              <a:rPr lang="en-US" sz="2000" dirty="0" err="1">
                 <a:solidFill>
                   <a:srgbClr val="000000"/>
                 </a:solidFill>
@@ -11314,34 +11202,44 @@
               <a:t>gameObjects</a:t>
             </a:r>
             <a:r>
-              <a:rPr lang="en-US" sz="1800" dirty="0" err="1">
+              <a:rPr lang="en-US" sz="2000" dirty="0">
                 <a:solidFill>
                   <a:srgbClr val="C70040"/>
                 </a:solidFill>
                 <a:ea typeface="Times New Roman" panose="02020603050405020304" pitchFamily="18" charset="0"/>
                 <a:cs typeface="Times New Roman" panose="02020603050405020304" pitchFamily="18" charset="0"/>
               </a:rPr>
-              <a:t>.</a:t>
-            </a:r>
-            <a:r>
-              <a:rPr lang="en-US" sz="1800" dirty="0" err="1">
-                <a:solidFill>
-                  <a:srgbClr val="000000"/>
+              <a:t> </a:t>
+            </a:r>
+            <a:r>
+              <a:rPr lang="hu-HU" sz="2000" dirty="0">
+                <a:solidFill>
+                  <a:srgbClr val="C70040"/>
                 </a:solidFill>
                 <a:ea typeface="Times New Roman" panose="02020603050405020304" pitchFamily="18" charset="0"/>
                 <a:cs typeface="Times New Roman" panose="02020603050405020304" pitchFamily="18" charset="0"/>
               </a:rPr>
-              <a:t>add</a:t>
-            </a:r>
-            <a:r>
-              <a:rPr lang="en-US" sz="1800" dirty="0">
-                <a:solidFill>
-                  <a:srgbClr val="000000"/>
+              <a:t>+</a:t>
+            </a:r>
+            <a:r>
+              <a:rPr lang="en-US" sz="2000" dirty="0">
+                <a:solidFill>
+                  <a:srgbClr val="C70040"/>
                 </a:solidFill>
                 <a:ea typeface="Times New Roman" panose="02020603050405020304" pitchFamily="18" charset="0"/>
                 <a:cs typeface="Times New Roman" panose="02020603050405020304" pitchFamily="18" charset="0"/>
               </a:rPr>
-              <a:t>(avatar)</a:t>
+              <a:t>= </a:t>
+            </a:r>
+            <a:r>
+              <a:rPr lang="en-US" sz="2000" dirty="0">
+                <a:solidFill>
+                  <a:srgbClr val="000000"/>
+                </a:solidFill>
+                <a:ea typeface="Times New Roman" panose="02020603050405020304" pitchFamily="18" charset="0"/>
+                <a:cs typeface="Times New Roman" panose="02020603050405020304" pitchFamily="18" charset="0"/>
+              </a:rPr>
+              <a:t>avatar</a:t>
             </a:r>
           </a:p>
           <a:p>
@@ -11372,7 +11270,7 @@
               </a:tabLst>
             </a:pPr>
             <a:r>
-              <a:rPr lang="en-US" sz="1800" dirty="0">
+              <a:rPr lang="en-US" sz="2000" dirty="0">
                 <a:solidFill>
                   <a:srgbClr val="000000"/>
                 </a:solidFill>
@@ -11381,625 +11279,6 @@
               </a:rPr>
               <a:t>}</a:t>
             </a:r>
-          </a:p>
-          <a:p>
-            <a:pPr>
-              <a:lnSpc>
-                <a:spcPct val="107000"/>
-              </a:lnSpc>
-              <a:spcAft>
-                <a:spcPts val="0"/>
-              </a:spcAft>
-              <a:tabLst>
-                <a:tab pos="581660" algn="l"/>
-                <a:tab pos="1163320" algn="l"/>
-                <a:tab pos="1744980" algn="l"/>
-                <a:tab pos="2326640" algn="l"/>
-                <a:tab pos="2908300" algn="l"/>
-                <a:tab pos="3489960" algn="l"/>
-                <a:tab pos="4071620" algn="l"/>
-                <a:tab pos="4653280" algn="l"/>
-                <a:tab pos="5234940" algn="l"/>
-                <a:tab pos="5816600" algn="l"/>
-                <a:tab pos="6398260" algn="l"/>
-                <a:tab pos="6979920" algn="l"/>
-                <a:tab pos="7561580" algn="l"/>
-                <a:tab pos="8143240" algn="l"/>
-                <a:tab pos="8724900" algn="l"/>
-                <a:tab pos="9306560" algn="l"/>
-              </a:tabLst>
-            </a:pPr>
-            <a:r>
-              <a:rPr lang="en-US" sz="1800" dirty="0">
-                <a:solidFill>
-                  <a:schemeClr val="bg1">
-                    <a:lumMod val="50000"/>
-                  </a:schemeClr>
-                </a:solidFill>
-                <a:ea typeface="Times New Roman" panose="02020603050405020304" pitchFamily="18" charset="0"/>
-                <a:cs typeface="Times New Roman" panose="02020603050405020304" pitchFamily="18" charset="0"/>
-              </a:rPr>
-              <a:t>fun update(</a:t>
-            </a:r>
-            <a:r>
-              <a:rPr lang="en-US" sz="1800" i="1" dirty="0" err="1">
-                <a:solidFill>
-                  <a:schemeClr val="bg1">
-                    <a:lumMod val="50000"/>
-                  </a:schemeClr>
-                </a:solidFill>
-                <a:ea typeface="Times New Roman" panose="02020603050405020304" pitchFamily="18" charset="0"/>
-                <a:cs typeface="Times New Roman" panose="02020603050405020304" pitchFamily="18" charset="0"/>
-              </a:rPr>
-              <a:t>gl</a:t>
-            </a:r>
-            <a:r>
-              <a:rPr lang="en-US" sz="1800" i="1" dirty="0">
-                <a:solidFill>
-                  <a:schemeClr val="bg1">
-                    <a:lumMod val="50000"/>
-                  </a:schemeClr>
-                </a:solidFill>
-                <a:ea typeface="Times New Roman" panose="02020603050405020304" pitchFamily="18" charset="0"/>
-                <a:cs typeface="Times New Roman" panose="02020603050405020304" pitchFamily="18" charset="0"/>
-              </a:rPr>
-              <a:t> </a:t>
-            </a:r>
-            <a:r>
-              <a:rPr lang="en-US" sz="1800" dirty="0">
-                <a:solidFill>
-                  <a:schemeClr val="bg1">
-                    <a:lumMod val="50000"/>
-                  </a:schemeClr>
-                </a:solidFill>
-                <a:ea typeface="Times New Roman" panose="02020603050405020304" pitchFamily="18" charset="0"/>
-                <a:cs typeface="Times New Roman" panose="02020603050405020304" pitchFamily="18" charset="0"/>
-              </a:rPr>
-              <a:t>: WebGL2RenderingContext, </a:t>
-            </a:r>
-            <a:r>
-              <a:rPr lang="en-US" sz="1800" i="1" dirty="0" err="1">
-                <a:solidFill>
-                  <a:schemeClr val="bg1">
-                    <a:lumMod val="50000"/>
-                  </a:schemeClr>
-                </a:solidFill>
-                <a:ea typeface="Times New Roman" panose="02020603050405020304" pitchFamily="18" charset="0"/>
-                <a:cs typeface="Times New Roman" panose="02020603050405020304" pitchFamily="18" charset="0"/>
-              </a:rPr>
-              <a:t>keysPressed</a:t>
-            </a:r>
-            <a:r>
-              <a:rPr lang="en-US" sz="1800" i="1" dirty="0">
-                <a:solidFill>
-                  <a:schemeClr val="bg1">
-                    <a:lumMod val="50000"/>
-                  </a:schemeClr>
-                </a:solidFill>
-                <a:ea typeface="Times New Roman" panose="02020603050405020304" pitchFamily="18" charset="0"/>
-                <a:cs typeface="Times New Roman" panose="02020603050405020304" pitchFamily="18" charset="0"/>
-              </a:rPr>
-              <a:t> </a:t>
-            </a:r>
-            <a:r>
-              <a:rPr lang="en-US" sz="1800" dirty="0">
-                <a:solidFill>
-                  <a:schemeClr val="bg1">
-                    <a:lumMod val="50000"/>
-                  </a:schemeClr>
-                </a:solidFill>
-                <a:ea typeface="Times New Roman" panose="02020603050405020304" pitchFamily="18" charset="0"/>
-                <a:cs typeface="Times New Roman" panose="02020603050405020304" pitchFamily="18" charset="0"/>
-              </a:rPr>
-              <a:t>: </a:t>
-            </a:r>
-            <a:r>
-              <a:rPr lang="en-US" sz="1800" i="1" dirty="0">
-                <a:solidFill>
-                  <a:schemeClr val="bg1">
-                    <a:lumMod val="50000"/>
-                  </a:schemeClr>
-                </a:solidFill>
-                <a:ea typeface="Times New Roman" panose="02020603050405020304" pitchFamily="18" charset="0"/>
-                <a:cs typeface="Times New Roman" panose="02020603050405020304" pitchFamily="18" charset="0"/>
-              </a:rPr>
-              <a:t>Set</a:t>
-            </a:r>
-            <a:r>
-              <a:rPr lang="en-US" sz="1800" dirty="0">
-                <a:solidFill>
-                  <a:schemeClr val="bg1">
-                    <a:lumMod val="50000"/>
-                  </a:schemeClr>
-                </a:solidFill>
-                <a:ea typeface="Times New Roman" panose="02020603050405020304" pitchFamily="18" charset="0"/>
-                <a:cs typeface="Times New Roman" panose="02020603050405020304" pitchFamily="18" charset="0"/>
-              </a:rPr>
-              <a:t>&lt;</a:t>
-            </a:r>
-            <a:r>
-              <a:rPr lang="en-US" sz="1800" i="1" dirty="0">
-                <a:solidFill>
-                  <a:schemeClr val="bg1">
-                    <a:lumMod val="50000"/>
-                  </a:schemeClr>
-                </a:solidFill>
-                <a:ea typeface="Times New Roman" panose="02020603050405020304" pitchFamily="18" charset="0"/>
-                <a:cs typeface="Times New Roman" panose="02020603050405020304" pitchFamily="18" charset="0"/>
-              </a:rPr>
-              <a:t>String</a:t>
-            </a:r>
-            <a:r>
-              <a:rPr lang="en-US" sz="1800" dirty="0">
-                <a:solidFill>
-                  <a:schemeClr val="bg1">
-                    <a:lumMod val="50000"/>
-                  </a:schemeClr>
-                </a:solidFill>
-                <a:ea typeface="Times New Roman" panose="02020603050405020304" pitchFamily="18" charset="0"/>
-                <a:cs typeface="Times New Roman" panose="02020603050405020304" pitchFamily="18" charset="0"/>
-              </a:rPr>
-              <a:t>&gt;) {</a:t>
-            </a:r>
-            <a:endParaRPr lang="en-US" sz="1800" dirty="0">
-              <a:solidFill>
-                <a:schemeClr val="bg1">
-                  <a:lumMod val="50000"/>
-                </a:schemeClr>
-              </a:solidFill>
-              <a:latin typeface="Calibri" panose="020F0502020204030204" pitchFamily="34" charset="0"/>
-              <a:ea typeface="Calibri" panose="020F0502020204030204" pitchFamily="34" charset="0"/>
-              <a:cs typeface="Times New Roman" panose="02020603050405020304" pitchFamily="18" charset="0"/>
-            </a:endParaRPr>
-          </a:p>
-          <a:p>
-            <a:pPr>
-              <a:lnSpc>
-                <a:spcPct val="107000"/>
-              </a:lnSpc>
-              <a:spcAft>
-                <a:spcPts val="0"/>
-              </a:spcAft>
-              <a:tabLst>
-                <a:tab pos="581660" algn="l"/>
-                <a:tab pos="1163320" algn="l"/>
-                <a:tab pos="1744980" algn="l"/>
-                <a:tab pos="2326640" algn="l"/>
-                <a:tab pos="2908300" algn="l"/>
-                <a:tab pos="3489960" algn="l"/>
-                <a:tab pos="4071620" algn="l"/>
-                <a:tab pos="4653280" algn="l"/>
-                <a:tab pos="5234940" algn="l"/>
-                <a:tab pos="5816600" algn="l"/>
-                <a:tab pos="6398260" algn="l"/>
-                <a:tab pos="6979920" algn="l"/>
-                <a:tab pos="7561580" algn="l"/>
-                <a:tab pos="8143240" algn="l"/>
-                <a:tab pos="8724900" algn="l"/>
-                <a:tab pos="9306560" algn="l"/>
-              </a:tabLst>
-            </a:pPr>
-            <a:r>
-              <a:rPr lang="en-US" sz="1800" dirty="0">
-                <a:solidFill>
-                  <a:srgbClr val="000000"/>
-                </a:solidFill>
-                <a:ea typeface="Times New Roman" panose="02020603050405020304" pitchFamily="18" charset="0"/>
-                <a:cs typeface="Times New Roman" panose="02020603050405020304" pitchFamily="18" charset="0"/>
-              </a:rPr>
-              <a:t>  </a:t>
-            </a:r>
-            <a:r>
-              <a:rPr lang="en-US" sz="1800" dirty="0" err="1">
-                <a:solidFill>
-                  <a:srgbClr val="000000"/>
-                </a:solidFill>
-                <a:ea typeface="Times New Roman" panose="02020603050405020304" pitchFamily="18" charset="0"/>
-                <a:cs typeface="Times New Roman" panose="02020603050405020304" pitchFamily="18" charset="0"/>
-              </a:rPr>
-              <a:t>gameObjects</a:t>
-            </a:r>
-            <a:r>
-              <a:rPr lang="en-US" sz="1800" dirty="0" err="1">
-                <a:solidFill>
-                  <a:srgbClr val="C70040"/>
-                </a:solidFill>
-                <a:ea typeface="Times New Roman" panose="02020603050405020304" pitchFamily="18" charset="0"/>
-                <a:cs typeface="Times New Roman" panose="02020603050405020304" pitchFamily="18" charset="0"/>
-              </a:rPr>
-              <a:t>.</a:t>
-            </a:r>
-            <a:r>
-              <a:rPr lang="en-US" sz="1800" dirty="0" err="1">
-                <a:solidFill>
-                  <a:srgbClr val="000000"/>
-                </a:solidFill>
-                <a:ea typeface="Times New Roman" panose="02020603050405020304" pitchFamily="18" charset="0"/>
-                <a:cs typeface="Times New Roman" panose="02020603050405020304" pitchFamily="18" charset="0"/>
-              </a:rPr>
-              <a:t>forEach</a:t>
-            </a:r>
-            <a:r>
-              <a:rPr lang="en-US" sz="1800" dirty="0">
-                <a:solidFill>
-                  <a:srgbClr val="000000"/>
-                </a:solidFill>
-                <a:ea typeface="Times New Roman" panose="02020603050405020304" pitchFamily="18" charset="0"/>
-                <a:cs typeface="Times New Roman" panose="02020603050405020304" pitchFamily="18" charset="0"/>
-              </a:rPr>
-              <a:t>{</a:t>
-            </a:r>
-            <a:r>
-              <a:rPr lang="hu-HU" sz="1800" dirty="0">
-                <a:solidFill>
-                  <a:srgbClr val="000000"/>
-                </a:solidFill>
-                <a:ea typeface="Times New Roman" panose="02020603050405020304" pitchFamily="18" charset="0"/>
-                <a:cs typeface="Times New Roman" panose="02020603050405020304" pitchFamily="18" charset="0"/>
-              </a:rPr>
-              <a:t> </a:t>
-            </a:r>
-            <a:r>
-              <a:rPr lang="en-US" sz="1800" dirty="0" err="1">
-                <a:solidFill>
-                  <a:srgbClr val="000000"/>
-                </a:solidFill>
-                <a:ea typeface="Times New Roman" panose="02020603050405020304" pitchFamily="18" charset="0"/>
-                <a:cs typeface="Times New Roman" panose="02020603050405020304" pitchFamily="18" charset="0"/>
-              </a:rPr>
-              <a:t>it</a:t>
-            </a:r>
-            <a:r>
-              <a:rPr lang="en-US" sz="1800" dirty="0" err="1">
-                <a:solidFill>
-                  <a:srgbClr val="C70040"/>
-                </a:solidFill>
-                <a:ea typeface="Times New Roman" panose="02020603050405020304" pitchFamily="18" charset="0"/>
-                <a:cs typeface="Times New Roman" panose="02020603050405020304" pitchFamily="18" charset="0"/>
-              </a:rPr>
-              <a:t>.</a:t>
-            </a:r>
-            <a:r>
-              <a:rPr lang="en-US" sz="1800" dirty="0" err="1">
-                <a:solidFill>
-                  <a:srgbClr val="000000"/>
-                </a:solidFill>
-                <a:ea typeface="Times New Roman" panose="02020603050405020304" pitchFamily="18" charset="0"/>
-                <a:cs typeface="Times New Roman" panose="02020603050405020304" pitchFamily="18" charset="0"/>
-              </a:rPr>
-              <a:t>move</a:t>
-            </a:r>
-            <a:r>
-              <a:rPr lang="en-US" sz="1800" dirty="0">
-                <a:solidFill>
-                  <a:srgbClr val="000000"/>
-                </a:solidFill>
-                <a:ea typeface="Times New Roman" panose="02020603050405020304" pitchFamily="18" charset="0"/>
-                <a:cs typeface="Times New Roman" panose="02020603050405020304" pitchFamily="18" charset="0"/>
-              </a:rPr>
-              <a:t>(</a:t>
-            </a:r>
-            <a:r>
-              <a:rPr lang="en-US" sz="1800" dirty="0">
-                <a:solidFill>
-                  <a:srgbClr val="7C4FCD"/>
-                </a:solidFill>
-                <a:ea typeface="Times New Roman" panose="02020603050405020304" pitchFamily="18" charset="0"/>
-                <a:cs typeface="Times New Roman" panose="02020603050405020304" pitchFamily="18" charset="0"/>
-              </a:rPr>
-              <a:t>t, </a:t>
-            </a:r>
-            <a:r>
-              <a:rPr lang="en-US" sz="1800" dirty="0" err="1">
-                <a:solidFill>
-                  <a:srgbClr val="7C4FCD"/>
-                </a:solidFill>
-                <a:ea typeface="Times New Roman" panose="02020603050405020304" pitchFamily="18" charset="0"/>
-                <a:cs typeface="Times New Roman" panose="02020603050405020304" pitchFamily="18" charset="0"/>
-              </a:rPr>
-              <a:t>dt</a:t>
-            </a:r>
-            <a:r>
-              <a:rPr lang="en-US" sz="1800" dirty="0">
-                <a:solidFill>
-                  <a:srgbClr val="000000"/>
-                </a:solidFill>
-                <a:ea typeface="Times New Roman" panose="02020603050405020304" pitchFamily="18" charset="0"/>
-                <a:cs typeface="Times New Roman" panose="02020603050405020304" pitchFamily="18" charset="0"/>
-              </a:rPr>
-              <a:t>, </a:t>
-            </a:r>
-            <a:r>
-              <a:rPr lang="en-US" sz="1800" dirty="0" err="1">
-                <a:solidFill>
-                  <a:srgbClr val="000000"/>
-                </a:solidFill>
-                <a:ea typeface="Times New Roman" panose="02020603050405020304" pitchFamily="18" charset="0"/>
-                <a:cs typeface="Times New Roman" panose="02020603050405020304" pitchFamily="18" charset="0"/>
-              </a:rPr>
-              <a:t>keysPressed</a:t>
-            </a:r>
-            <a:r>
-              <a:rPr lang="en-US" sz="1800" dirty="0">
-                <a:solidFill>
-                  <a:srgbClr val="000000"/>
-                </a:solidFill>
-                <a:ea typeface="Times New Roman" panose="02020603050405020304" pitchFamily="18" charset="0"/>
-                <a:cs typeface="Times New Roman" panose="02020603050405020304" pitchFamily="18" charset="0"/>
-              </a:rPr>
-              <a:t>, </a:t>
-            </a:r>
-            <a:r>
-              <a:rPr lang="en-US" sz="1800" dirty="0" err="1">
-                <a:solidFill>
-                  <a:srgbClr val="000000"/>
-                </a:solidFill>
-                <a:ea typeface="Times New Roman" panose="02020603050405020304" pitchFamily="18" charset="0"/>
-                <a:cs typeface="Times New Roman" panose="02020603050405020304" pitchFamily="18" charset="0"/>
-              </a:rPr>
-              <a:t>gameObjects</a:t>
-            </a:r>
-            <a:r>
-              <a:rPr lang="en-US" sz="1800" dirty="0">
-                <a:solidFill>
-                  <a:srgbClr val="000000"/>
-                </a:solidFill>
-                <a:ea typeface="Times New Roman" panose="02020603050405020304" pitchFamily="18" charset="0"/>
-                <a:cs typeface="Times New Roman" panose="02020603050405020304" pitchFamily="18" charset="0"/>
-              </a:rPr>
-              <a:t>) }</a:t>
-            </a:r>
-            <a:endParaRPr lang="en-US" sz="1800" dirty="0">
-              <a:latin typeface="Calibri" panose="020F0502020204030204" pitchFamily="34" charset="0"/>
-              <a:ea typeface="Calibri" panose="020F0502020204030204" pitchFamily="34" charset="0"/>
-              <a:cs typeface="Times New Roman" panose="02020603050405020304" pitchFamily="18" charset="0"/>
-            </a:endParaRPr>
-          </a:p>
-          <a:p>
-            <a:pPr>
-              <a:lnSpc>
-                <a:spcPct val="107000"/>
-              </a:lnSpc>
-              <a:spcAft>
-                <a:spcPts val="0"/>
-              </a:spcAft>
-              <a:tabLst>
-                <a:tab pos="581660" algn="l"/>
-                <a:tab pos="1163320" algn="l"/>
-                <a:tab pos="1744980" algn="l"/>
-                <a:tab pos="2326640" algn="l"/>
-                <a:tab pos="2908300" algn="l"/>
-                <a:tab pos="3489960" algn="l"/>
-                <a:tab pos="4071620" algn="l"/>
-                <a:tab pos="4653280" algn="l"/>
-                <a:tab pos="5234940" algn="l"/>
-                <a:tab pos="5816600" algn="l"/>
-                <a:tab pos="6398260" algn="l"/>
-                <a:tab pos="6979920" algn="l"/>
-                <a:tab pos="7561580" algn="l"/>
-                <a:tab pos="8143240" algn="l"/>
-                <a:tab pos="8724900" algn="l"/>
-                <a:tab pos="9306560" algn="l"/>
-              </a:tabLst>
-            </a:pPr>
-            <a:r>
-              <a:rPr lang="en-US" sz="1800" dirty="0">
-                <a:solidFill>
-                  <a:schemeClr val="bg1">
-                    <a:lumMod val="50000"/>
-                  </a:schemeClr>
-                </a:solidFill>
-                <a:ea typeface="Times New Roman" panose="02020603050405020304" pitchFamily="18" charset="0"/>
-                <a:cs typeface="Times New Roman" panose="02020603050405020304" pitchFamily="18" charset="0"/>
-              </a:rPr>
-              <a:t>  </a:t>
-            </a:r>
-            <a:r>
-              <a:rPr lang="en-US" sz="1800" dirty="0" err="1">
-                <a:solidFill>
-                  <a:schemeClr val="bg1">
-                    <a:lumMod val="50000"/>
-                  </a:schemeClr>
-                </a:solidFill>
-                <a:ea typeface="Times New Roman" panose="02020603050405020304" pitchFamily="18" charset="0"/>
-                <a:cs typeface="Times New Roman" panose="02020603050405020304" pitchFamily="18" charset="0"/>
-              </a:rPr>
-              <a:t>gameObjects.forEach</a:t>
-            </a:r>
-            <a:r>
-              <a:rPr lang="en-US" sz="1800" dirty="0">
-                <a:solidFill>
-                  <a:schemeClr val="bg1">
-                    <a:lumMod val="50000"/>
-                  </a:schemeClr>
-                </a:solidFill>
-                <a:ea typeface="Times New Roman" panose="02020603050405020304" pitchFamily="18" charset="0"/>
-                <a:cs typeface="Times New Roman" panose="02020603050405020304" pitchFamily="18" charset="0"/>
-              </a:rPr>
-              <a:t>{ </a:t>
-            </a:r>
-            <a:r>
-              <a:rPr lang="en-US" sz="1800" dirty="0" err="1">
-                <a:solidFill>
-                  <a:schemeClr val="bg1">
-                    <a:lumMod val="50000"/>
-                  </a:schemeClr>
-                </a:solidFill>
-                <a:ea typeface="Times New Roman" panose="02020603050405020304" pitchFamily="18" charset="0"/>
-                <a:cs typeface="Times New Roman" panose="02020603050405020304" pitchFamily="18" charset="0"/>
-              </a:rPr>
-              <a:t>it.update</a:t>
-            </a:r>
-            <a:r>
-              <a:rPr lang="en-US" sz="1800" dirty="0">
-                <a:solidFill>
-                  <a:schemeClr val="bg1">
-                    <a:lumMod val="50000"/>
-                  </a:schemeClr>
-                </a:solidFill>
-                <a:ea typeface="Times New Roman" panose="02020603050405020304" pitchFamily="18" charset="0"/>
-                <a:cs typeface="Times New Roman" panose="02020603050405020304" pitchFamily="18" charset="0"/>
-              </a:rPr>
-              <a:t>() }</a:t>
-            </a:r>
-            <a:endParaRPr lang="en-US" sz="1800" dirty="0">
-              <a:solidFill>
-                <a:schemeClr val="bg1">
-                  <a:lumMod val="50000"/>
-                </a:schemeClr>
-              </a:solidFill>
-              <a:latin typeface="Calibri" panose="020F0502020204030204" pitchFamily="34" charset="0"/>
-              <a:ea typeface="Calibri" panose="020F0502020204030204" pitchFamily="34" charset="0"/>
-              <a:cs typeface="Times New Roman" panose="02020603050405020304" pitchFamily="18" charset="0"/>
-            </a:endParaRPr>
-          </a:p>
-          <a:p>
-            <a:pPr>
-              <a:lnSpc>
-                <a:spcPct val="107000"/>
-              </a:lnSpc>
-              <a:spcAft>
-                <a:spcPts val="0"/>
-              </a:spcAft>
-              <a:tabLst>
-                <a:tab pos="581660" algn="l"/>
-                <a:tab pos="1163320" algn="l"/>
-                <a:tab pos="1744980" algn="l"/>
-                <a:tab pos="2326640" algn="l"/>
-                <a:tab pos="2908300" algn="l"/>
-                <a:tab pos="3489960" algn="l"/>
-                <a:tab pos="4071620" algn="l"/>
-                <a:tab pos="4653280" algn="l"/>
-                <a:tab pos="5234940" algn="l"/>
-                <a:tab pos="5816600" algn="l"/>
-                <a:tab pos="6398260" algn="l"/>
-                <a:tab pos="6979920" algn="l"/>
-                <a:tab pos="7561580" algn="l"/>
-                <a:tab pos="8143240" algn="l"/>
-                <a:tab pos="8724900" algn="l"/>
-                <a:tab pos="9306560" algn="l"/>
-              </a:tabLst>
-            </a:pPr>
-            <a:r>
-              <a:rPr lang="en-US" sz="1800" dirty="0">
-                <a:solidFill>
-                  <a:schemeClr val="bg1">
-                    <a:lumMod val="50000"/>
-                  </a:schemeClr>
-                </a:solidFill>
-                <a:ea typeface="Times New Roman" panose="02020603050405020304" pitchFamily="18" charset="0"/>
-                <a:cs typeface="Times New Roman" panose="02020603050405020304" pitchFamily="18" charset="0"/>
-              </a:rPr>
-              <a:t>  </a:t>
-            </a:r>
-            <a:r>
-              <a:rPr lang="en-US" sz="1800" dirty="0" err="1">
-                <a:solidFill>
-                  <a:schemeClr val="bg1">
-                    <a:lumMod val="50000"/>
-                  </a:schemeClr>
-                </a:solidFill>
-                <a:ea typeface="Times New Roman" panose="02020603050405020304" pitchFamily="18" charset="0"/>
-                <a:cs typeface="Times New Roman" panose="02020603050405020304" pitchFamily="18" charset="0"/>
-              </a:rPr>
-              <a:t>gameObjects.forEach</a:t>
-            </a:r>
-            <a:r>
-              <a:rPr lang="en-US" sz="1800" dirty="0">
-                <a:solidFill>
-                  <a:schemeClr val="bg1">
-                    <a:lumMod val="50000"/>
-                  </a:schemeClr>
-                </a:solidFill>
-                <a:ea typeface="Times New Roman" panose="02020603050405020304" pitchFamily="18" charset="0"/>
-                <a:cs typeface="Times New Roman" panose="02020603050405020304" pitchFamily="18" charset="0"/>
-              </a:rPr>
-              <a:t>{ </a:t>
-            </a:r>
-            <a:r>
-              <a:rPr lang="en-US" sz="1800" dirty="0" err="1">
-                <a:solidFill>
-                  <a:schemeClr val="bg1">
-                    <a:lumMod val="50000"/>
-                  </a:schemeClr>
-                </a:solidFill>
-                <a:ea typeface="Times New Roman" panose="02020603050405020304" pitchFamily="18" charset="0"/>
-                <a:cs typeface="Times New Roman" panose="02020603050405020304" pitchFamily="18" charset="0"/>
-              </a:rPr>
-              <a:t>it.draw</a:t>
-            </a:r>
-            <a:r>
-              <a:rPr lang="en-US" sz="1800" dirty="0">
-                <a:solidFill>
-                  <a:schemeClr val="bg1">
-                    <a:lumMod val="50000"/>
-                  </a:schemeClr>
-                </a:solidFill>
-                <a:ea typeface="Times New Roman" panose="02020603050405020304" pitchFamily="18" charset="0"/>
-                <a:cs typeface="Times New Roman" panose="02020603050405020304" pitchFamily="18" charset="0"/>
-              </a:rPr>
-              <a:t>() }</a:t>
-            </a:r>
-            <a:endParaRPr lang="en-US" sz="1800" dirty="0">
-              <a:solidFill>
-                <a:schemeClr val="bg1">
-                  <a:lumMod val="50000"/>
-                </a:schemeClr>
-              </a:solidFill>
-              <a:latin typeface="Calibri" panose="020F0502020204030204" pitchFamily="34" charset="0"/>
-              <a:ea typeface="Calibri" panose="020F0502020204030204" pitchFamily="34" charset="0"/>
-              <a:cs typeface="Times New Roman" panose="02020603050405020304" pitchFamily="18" charset="0"/>
-            </a:endParaRPr>
-          </a:p>
-          <a:p>
-            <a:pPr>
-              <a:lnSpc>
-                <a:spcPct val="107000"/>
-              </a:lnSpc>
-              <a:spcAft>
-                <a:spcPts val="0"/>
-              </a:spcAft>
-              <a:tabLst>
-                <a:tab pos="581660" algn="l"/>
-                <a:tab pos="1163320" algn="l"/>
-                <a:tab pos="1744980" algn="l"/>
-                <a:tab pos="2326640" algn="l"/>
-                <a:tab pos="2908300" algn="l"/>
-                <a:tab pos="3489960" algn="l"/>
-                <a:tab pos="4071620" algn="l"/>
-                <a:tab pos="4653280" algn="l"/>
-                <a:tab pos="5234940" algn="l"/>
-                <a:tab pos="5816600" algn="l"/>
-                <a:tab pos="6398260" algn="l"/>
-                <a:tab pos="6979920" algn="l"/>
-                <a:tab pos="7561580" algn="l"/>
-                <a:tab pos="8143240" algn="l"/>
-                <a:tab pos="8724900" algn="l"/>
-                <a:tab pos="9306560" algn="l"/>
-              </a:tabLst>
-            </a:pPr>
-            <a:r>
-              <a:rPr lang="en-US" sz="1800" dirty="0">
-                <a:solidFill>
-                  <a:schemeClr val="bg1">
-                    <a:lumMod val="50000"/>
-                  </a:schemeClr>
-                </a:solidFill>
-                <a:ea typeface="Times New Roman" panose="02020603050405020304" pitchFamily="18" charset="0"/>
-                <a:cs typeface="Times New Roman" panose="02020603050405020304" pitchFamily="18" charset="0"/>
-              </a:rPr>
-              <a:t>}</a:t>
-            </a:r>
-            <a:endParaRPr lang="en-US" sz="1800" dirty="0">
-              <a:solidFill>
-                <a:schemeClr val="bg1">
-                  <a:lumMod val="50000"/>
-                </a:schemeClr>
-              </a:solidFill>
-              <a:latin typeface="Calibri" panose="020F0502020204030204" pitchFamily="34" charset="0"/>
-              <a:ea typeface="Calibri" panose="020F0502020204030204" pitchFamily="34" charset="0"/>
-              <a:cs typeface="Times New Roman" panose="02020603050405020304" pitchFamily="18" charset="0"/>
-            </a:endParaRPr>
           </a:p>
         </p:txBody>
       </p:sp>
@@ -12011,7 +11290,7 @@
         </p:nvSpPr>
         <p:spPr>
           <a:xfrm>
-            <a:off x="5392672" y="4254549"/>
+            <a:off x="5813458" y="4505402"/>
             <a:ext cx="2476498" cy="646331"/>
           </a:xfrm>
           <a:prstGeom prst="rect">
@@ -12083,14 +11362,15 @@
         <p:nvCxnSpPr>
           <p:cNvPr id="5" name="Straight Arrow Connector 4"/>
           <p:cNvCxnSpPr>
+            <a:cxnSpLocks/>
             <a:stCxn id="4" idx="1"/>
           </p:cNvCxnSpPr>
           <p:nvPr/>
         </p:nvCxnSpPr>
         <p:spPr>
           <a:xfrm flipH="1" flipV="1">
-            <a:off x="3813048" y="3081528"/>
-            <a:ext cx="1579624" cy="1496187"/>
+            <a:off x="4070294" y="3188262"/>
+            <a:ext cx="1743164" cy="1640306"/>
           </a:xfrm>
           <a:prstGeom prst="straightConnector1">
             <a:avLst/>
@@ -12125,7 +11405,7 @@
         </p:nvSpPr>
         <p:spPr>
           <a:xfrm>
-            <a:off x="6185152" y="1173021"/>
+            <a:off x="6268970" y="1196123"/>
             <a:ext cx="2476498" cy="369332"/>
           </a:xfrm>
           <a:prstGeom prst="rect">
@@ -12146,8 +11426,23 @@
                 </a:solidFill>
                 <a:latin typeface="Whipsmart" panose="020B0502030203050204" pitchFamily="34" charset="0"/>
               </a:rPr>
-              <a:t>új GameObject property</a:t>
-            </a:r>
+              <a:t>új </a:t>
+            </a:r>
+            <a:r>
+              <a:rPr lang="hu-HU" dirty="0" err="1">
+                <a:solidFill>
+                  <a:srgbClr val="FF0000"/>
+                </a:solidFill>
+                <a:latin typeface="Whipsmart" panose="020B0502030203050204" pitchFamily="34" charset="0"/>
+              </a:rPr>
+              <a:t>property</a:t>
+            </a:r>
+            <a:endParaRPr lang="hu-HU" dirty="0">
+              <a:solidFill>
+                <a:srgbClr val="FF0000"/>
+              </a:solidFill>
+              <a:latin typeface="Whipsmart" panose="020B0502030203050204" pitchFamily="34" charset="0"/>
+            </a:endParaRPr>
           </a:p>
         </p:txBody>
       </p:sp>
@@ -12155,14 +11450,15 @@
         <p:nvCxnSpPr>
           <p:cNvPr id="20" name="Straight Arrow Connector 19"/>
           <p:cNvCxnSpPr>
+            <a:cxnSpLocks/>
             <a:stCxn id="17" idx="1"/>
           </p:cNvCxnSpPr>
           <p:nvPr/>
         </p:nvCxnSpPr>
         <p:spPr>
           <a:xfrm flipH="1">
-            <a:off x="4306824" y="1357687"/>
-            <a:ext cx="1878328" cy="992561"/>
+            <a:off x="5140045" y="1380789"/>
+            <a:ext cx="1128925" cy="1286608"/>
           </a:xfrm>
           <a:prstGeom prst="straightConnector1">
             <a:avLst/>
@@ -12197,8 +11493,8 @@
         </p:nvSpPr>
         <p:spPr>
           <a:xfrm>
-            <a:off x="3448810" y="104430"/>
-            <a:ext cx="2476498" cy="1200329"/>
+            <a:off x="2056980" y="4149104"/>
+            <a:ext cx="2984358" cy="1200329"/>
           </a:xfrm>
           <a:prstGeom prst="rect">
             <a:avLst/>
@@ -12218,7 +11514,34 @@
                 </a:solidFill>
                 <a:latin typeface="Whipsmart" panose="020B0502030203050204" pitchFamily="34" charset="0"/>
               </a:rPr>
-              <a:t>helyben definiált és példányosított névtelen GameObject-alosztály</a:t>
+              <a:t>helyben definiált és példányosított névtelen </a:t>
+            </a:r>
+            <a:r>
+              <a:rPr lang="hu-HU" dirty="0" err="1">
+                <a:solidFill>
+                  <a:srgbClr val="FF0000"/>
+                </a:solidFill>
+                <a:latin typeface="Whipsmart" panose="020B0502030203050204" pitchFamily="34" charset="0"/>
+              </a:rPr>
+              <a:t>GameObject</a:t>
+            </a:r>
+            <a:r>
+              <a:rPr lang="en-US" dirty="0">
+                <a:solidFill>
+                  <a:srgbClr val="FF0000"/>
+                </a:solidFill>
+                <a:latin typeface="Whipsmart" panose="020B0502030203050204" pitchFamily="34" charset="0"/>
+              </a:rPr>
+              <a:t>.Motion</a:t>
+            </a:r>
+            <a:r>
+              <a:rPr lang="hu-HU" dirty="0">
+                <a:solidFill>
+                  <a:srgbClr val="FF0000"/>
+                </a:solidFill>
+                <a:latin typeface="Whipsmart" panose="020B0502030203050204" pitchFamily="34" charset="0"/>
+              </a:rPr>
+              <a:t>-alosztály</a:t>
             </a:r>
           </a:p>
           <a:p>
@@ -12237,13 +11560,16 @@
       <p:cxnSp>
         <p:nvCxnSpPr>
           <p:cNvPr id="22" name="Straight Arrow Connector 21"/>
-          <p:cNvCxnSpPr/>
+          <p:cNvCxnSpPr>
+            <a:cxnSpLocks/>
+            <a:stCxn id="21" idx="1"/>
+          </p:cNvCxnSpPr>
           <p:nvPr/>
         </p:nvCxnSpPr>
         <p:spPr>
-          <a:xfrm flipH="1">
-            <a:off x="2834640" y="675319"/>
-            <a:ext cx="614170" cy="1178648"/>
+          <a:xfrm flipH="1" flipV="1">
+            <a:off x="1631724" y="2524715"/>
+            <a:ext cx="425256" cy="2224554"/>
           </a:xfrm>
           <a:prstGeom prst="straightConnector1">
             <a:avLst/>
@@ -12273,7 +11599,7 @@
     </p:spTree>
     <p:extLst>
       <p:ext uri="{BB962C8B-B14F-4D97-AF65-F5344CB8AC3E}">
-        <p14:creationId xmlns:p14="http://schemas.microsoft.com/office/powerpoint/2010/main" val="631184804"/>
+        <p14:creationId xmlns:p14="http://schemas.microsoft.com/office/powerpoint/2010/main" val="1111471180"/>
       </p:ext>
     </p:extLst>
   </p:cSld>
@@ -12302,7 +11628,7 @@
       </p:grpSpPr>
       <p:sp>
         <p:nvSpPr>
-          <p:cNvPr id="4" name="Title 3"/>
+          <p:cNvPr id="2" name="Title 1"/>
           <p:cNvSpPr>
             <a:spLocks noGrp="1"/>
           </p:cNvSpPr>
@@ -12316,35 +11642,19 @@
           <a:lstStyle/>
           <a:p>
             <a:r>
-              <a:rPr lang="en-US" dirty="0" err="1"/>
-              <a:t>Gyorsul</a:t>
-            </a:r>
-            <a:r>
-              <a:rPr lang="hu-HU" dirty="0"/>
-              <a:t>ás</a:t>
-            </a:r>
-            <a:r>
-              <a:rPr lang="en-US" dirty="0"/>
-              <a:t> (</a:t>
-            </a:r>
-            <a:r>
-              <a:rPr lang="en-US" dirty="0" err="1"/>
-              <a:t>pszeudok</a:t>
-            </a:r>
-            <a:r>
-              <a:rPr lang="hu-HU" dirty="0"/>
-              <a:t>ód</a:t>
-            </a:r>
-            <a:r>
-              <a:rPr lang="en-US" dirty="0"/>
-              <a:t>)</a:t>
-            </a:r>
+              <a:rPr lang="hu-HU" sz="4000" dirty="0" err="1">
+                <a:latin typeface="Consolas" panose="020B0609020204030204" pitchFamily="49" charset="0"/>
+                <a:cs typeface="Consolas" panose="020B0609020204030204" pitchFamily="49" charset="0"/>
+              </a:rPr>
+              <a:t>Scene</a:t>
+            </a:r>
+            <a:endParaRPr lang="en-US" dirty="0"/>
           </a:p>
         </p:txBody>
       </p:sp>
       <p:sp>
         <p:nvSpPr>
-          <p:cNvPr id="5" name="Content Placeholder 4"/>
+          <p:cNvPr id="3" name="Content Placeholder 2"/>
           <p:cNvSpPr>
             <a:spLocks noGrp="1"/>
           </p:cNvSpPr>
@@ -12355,7 +11665,7 @@
         <p:spPr/>
         <p:txBody>
           <a:bodyPr>
-            <a:normAutofit fontScale="92500" lnSpcReduction="10000"/>
+            <a:noAutofit/>
           </a:bodyPr>
           <a:lstStyle/>
           <a:p>
@@ -12366,17 +11676,34 @@
               <a:spcAft>
                 <a:spcPts val="0"/>
               </a:spcAft>
+              <a:tabLst>
+                <a:tab pos="581660" algn="l"/>
+                <a:tab pos="1163320" algn="l"/>
+                <a:tab pos="1744980" algn="l"/>
+                <a:tab pos="2326640" algn="l"/>
+                <a:tab pos="2908300" algn="l"/>
+                <a:tab pos="3489960" algn="l"/>
+                <a:tab pos="4071620" algn="l"/>
+                <a:tab pos="4653280" algn="l"/>
+                <a:tab pos="5234940" algn="l"/>
+                <a:tab pos="5816600" algn="l"/>
+                <a:tab pos="6398260" algn="l"/>
+                <a:tab pos="6979920" algn="l"/>
+                <a:tab pos="7561580" algn="l"/>
+                <a:tab pos="8143240" algn="l"/>
+                <a:tab pos="8724900" algn="l"/>
+                <a:tab pos="9306560" algn="l"/>
+              </a:tabLst>
             </a:pPr>
-            <a:r>
-              <a:rPr lang="en-US" dirty="0">
-                <a:solidFill>
-                  <a:srgbClr val="000000"/>
-                </a:solidFill>
-                <a:ea typeface="Times New Roman" panose="02020603050405020304" pitchFamily="18" charset="0"/>
-                <a:cs typeface="Times New Roman" panose="02020603050405020304" pitchFamily="18" charset="0"/>
-              </a:rPr>
-              <a:t>mass = 1</a:t>
-            </a:r>
+            <a:endParaRPr lang="en-US" sz="1800" dirty="0">
+              <a:solidFill>
+                <a:schemeClr val="bg1">
+                  <a:lumMod val="50000"/>
+                </a:schemeClr>
+              </a:solidFill>
+              <a:ea typeface="Times New Roman" panose="02020603050405020304" pitchFamily="18" charset="0"/>
+              <a:cs typeface="Times New Roman" panose="02020603050405020304" pitchFamily="18" charset="0"/>
+            </a:endParaRPr>
           </a:p>
           <a:p>
             <a:pPr>
@@ -12386,27 +11713,167 @@
               <a:spcAft>
                 <a:spcPts val="0"/>
               </a:spcAft>
+              <a:tabLst>
+                <a:tab pos="581660" algn="l"/>
+                <a:tab pos="1163320" algn="l"/>
+                <a:tab pos="1744980" algn="l"/>
+                <a:tab pos="2326640" algn="l"/>
+                <a:tab pos="2908300" algn="l"/>
+                <a:tab pos="3489960" algn="l"/>
+                <a:tab pos="4071620" algn="l"/>
+                <a:tab pos="4653280" algn="l"/>
+                <a:tab pos="5234940" algn="l"/>
+                <a:tab pos="5816600" algn="l"/>
+                <a:tab pos="6398260" algn="l"/>
+                <a:tab pos="6979920" algn="l"/>
+                <a:tab pos="7561580" algn="l"/>
+                <a:tab pos="8143240" algn="l"/>
+                <a:tab pos="8724900" algn="l"/>
+                <a:tab pos="9306560" algn="l"/>
+              </a:tabLst>
             </a:pPr>
             <a:r>
-              <a:rPr lang="en-US" dirty="0" err="1">
-                <a:solidFill>
-                  <a:srgbClr val="000000"/>
+              <a:rPr lang="en-US" sz="1800" dirty="0">
+                <a:solidFill>
+                  <a:schemeClr val="bg1">
+                    <a:lumMod val="50000"/>
+                  </a:schemeClr>
                 </a:solidFill>
                 <a:ea typeface="Times New Roman" panose="02020603050405020304" pitchFamily="18" charset="0"/>
                 <a:cs typeface="Times New Roman" panose="02020603050405020304" pitchFamily="18" charset="0"/>
               </a:rPr>
-              <a:t>angularMass</a:t>
-            </a:r>
-            <a:r>
-              <a:rPr lang="en-US" dirty="0">
-                <a:solidFill>
-                  <a:srgbClr val="000000"/>
+              <a:t>fun update(</a:t>
+            </a:r>
+            <a:r>
+              <a:rPr lang="en-US" sz="1800" i="1" dirty="0" err="1">
+                <a:solidFill>
+                  <a:schemeClr val="bg1">
+                    <a:lumMod val="50000"/>
+                  </a:schemeClr>
                 </a:solidFill>
                 <a:ea typeface="Times New Roman" panose="02020603050405020304" pitchFamily="18" charset="0"/>
                 <a:cs typeface="Times New Roman" panose="02020603050405020304" pitchFamily="18" charset="0"/>
               </a:rPr>
-              <a:t> = 1</a:t>
-            </a:r>
+              <a:t>gl</a:t>
+            </a:r>
+            <a:r>
+              <a:rPr lang="en-US" sz="1800" i="1" dirty="0">
+                <a:solidFill>
+                  <a:schemeClr val="bg1">
+                    <a:lumMod val="50000"/>
+                  </a:schemeClr>
+                </a:solidFill>
+                <a:ea typeface="Times New Roman" panose="02020603050405020304" pitchFamily="18" charset="0"/>
+                <a:cs typeface="Times New Roman" panose="02020603050405020304" pitchFamily="18" charset="0"/>
+              </a:rPr>
+              <a:t> </a:t>
+            </a:r>
+            <a:r>
+              <a:rPr lang="en-US" sz="1800" dirty="0">
+                <a:solidFill>
+                  <a:schemeClr val="bg1">
+                    <a:lumMod val="50000"/>
+                  </a:schemeClr>
+                </a:solidFill>
+                <a:ea typeface="Times New Roman" panose="02020603050405020304" pitchFamily="18" charset="0"/>
+                <a:cs typeface="Times New Roman" panose="02020603050405020304" pitchFamily="18" charset="0"/>
+              </a:rPr>
+              <a:t>: WebGL2RenderingContext, </a:t>
+            </a:r>
+            <a:r>
+              <a:rPr lang="en-US" sz="1800" i="1" dirty="0" err="1">
+                <a:solidFill>
+                  <a:schemeClr val="bg1">
+                    <a:lumMod val="50000"/>
+                  </a:schemeClr>
+                </a:solidFill>
+                <a:ea typeface="Times New Roman" panose="02020603050405020304" pitchFamily="18" charset="0"/>
+                <a:cs typeface="Times New Roman" panose="02020603050405020304" pitchFamily="18" charset="0"/>
+              </a:rPr>
+              <a:t>keysPressed</a:t>
+            </a:r>
+            <a:r>
+              <a:rPr lang="en-US" sz="1800" i="1" dirty="0">
+                <a:solidFill>
+                  <a:schemeClr val="bg1">
+                    <a:lumMod val="50000"/>
+                  </a:schemeClr>
+                </a:solidFill>
+                <a:ea typeface="Times New Roman" panose="02020603050405020304" pitchFamily="18" charset="0"/>
+                <a:cs typeface="Times New Roman" panose="02020603050405020304" pitchFamily="18" charset="0"/>
+              </a:rPr>
+              <a:t> </a:t>
+            </a:r>
+            <a:r>
+              <a:rPr lang="en-US" sz="1800" dirty="0">
+                <a:solidFill>
+                  <a:schemeClr val="bg1">
+                    <a:lumMod val="50000"/>
+                  </a:schemeClr>
+                </a:solidFill>
+                <a:ea typeface="Times New Roman" panose="02020603050405020304" pitchFamily="18" charset="0"/>
+                <a:cs typeface="Times New Roman" panose="02020603050405020304" pitchFamily="18" charset="0"/>
+              </a:rPr>
+              <a:t>: </a:t>
+            </a:r>
+            <a:r>
+              <a:rPr lang="en-US" sz="1800" i="1" dirty="0">
+                <a:solidFill>
+                  <a:schemeClr val="bg1">
+                    <a:lumMod val="50000"/>
+                  </a:schemeClr>
+                </a:solidFill>
+                <a:ea typeface="Times New Roman" panose="02020603050405020304" pitchFamily="18" charset="0"/>
+                <a:cs typeface="Times New Roman" panose="02020603050405020304" pitchFamily="18" charset="0"/>
+              </a:rPr>
+              <a:t>Set</a:t>
+            </a:r>
+            <a:r>
+              <a:rPr lang="en-US" sz="1800" dirty="0">
+                <a:solidFill>
+                  <a:schemeClr val="bg1">
+                    <a:lumMod val="50000"/>
+                  </a:schemeClr>
+                </a:solidFill>
+                <a:ea typeface="Times New Roman" panose="02020603050405020304" pitchFamily="18" charset="0"/>
+                <a:cs typeface="Times New Roman" panose="02020603050405020304" pitchFamily="18" charset="0"/>
+              </a:rPr>
+              <a:t>&lt;</a:t>
+            </a:r>
+            <a:r>
+              <a:rPr lang="en-US" sz="1800" i="1" dirty="0">
+                <a:solidFill>
+                  <a:schemeClr val="bg1">
+                    <a:lumMod val="50000"/>
+                  </a:schemeClr>
+                </a:solidFill>
+                <a:ea typeface="Times New Roman" panose="02020603050405020304" pitchFamily="18" charset="0"/>
+                <a:cs typeface="Times New Roman" panose="02020603050405020304" pitchFamily="18" charset="0"/>
+              </a:rPr>
+              <a:t>String</a:t>
+            </a:r>
+            <a:r>
+              <a:rPr lang="en-US" sz="1800" dirty="0">
+                <a:solidFill>
+                  <a:schemeClr val="bg1">
+                    <a:lumMod val="50000"/>
+                  </a:schemeClr>
+                </a:solidFill>
+                <a:ea typeface="Times New Roman" panose="02020603050405020304" pitchFamily="18" charset="0"/>
+                <a:cs typeface="Times New Roman" panose="02020603050405020304" pitchFamily="18" charset="0"/>
+              </a:rPr>
+              <a:t>&gt;) {</a:t>
+            </a:r>
+            <a:endParaRPr lang="en-US" sz="1800" dirty="0">
+              <a:solidFill>
+                <a:schemeClr val="bg1">
+                  <a:lumMod val="50000"/>
+                </a:schemeClr>
+              </a:solidFill>
+              <a:latin typeface="Calibri" panose="020F0502020204030204" pitchFamily="34" charset="0"/>
+              <a:ea typeface="Calibri" panose="020F0502020204030204" pitchFamily="34" charset="0"/>
+              <a:cs typeface="Times New Roman" panose="02020603050405020304" pitchFamily="18" charset="0"/>
+            </a:endParaRPr>
           </a:p>
           <a:p>
             <a:pPr>
@@ -12416,24 +11883,95 @@
               <a:spcAft>
                 <a:spcPts val="0"/>
               </a:spcAft>
+              <a:tabLst>
+                <a:tab pos="581660" algn="l"/>
+                <a:tab pos="1163320" algn="l"/>
+                <a:tab pos="1744980" algn="l"/>
+                <a:tab pos="2326640" algn="l"/>
+                <a:tab pos="2908300" algn="l"/>
+                <a:tab pos="3489960" algn="l"/>
+                <a:tab pos="4071620" algn="l"/>
+                <a:tab pos="4653280" algn="l"/>
+                <a:tab pos="5234940" algn="l"/>
+                <a:tab pos="5816600" algn="l"/>
+                <a:tab pos="6398260" algn="l"/>
+                <a:tab pos="6979920" algn="l"/>
+                <a:tab pos="7561580" algn="l"/>
+                <a:tab pos="8143240" algn="l"/>
+                <a:tab pos="8724900" algn="l"/>
+                <a:tab pos="9306560" algn="l"/>
+              </a:tabLst>
             </a:pPr>
             <a:r>
-              <a:rPr lang="en-US" dirty="0">
+              <a:rPr lang="en-US" sz="1800" dirty="0">
                 <a:solidFill>
                   <a:srgbClr val="000000"/>
                 </a:solidFill>
                 <a:ea typeface="Times New Roman" panose="02020603050405020304" pitchFamily="18" charset="0"/>
                 <a:cs typeface="Times New Roman" panose="02020603050405020304" pitchFamily="18" charset="0"/>
               </a:rPr>
-              <a:t>acceleration = Vec3()</a:t>
-            </a:r>
-            <a:endParaRPr lang="hu-HU" dirty="0">
-              <a:solidFill>
-                <a:srgbClr val="000000"/>
-              </a:solidFill>
-              <a:ea typeface="Times New Roman" panose="02020603050405020304" pitchFamily="18" charset="0"/>
-              <a:cs typeface="Times New Roman" panose="02020603050405020304" pitchFamily="18" charset="0"/>
-            </a:endParaRPr>
+              <a:t>  </a:t>
+            </a:r>
+            <a:r>
+              <a:rPr lang="en-US" sz="1800" dirty="0" err="1">
+                <a:solidFill>
+                  <a:srgbClr val="000000"/>
+                </a:solidFill>
+                <a:ea typeface="Times New Roman" panose="02020603050405020304" pitchFamily="18" charset="0"/>
+                <a:cs typeface="Times New Roman" panose="02020603050405020304" pitchFamily="18" charset="0"/>
+              </a:rPr>
+              <a:t>val</a:t>
+            </a:r>
+            <a:r>
+              <a:rPr lang="en-US" sz="1800" dirty="0">
+                <a:solidFill>
+                  <a:srgbClr val="000000"/>
+                </a:solidFill>
+                <a:ea typeface="Times New Roman" panose="02020603050405020304" pitchFamily="18" charset="0"/>
+                <a:cs typeface="Times New Roman" panose="02020603050405020304" pitchFamily="18" charset="0"/>
+              </a:rPr>
+              <a:t> spawn = </a:t>
+            </a:r>
+            <a:r>
+              <a:rPr lang="en-US" sz="1800" dirty="0" err="1">
+                <a:solidFill>
+                  <a:srgbClr val="000000"/>
+                </a:solidFill>
+                <a:ea typeface="Times New Roman" panose="02020603050405020304" pitchFamily="18" charset="0"/>
+                <a:cs typeface="Times New Roman" panose="02020603050405020304" pitchFamily="18" charset="0"/>
+              </a:rPr>
+              <a:t>ArrayList</a:t>
+            </a:r>
+            <a:r>
+              <a:rPr lang="en-US" sz="1800" dirty="0">
+                <a:solidFill>
+                  <a:srgbClr val="000000"/>
+                </a:solidFill>
+                <a:ea typeface="Times New Roman" panose="02020603050405020304" pitchFamily="18" charset="0"/>
+                <a:cs typeface="Times New Roman" panose="02020603050405020304" pitchFamily="18" charset="0"/>
+              </a:rPr>
+              <a:t>&lt;</a:t>
+            </a:r>
+            <a:r>
+              <a:rPr lang="en-US" sz="1800" dirty="0" err="1">
+                <a:solidFill>
+                  <a:srgbClr val="000000"/>
+                </a:solidFill>
+                <a:ea typeface="Times New Roman" panose="02020603050405020304" pitchFamily="18" charset="0"/>
+                <a:cs typeface="Times New Roman" panose="02020603050405020304" pitchFamily="18" charset="0"/>
+              </a:rPr>
+              <a:t>GameObject</a:t>
+            </a:r>
+            <a:r>
+              <a:rPr lang="en-US" sz="1800" dirty="0">
+                <a:solidFill>
+                  <a:srgbClr val="000000"/>
+                </a:solidFill>
+                <a:ea typeface="Times New Roman" panose="02020603050405020304" pitchFamily="18" charset="0"/>
+                <a:cs typeface="Times New Roman" panose="02020603050405020304" pitchFamily="18" charset="0"/>
+              </a:rPr>
+              <a:t>&gt;()</a:t>
+            </a:r>
           </a:p>
           <a:p>
             <a:pPr>
@@ -12443,26 +11981,114 @@
               <a:spcAft>
                 <a:spcPts val="0"/>
               </a:spcAft>
+              <a:tabLst>
+                <a:tab pos="581660" algn="l"/>
+                <a:tab pos="1163320" algn="l"/>
+                <a:tab pos="1744980" algn="l"/>
+                <a:tab pos="2326640" algn="l"/>
+                <a:tab pos="2908300" algn="l"/>
+                <a:tab pos="3489960" algn="l"/>
+                <a:tab pos="4071620" algn="l"/>
+                <a:tab pos="4653280" algn="l"/>
+                <a:tab pos="5234940" algn="l"/>
+                <a:tab pos="5816600" algn="l"/>
+                <a:tab pos="6398260" algn="l"/>
+                <a:tab pos="6979920" algn="l"/>
+                <a:tab pos="7561580" algn="l"/>
+                <a:tab pos="8143240" algn="l"/>
+                <a:tab pos="8724900" algn="l"/>
+                <a:tab pos="9306560" algn="l"/>
+              </a:tabLst>
             </a:pPr>
             <a:r>
-              <a:rPr lang="en-US" dirty="0" err="1">
+              <a:rPr lang="en-US" sz="1800" dirty="0">
                 <a:solidFill>
                   <a:srgbClr val="000000"/>
                 </a:solidFill>
                 <a:ea typeface="Times New Roman" panose="02020603050405020304" pitchFamily="18" charset="0"/>
                 <a:cs typeface="Times New Roman" panose="02020603050405020304" pitchFamily="18" charset="0"/>
               </a:rPr>
-              <a:t>angularAcceleration</a:t>
-            </a:r>
-            <a:r>
-              <a:rPr lang="en-US" dirty="0">
+              <a:t>  </a:t>
+            </a:r>
+            <a:r>
+              <a:rPr lang="en-US" sz="1800" dirty="0" err="1">
                 <a:solidFill>
                   <a:srgbClr val="000000"/>
                 </a:solidFill>
                 <a:ea typeface="Times New Roman" panose="02020603050405020304" pitchFamily="18" charset="0"/>
                 <a:cs typeface="Times New Roman" panose="02020603050405020304" pitchFamily="18" charset="0"/>
               </a:rPr>
-              <a:t> = 0</a:t>
+              <a:t>val</a:t>
+            </a:r>
+            <a:r>
+              <a:rPr lang="en-US" sz="1800" dirty="0">
+                <a:solidFill>
+                  <a:srgbClr val="000000"/>
+                </a:solidFill>
+                <a:ea typeface="Times New Roman" panose="02020603050405020304" pitchFamily="18" charset="0"/>
+                <a:cs typeface="Times New Roman" panose="02020603050405020304" pitchFamily="18" charset="0"/>
+              </a:rPr>
+              <a:t> </a:t>
+            </a:r>
+            <a:r>
+              <a:rPr lang="en-US" sz="1800" dirty="0" err="1">
+                <a:solidFill>
+                  <a:srgbClr val="000000"/>
+                </a:solidFill>
+                <a:ea typeface="Times New Roman" panose="02020603050405020304" pitchFamily="18" charset="0"/>
+                <a:cs typeface="Times New Roman" panose="02020603050405020304" pitchFamily="18" charset="0"/>
+              </a:rPr>
+              <a:t>killList</a:t>
+            </a:r>
+            <a:r>
+              <a:rPr lang="en-US" sz="1800" dirty="0">
+                <a:solidFill>
+                  <a:srgbClr val="000000"/>
+                </a:solidFill>
+                <a:ea typeface="Times New Roman" panose="02020603050405020304" pitchFamily="18" charset="0"/>
+                <a:cs typeface="Times New Roman" panose="02020603050405020304" pitchFamily="18" charset="0"/>
+              </a:rPr>
+              <a:t> = </a:t>
+            </a:r>
+            <a:r>
+              <a:rPr lang="en-US" sz="1800" dirty="0" err="1">
+                <a:solidFill>
+                  <a:srgbClr val="000000"/>
+                </a:solidFill>
+                <a:ea typeface="Times New Roman" panose="02020603050405020304" pitchFamily="18" charset="0"/>
+                <a:cs typeface="Times New Roman" panose="02020603050405020304" pitchFamily="18" charset="0"/>
+              </a:rPr>
+              <a:t>ArrayList</a:t>
+            </a:r>
+            <a:r>
+              <a:rPr lang="en-US" sz="1800" dirty="0">
+                <a:solidFill>
+                  <a:srgbClr val="000000"/>
+                </a:solidFill>
+                <a:ea typeface="Times New Roman" panose="02020603050405020304" pitchFamily="18" charset="0"/>
+                <a:cs typeface="Times New Roman" panose="02020603050405020304" pitchFamily="18" charset="0"/>
+              </a:rPr>
+              <a:t>&lt;</a:t>
+            </a:r>
+            <a:r>
+              <a:rPr lang="en-US" sz="1800" dirty="0" err="1">
+                <a:solidFill>
+                  <a:srgbClr val="000000"/>
+                </a:solidFill>
+                <a:ea typeface="Times New Roman" panose="02020603050405020304" pitchFamily="18" charset="0"/>
+                <a:cs typeface="Times New Roman" panose="02020603050405020304" pitchFamily="18" charset="0"/>
+              </a:rPr>
+              <a:t>GameObject</a:t>
+            </a:r>
+            <a:r>
+              <a:rPr lang="en-US" sz="1800" dirty="0">
+                <a:solidFill>
+                  <a:srgbClr val="000000"/>
+                </a:solidFill>
+                <a:ea typeface="Times New Roman" panose="02020603050405020304" pitchFamily="18" charset="0"/>
+                <a:cs typeface="Times New Roman" panose="02020603050405020304" pitchFamily="18" charset="0"/>
+              </a:rPr>
+              <a:t>&gt;()    </a:t>
             </a:r>
           </a:p>
           <a:p>
@@ -12473,174 +12099,64 @@
               <a:spcAft>
                 <a:spcPts val="0"/>
               </a:spcAft>
+              <a:tabLst>
+                <a:tab pos="581660" algn="l"/>
+                <a:tab pos="1163320" algn="l"/>
+                <a:tab pos="1744980" algn="l"/>
+                <a:tab pos="2326640" algn="l"/>
+                <a:tab pos="2908300" algn="l"/>
+                <a:tab pos="3489960" algn="l"/>
+                <a:tab pos="4071620" algn="l"/>
+                <a:tab pos="4653280" algn="l"/>
+                <a:tab pos="5234940" algn="l"/>
+                <a:tab pos="5816600" algn="l"/>
+                <a:tab pos="6398260" algn="l"/>
+                <a:tab pos="6979920" algn="l"/>
+                <a:tab pos="7561580" algn="l"/>
+                <a:tab pos="8143240" algn="l"/>
+                <a:tab pos="8724900" algn="l"/>
+                <a:tab pos="9306560" algn="l"/>
+              </a:tabLst>
             </a:pPr>
             <a:r>
-              <a:rPr lang="en-US" dirty="0">
+              <a:rPr lang="en-US" sz="1800" dirty="0">
                 <a:solidFill>
                   <a:srgbClr val="000000"/>
                 </a:solidFill>
                 <a:ea typeface="Times New Roman" panose="02020603050405020304" pitchFamily="18" charset="0"/>
                 <a:cs typeface="Times New Roman" panose="02020603050405020304" pitchFamily="18" charset="0"/>
               </a:rPr>
-              <a:t>fun move (dt, </a:t>
-            </a:r>
-            <a:r>
-              <a:rPr lang="en-US" dirty="0" err="1">
+              <a:t>  </a:t>
+            </a:r>
+            <a:r>
+              <a:rPr lang="en-US" sz="1800" b="1" dirty="0" err="1">
                 <a:solidFill>
                   <a:srgbClr val="000000"/>
                 </a:solidFill>
                 <a:ea typeface="Times New Roman" panose="02020603050405020304" pitchFamily="18" charset="0"/>
                 <a:cs typeface="Times New Roman" panose="02020603050405020304" pitchFamily="18" charset="0"/>
               </a:rPr>
-              <a:t>keysPressed</a:t>
-            </a:r>
-            <a:r>
-              <a:rPr lang="en-US" dirty="0">
+              <a:t>gameObjects.forEach</a:t>
+            </a:r>
+            <a:r>
+              <a:rPr lang="en-US" sz="1800" b="1" dirty="0">
                 <a:solidFill>
                   <a:srgbClr val="000000"/>
                 </a:solidFill>
                 <a:ea typeface="Times New Roman" panose="02020603050405020304" pitchFamily="18" charset="0"/>
                 <a:cs typeface="Times New Roman" panose="02020603050405020304" pitchFamily="18" charset="0"/>
               </a:rPr>
-              <a:t>, </a:t>
-            </a:r>
-            <a:r>
-              <a:rPr lang="en-US" dirty="0" err="1">
+              <a:t> {</a:t>
+            </a:r>
+            <a:r>
+              <a:rPr lang="en-US" sz="1800" dirty="0">
                 <a:solidFill>
                   <a:srgbClr val="000000"/>
                 </a:solidFill>
                 <a:ea typeface="Times New Roman" panose="02020603050405020304" pitchFamily="18" charset="0"/>
                 <a:cs typeface="Times New Roman" panose="02020603050405020304" pitchFamily="18" charset="0"/>
               </a:rPr>
-              <a:t>gameObjects</a:t>
-            </a:r>
-            <a:r>
-              <a:rPr lang="en-US" dirty="0">
-                <a:solidFill>
-                  <a:srgbClr val="000000"/>
-                </a:solidFill>
-                <a:ea typeface="Times New Roman" panose="02020603050405020304" pitchFamily="18" charset="0"/>
-                <a:cs typeface="Times New Roman" panose="02020603050405020304" pitchFamily="18" charset="0"/>
-              </a:rPr>
-              <a:t>){</a:t>
-            </a:r>
-          </a:p>
-          <a:p>
-            <a:pPr>
-              <a:lnSpc>
-                <a:spcPct val="107000"/>
-              </a:lnSpc>
-            </a:pPr>
-            <a:r>
-              <a:rPr lang="en-US" dirty="0">
-                <a:solidFill>
-                  <a:srgbClr val="00B0F0"/>
-                </a:solidFill>
-                <a:ea typeface="Times New Roman" panose="02020603050405020304" pitchFamily="18" charset="0"/>
-                <a:cs typeface="Times New Roman" panose="02020603050405020304" pitchFamily="18" charset="0"/>
-              </a:rPr>
-              <a:t>  </a:t>
-            </a:r>
-            <a:r>
-              <a:rPr lang="hu-HU" dirty="0" err="1">
-                <a:solidFill>
-                  <a:srgbClr val="00B0F0"/>
-                </a:solidFill>
-                <a:ea typeface="Times New Roman" panose="02020603050405020304" pitchFamily="18" charset="0"/>
-                <a:cs typeface="Times New Roman" panose="02020603050405020304" pitchFamily="18" charset="0"/>
-              </a:rPr>
-              <a:t>control</a:t>
-            </a:r>
-            <a:r>
-              <a:rPr lang="en-US" dirty="0">
-                <a:solidFill>
-                  <a:srgbClr val="000000"/>
-                </a:solidFill>
-                <a:ea typeface="Times New Roman" panose="02020603050405020304" pitchFamily="18" charset="0"/>
-                <a:cs typeface="Times New Roman" panose="02020603050405020304" pitchFamily="18" charset="0"/>
-              </a:rPr>
-              <a:t>(dt, </a:t>
-            </a:r>
-            <a:r>
-              <a:rPr lang="en-US" dirty="0" err="1">
-                <a:solidFill>
-                  <a:srgbClr val="000000"/>
-                </a:solidFill>
-                <a:ea typeface="Times New Roman" panose="02020603050405020304" pitchFamily="18" charset="0"/>
-                <a:cs typeface="Times New Roman" panose="02020603050405020304" pitchFamily="18" charset="0"/>
-              </a:rPr>
-              <a:t>keysPressed</a:t>
-            </a:r>
-            <a:r>
-              <a:rPr lang="en-US" dirty="0">
-                <a:solidFill>
-                  <a:srgbClr val="000000"/>
-                </a:solidFill>
-                <a:ea typeface="Times New Roman" panose="02020603050405020304" pitchFamily="18" charset="0"/>
-                <a:cs typeface="Times New Roman" panose="02020603050405020304" pitchFamily="18" charset="0"/>
-              </a:rPr>
-              <a:t>)</a:t>
-            </a:r>
-            <a:endParaRPr lang="hu-HU" dirty="0">
-              <a:solidFill>
-                <a:srgbClr val="000000"/>
-              </a:solidFill>
-              <a:ea typeface="Times New Roman" panose="02020603050405020304" pitchFamily="18" charset="0"/>
-              <a:cs typeface="Times New Roman" panose="02020603050405020304" pitchFamily="18" charset="0"/>
-            </a:endParaRPr>
-          </a:p>
-          <a:p>
-            <a:pPr>
-              <a:lnSpc>
-                <a:spcPct val="107000"/>
-              </a:lnSpc>
-            </a:pPr>
-            <a:r>
-              <a:rPr lang="en-US" dirty="0">
-                <a:solidFill>
-                  <a:srgbClr val="000000"/>
-                </a:solidFill>
-                <a:ea typeface="Times New Roman" panose="02020603050405020304" pitchFamily="18" charset="0"/>
-                <a:cs typeface="Times New Roman" panose="02020603050405020304" pitchFamily="18" charset="0"/>
-              </a:rPr>
-              <a:t>  v</a:t>
-            </a:r>
-            <a:r>
-              <a:rPr lang="hu-HU" dirty="0" err="1">
-                <a:solidFill>
-                  <a:srgbClr val="000000"/>
-                </a:solidFill>
-                <a:ea typeface="Times New Roman" panose="02020603050405020304" pitchFamily="18" charset="0"/>
-                <a:cs typeface="Times New Roman" panose="02020603050405020304" pitchFamily="18" charset="0"/>
-              </a:rPr>
-              <a:t>elocity</a:t>
-            </a:r>
-            <a:r>
-              <a:rPr lang="en-US" dirty="0">
-                <a:solidFill>
-                  <a:srgbClr val="000000"/>
-                </a:solidFill>
-                <a:ea typeface="Times New Roman" panose="02020603050405020304" pitchFamily="18" charset="0"/>
-                <a:cs typeface="Times New Roman" panose="02020603050405020304" pitchFamily="18" charset="0"/>
-              </a:rPr>
-              <a:t> += acceleration * dt</a:t>
-            </a:r>
-          </a:p>
-          <a:p>
-            <a:pPr>
-              <a:lnSpc>
-                <a:spcPct val="107000"/>
-              </a:lnSpc>
-            </a:pPr>
-            <a:r>
-              <a:rPr lang="en-US" dirty="0">
-                <a:solidFill>
-                  <a:srgbClr val="000000"/>
-                </a:solidFill>
-                <a:ea typeface="Times New Roman" panose="02020603050405020304" pitchFamily="18" charset="0"/>
-                <a:cs typeface="Times New Roman" panose="02020603050405020304" pitchFamily="18" charset="0"/>
-              </a:rPr>
-              <a:t>  …</a:t>
+              <a:t> </a:t>
             </a:r>
           </a:p>
           <a:p>
@@ -12651,16 +12167,54 @@
               <a:spcAft>
                 <a:spcPts val="0"/>
               </a:spcAft>
+              <a:tabLst>
+                <a:tab pos="581660" algn="l"/>
+                <a:tab pos="1163320" algn="l"/>
+                <a:tab pos="1744980" algn="l"/>
+                <a:tab pos="2326640" algn="l"/>
+                <a:tab pos="2908300" algn="l"/>
+                <a:tab pos="3489960" algn="l"/>
+                <a:tab pos="4071620" algn="l"/>
+                <a:tab pos="4653280" algn="l"/>
+                <a:tab pos="5234940" algn="l"/>
+                <a:tab pos="5816600" algn="l"/>
+                <a:tab pos="6398260" algn="l"/>
+                <a:tab pos="6979920" algn="l"/>
+                <a:tab pos="7561580" algn="l"/>
+                <a:tab pos="8143240" algn="l"/>
+                <a:tab pos="8724900" algn="l"/>
+                <a:tab pos="9306560" algn="l"/>
+              </a:tabLst>
             </a:pPr>
             <a:r>
-              <a:rPr lang="en-US" dirty="0">
+              <a:rPr lang="en-US" sz="1800" dirty="0">
                 <a:solidFill>
                   <a:srgbClr val="000000"/>
                 </a:solidFill>
                 <a:ea typeface="Times New Roman" panose="02020603050405020304" pitchFamily="18" charset="0"/>
                 <a:cs typeface="Times New Roman" panose="02020603050405020304" pitchFamily="18" charset="0"/>
               </a:rPr>
-              <a:t>}</a:t>
+              <a:t>    if(!</a:t>
+            </a:r>
+            <a:r>
+              <a:rPr lang="en-US" sz="1800" b="1" dirty="0" err="1">
+                <a:solidFill>
+                  <a:srgbClr val="000000"/>
+                </a:solidFill>
+                <a:ea typeface="Times New Roman" panose="02020603050405020304" pitchFamily="18" charset="0"/>
+                <a:cs typeface="Times New Roman" panose="02020603050405020304" pitchFamily="18" charset="0"/>
+              </a:rPr>
+              <a:t>it.move</a:t>
+            </a:r>
+            <a:r>
+              <a:rPr lang="en-US" sz="1800" dirty="0">
+                <a:solidFill>
+                  <a:srgbClr val="000000"/>
+                </a:solidFill>
+                <a:ea typeface="Times New Roman" panose="02020603050405020304" pitchFamily="18" charset="0"/>
+                <a:cs typeface="Times New Roman" panose="02020603050405020304" pitchFamily="18" charset="0"/>
+              </a:rPr>
+              <a:t>( … )){</a:t>
             </a:r>
           </a:p>
           <a:p>
@@ -12671,56 +12225,54 @@
               <a:spcAft>
                 <a:spcPts val="0"/>
               </a:spcAft>
+              <a:tabLst>
+                <a:tab pos="581660" algn="l"/>
+                <a:tab pos="1163320" algn="l"/>
+                <a:tab pos="1744980" algn="l"/>
+                <a:tab pos="2326640" algn="l"/>
+                <a:tab pos="2908300" algn="l"/>
+                <a:tab pos="3489960" algn="l"/>
+                <a:tab pos="4071620" algn="l"/>
+                <a:tab pos="4653280" algn="l"/>
+                <a:tab pos="5234940" algn="l"/>
+                <a:tab pos="5816600" algn="l"/>
+                <a:tab pos="6398260" algn="l"/>
+                <a:tab pos="6979920" algn="l"/>
+                <a:tab pos="7561580" algn="l"/>
+                <a:tab pos="8143240" algn="l"/>
+                <a:tab pos="8724900" algn="l"/>
+                <a:tab pos="9306560" algn="l"/>
+              </a:tabLst>
             </a:pPr>
             <a:r>
-              <a:rPr lang="en-US" dirty="0">
+              <a:rPr lang="en-US" sz="1800" dirty="0">
                 <a:solidFill>
                   <a:srgbClr val="000000"/>
                 </a:solidFill>
                 <a:ea typeface="Times New Roman" panose="02020603050405020304" pitchFamily="18" charset="0"/>
                 <a:cs typeface="Times New Roman" panose="02020603050405020304" pitchFamily="18" charset="0"/>
               </a:rPr>
-              <a:t>fun </a:t>
-            </a:r>
-            <a:r>
-              <a:rPr lang="en-US" dirty="0">
-                <a:solidFill>
-                  <a:srgbClr val="00B0F0"/>
+              <a:t>      </a:t>
+            </a:r>
+            <a:r>
+              <a:rPr lang="en-US" sz="1800" dirty="0" err="1">
+                <a:solidFill>
+                  <a:srgbClr val="000000"/>
                 </a:solidFill>
                 <a:ea typeface="Times New Roman" panose="02020603050405020304" pitchFamily="18" charset="0"/>
                 <a:cs typeface="Times New Roman" panose="02020603050405020304" pitchFamily="18" charset="0"/>
               </a:rPr>
-              <a:t>control</a:t>
-            </a:r>
-            <a:r>
-              <a:rPr lang="en-US" dirty="0">
+              <a:t>killList.add</a:t>
+            </a:r>
+            <a:r>
+              <a:rPr lang="en-US" sz="1800" dirty="0">
                 <a:solidFill>
                   <a:srgbClr val="000000"/>
                 </a:solidFill>
                 <a:ea typeface="Times New Roman" panose="02020603050405020304" pitchFamily="18" charset="0"/>
                 <a:cs typeface="Times New Roman" panose="02020603050405020304" pitchFamily="18" charset="0"/>
               </a:rPr>
-              <a:t>(dt, </a:t>
-            </a:r>
-            <a:r>
-              <a:rPr lang="en-US" dirty="0" err="1">
-                <a:solidFill>
-                  <a:srgbClr val="000000"/>
-                </a:solidFill>
-                <a:ea typeface="Times New Roman" panose="02020603050405020304" pitchFamily="18" charset="0"/>
-                <a:cs typeface="Times New Roman" panose="02020603050405020304" pitchFamily="18" charset="0"/>
-              </a:rPr>
-              <a:t>keysPressed</a:t>
-            </a:r>
-            <a:r>
-              <a:rPr lang="en-US" dirty="0">
-                <a:solidFill>
-                  <a:srgbClr val="000000"/>
-                </a:solidFill>
-                <a:ea typeface="Times New Roman" panose="02020603050405020304" pitchFamily="18" charset="0"/>
-                <a:cs typeface="Times New Roman" panose="02020603050405020304" pitchFamily="18" charset="0"/>
-              </a:rPr>
-              <a:t>){</a:t>
+              <a:t>(it)</a:t>
             </a:r>
           </a:p>
           <a:p>
@@ -12731,36 +12283,34 @@
               <a:spcAft>
                 <a:spcPts val="0"/>
               </a:spcAft>
+              <a:tabLst>
+                <a:tab pos="581660" algn="l"/>
+                <a:tab pos="1163320" algn="l"/>
+                <a:tab pos="1744980" algn="l"/>
+                <a:tab pos="2326640" algn="l"/>
+                <a:tab pos="2908300" algn="l"/>
+                <a:tab pos="3489960" algn="l"/>
+                <a:tab pos="4071620" algn="l"/>
+                <a:tab pos="4653280" algn="l"/>
+                <a:tab pos="5234940" algn="l"/>
+                <a:tab pos="5816600" algn="l"/>
+                <a:tab pos="6398260" algn="l"/>
+                <a:tab pos="6979920" algn="l"/>
+                <a:tab pos="7561580" algn="l"/>
+                <a:tab pos="8143240" algn="l"/>
+                <a:tab pos="8724900" algn="l"/>
+                <a:tab pos="9306560" algn="l"/>
+              </a:tabLst>
             </a:pPr>
             <a:r>
-              <a:rPr lang="en-US" dirty="0">
+              <a:rPr lang="en-US" sz="1800" dirty="0">
                 <a:solidFill>
                   <a:srgbClr val="000000"/>
                 </a:solidFill>
                 <a:ea typeface="Times New Roman" panose="02020603050405020304" pitchFamily="18" charset="0"/>
                 <a:cs typeface="Times New Roman" panose="02020603050405020304" pitchFamily="18" charset="0"/>
               </a:rPr>
-              <a:t>  </a:t>
-            </a:r>
-            <a:r>
-              <a:rPr lang="en-US" dirty="0" err="1">
-                <a:solidFill>
-                  <a:srgbClr val="000000"/>
-                </a:solidFill>
-                <a:ea typeface="Times New Roman" panose="02020603050405020304" pitchFamily="18" charset="0"/>
-                <a:cs typeface="Times New Roman" panose="02020603050405020304" pitchFamily="18" charset="0"/>
-              </a:rPr>
-              <a:t>acceleration.set</a:t>
-            </a:r>
-            <a:r>
-              <a:rPr lang="en-US" dirty="0">
-                <a:solidFill>
-                  <a:srgbClr val="000000"/>
-                </a:solidFill>
-                <a:ea typeface="Times New Roman" panose="02020603050405020304" pitchFamily="18" charset="0"/>
-                <a:cs typeface="Times New Roman" panose="02020603050405020304" pitchFamily="18" charset="0"/>
-              </a:rPr>
-              <a:t>()</a:t>
+              <a:t>    }</a:t>
             </a:r>
           </a:p>
           <a:p>
@@ -12771,36 +12321,34 @@
               <a:spcAft>
                 <a:spcPts val="0"/>
               </a:spcAft>
+              <a:tabLst>
+                <a:tab pos="581660" algn="l"/>
+                <a:tab pos="1163320" algn="l"/>
+                <a:tab pos="1744980" algn="l"/>
+                <a:tab pos="2326640" algn="l"/>
+                <a:tab pos="2908300" algn="l"/>
+                <a:tab pos="3489960" algn="l"/>
+                <a:tab pos="4071620" algn="l"/>
+                <a:tab pos="4653280" algn="l"/>
+                <a:tab pos="5234940" algn="l"/>
+                <a:tab pos="5816600" algn="l"/>
+                <a:tab pos="6398260" algn="l"/>
+                <a:tab pos="6979920" algn="l"/>
+                <a:tab pos="7561580" algn="l"/>
+                <a:tab pos="8143240" algn="l"/>
+                <a:tab pos="8724900" algn="l"/>
+                <a:tab pos="9306560" algn="l"/>
+              </a:tabLst>
             </a:pPr>
             <a:r>
-              <a:rPr lang="en-US" dirty="0">
+              <a:rPr lang="en-US" sz="1800" b="1" dirty="0">
                 <a:solidFill>
                   <a:srgbClr val="000000"/>
                 </a:solidFill>
                 <a:ea typeface="Times New Roman" panose="02020603050405020304" pitchFamily="18" charset="0"/>
                 <a:cs typeface="Times New Roman" panose="02020603050405020304" pitchFamily="18" charset="0"/>
               </a:rPr>
-              <a:t>  if("W" in </a:t>
-            </a:r>
-            <a:r>
-              <a:rPr lang="en-US" dirty="0" err="1">
-                <a:solidFill>
-                  <a:srgbClr val="000000"/>
-                </a:solidFill>
-                <a:ea typeface="Times New Roman" panose="02020603050405020304" pitchFamily="18" charset="0"/>
-                <a:cs typeface="Times New Roman" panose="02020603050405020304" pitchFamily="18" charset="0"/>
-              </a:rPr>
-              <a:t>keysPressed</a:t>
-            </a:r>
-            <a:r>
-              <a:rPr lang="en-US" dirty="0">
-                <a:solidFill>
-                  <a:srgbClr val="000000"/>
-                </a:solidFill>
-                <a:ea typeface="Times New Roman" panose="02020603050405020304" pitchFamily="18" charset="0"/>
-                <a:cs typeface="Times New Roman" panose="02020603050405020304" pitchFamily="18" charset="0"/>
-              </a:rPr>
-              <a:t>){</a:t>
+              <a:t>  }</a:t>
             </a:r>
           </a:p>
           <a:p>
@@ -12811,66 +12359,74 @@
               <a:spcAft>
                 <a:spcPts val="0"/>
               </a:spcAft>
+              <a:tabLst>
+                <a:tab pos="581660" algn="l"/>
+                <a:tab pos="1163320" algn="l"/>
+                <a:tab pos="1744980" algn="l"/>
+                <a:tab pos="2326640" algn="l"/>
+                <a:tab pos="2908300" algn="l"/>
+                <a:tab pos="3489960" algn="l"/>
+                <a:tab pos="4071620" algn="l"/>
+                <a:tab pos="4653280" algn="l"/>
+                <a:tab pos="5234940" algn="l"/>
+                <a:tab pos="5816600" algn="l"/>
+                <a:tab pos="6398260" algn="l"/>
+                <a:tab pos="6979920" algn="l"/>
+                <a:tab pos="7561580" algn="l"/>
+                <a:tab pos="8143240" algn="l"/>
+                <a:tab pos="8724900" algn="l"/>
+                <a:tab pos="9306560" algn="l"/>
+              </a:tabLst>
             </a:pPr>
             <a:r>
-              <a:rPr lang="en-US" dirty="0">
+              <a:rPr lang="en-US" sz="1800" dirty="0">
                 <a:solidFill>
                   <a:srgbClr val="000000"/>
                 </a:solidFill>
                 <a:ea typeface="Times New Roman" panose="02020603050405020304" pitchFamily="18" charset="0"/>
                 <a:cs typeface="Times New Roman" panose="02020603050405020304" pitchFamily="18" charset="0"/>
               </a:rPr>
-              <a:t>    acceleration += </a:t>
-            </a:r>
-            <a:r>
-              <a:rPr lang="en-US" dirty="0" err="1">
+              <a:t>  </a:t>
+            </a:r>
+            <a:r>
+              <a:rPr lang="en-US" sz="1800" dirty="0" err="1">
                 <a:solidFill>
                   <a:srgbClr val="000000"/>
                 </a:solidFill>
                 <a:ea typeface="Times New Roman" panose="02020603050405020304" pitchFamily="18" charset="0"/>
                 <a:cs typeface="Times New Roman" panose="02020603050405020304" pitchFamily="18" charset="0"/>
               </a:rPr>
-              <a:t>this.mass</a:t>
-            </a:r>
-            <a:r>
-              <a:rPr lang="en-US" dirty="0">
+              <a:t>killList.forEach</a:t>
+            </a:r>
+            <a:r>
+              <a:rPr lang="en-US" sz="1800" dirty="0">
                 <a:solidFill>
                   <a:srgbClr val="000000"/>
                 </a:solidFill>
                 <a:ea typeface="Times New Roman" panose="02020603050405020304" pitchFamily="18" charset="0"/>
                 <a:cs typeface="Times New Roman" panose="02020603050405020304" pitchFamily="18" charset="0"/>
               </a:rPr>
-              <a:t> * </a:t>
-            </a:r>
-            <a:r>
-              <a:rPr lang="en-US" i="1" dirty="0">
+              <a:t>{ </a:t>
+            </a:r>
+            <a:r>
+              <a:rPr lang="en-US" sz="1800" dirty="0" err="1">
                 <a:solidFill>
                   <a:srgbClr val="000000"/>
                 </a:solidFill>
                 <a:ea typeface="Times New Roman" panose="02020603050405020304" pitchFamily="18" charset="0"/>
                 <a:cs typeface="Times New Roman" panose="02020603050405020304" pitchFamily="18" charset="0"/>
               </a:rPr>
-              <a:t>F</a:t>
-            </a:r>
-            <a:r>
-              <a:rPr lang="en-US" baseline="-25000" dirty="0">
+              <a:t>gameObjects.remove</a:t>
+            </a:r>
+            <a:r>
+              <a:rPr lang="en-US" sz="1800" dirty="0">
                 <a:solidFill>
                   <a:srgbClr val="000000"/>
                 </a:solidFill>
                 <a:ea typeface="Times New Roman" panose="02020603050405020304" pitchFamily="18" charset="0"/>
                 <a:cs typeface="Times New Roman" panose="02020603050405020304" pitchFamily="18" charset="0"/>
               </a:rPr>
-              <a:t>W</a:t>
-            </a:r>
-            <a:r>
-              <a:rPr lang="en-US" dirty="0">
-                <a:solidFill>
-                  <a:srgbClr val="000000"/>
-                </a:solidFill>
-                <a:ea typeface="Times New Roman" panose="02020603050405020304" pitchFamily="18" charset="0"/>
-                <a:cs typeface="Times New Roman" panose="02020603050405020304" pitchFamily="18" charset="0"/>
-              </a:rPr>
-              <a:t> }</a:t>
+              <a:t>(it) }</a:t>
             </a:r>
           </a:p>
           <a:p>
@@ -12881,24 +12437,557 @@
               <a:spcAft>
                 <a:spcPts val="0"/>
               </a:spcAft>
+              <a:tabLst>
+                <a:tab pos="581660" algn="l"/>
+                <a:tab pos="1163320" algn="l"/>
+                <a:tab pos="1744980" algn="l"/>
+                <a:tab pos="2326640" algn="l"/>
+                <a:tab pos="2908300" algn="l"/>
+                <a:tab pos="3489960" algn="l"/>
+                <a:tab pos="4071620" algn="l"/>
+                <a:tab pos="4653280" algn="l"/>
+                <a:tab pos="5234940" algn="l"/>
+                <a:tab pos="5816600" algn="l"/>
+                <a:tab pos="6398260" algn="l"/>
+                <a:tab pos="6979920" algn="l"/>
+                <a:tab pos="7561580" algn="l"/>
+                <a:tab pos="8143240" algn="l"/>
+                <a:tab pos="8724900" algn="l"/>
+                <a:tab pos="9306560" algn="l"/>
+              </a:tabLst>
             </a:pPr>
             <a:r>
-              <a:rPr lang="en-US" dirty="0">
+              <a:rPr lang="en-US" sz="1800" dirty="0">
                 <a:solidFill>
                   <a:srgbClr val="000000"/>
                 </a:solidFill>
                 <a:ea typeface="Times New Roman" panose="02020603050405020304" pitchFamily="18" charset="0"/>
                 <a:cs typeface="Times New Roman" panose="02020603050405020304" pitchFamily="18" charset="0"/>
               </a:rPr>
+              <a:t>  </a:t>
+            </a:r>
+            <a:r>
+              <a:rPr lang="en-US" sz="1800" dirty="0" err="1">
+                <a:solidFill>
+                  <a:srgbClr val="000000"/>
+                </a:solidFill>
+                <a:ea typeface="Times New Roman" panose="02020603050405020304" pitchFamily="18" charset="0"/>
+                <a:cs typeface="Times New Roman" panose="02020603050405020304" pitchFamily="18" charset="0"/>
+              </a:rPr>
+              <a:t>spawn.forEach</a:t>
+            </a:r>
+            <a:r>
+              <a:rPr lang="en-US" sz="1800" dirty="0">
+                <a:solidFill>
+                  <a:srgbClr val="000000"/>
+                </a:solidFill>
+                <a:ea typeface="Times New Roman" panose="02020603050405020304" pitchFamily="18" charset="0"/>
+                <a:cs typeface="Times New Roman" panose="02020603050405020304" pitchFamily="18" charset="0"/>
+              </a:rPr>
+              <a:t>{ </a:t>
+            </a:r>
+            <a:r>
+              <a:rPr lang="en-US" sz="1800" dirty="0" err="1">
+                <a:solidFill>
+                  <a:srgbClr val="000000"/>
+                </a:solidFill>
+                <a:ea typeface="Times New Roman" panose="02020603050405020304" pitchFamily="18" charset="0"/>
+                <a:cs typeface="Times New Roman" panose="02020603050405020304" pitchFamily="18" charset="0"/>
+              </a:rPr>
+              <a:t>gameObjects.add</a:t>
+            </a:r>
+            <a:r>
+              <a:rPr lang="en-US" sz="1800" dirty="0">
+                <a:solidFill>
+                  <a:srgbClr val="000000"/>
+                </a:solidFill>
+                <a:ea typeface="Times New Roman" panose="02020603050405020304" pitchFamily="18" charset="0"/>
+                <a:cs typeface="Times New Roman" panose="02020603050405020304" pitchFamily="18" charset="0"/>
+              </a:rPr>
+              <a:t>(it) }</a:t>
+            </a:r>
+            <a:endParaRPr lang="en-US" sz="1800" dirty="0">
+              <a:latin typeface="Calibri" panose="020F0502020204030204" pitchFamily="34" charset="0"/>
+              <a:ea typeface="Calibri" panose="020F0502020204030204" pitchFamily="34" charset="0"/>
+              <a:cs typeface="Times New Roman" panose="02020603050405020304" pitchFamily="18" charset="0"/>
+            </a:endParaRPr>
+          </a:p>
+          <a:p>
+            <a:pPr>
+              <a:lnSpc>
+                <a:spcPct val="107000"/>
+              </a:lnSpc>
+              <a:spcAft>
+                <a:spcPts val="0"/>
+              </a:spcAft>
+              <a:tabLst>
+                <a:tab pos="581660" algn="l"/>
+                <a:tab pos="1163320" algn="l"/>
+                <a:tab pos="1744980" algn="l"/>
+                <a:tab pos="2326640" algn="l"/>
+                <a:tab pos="2908300" algn="l"/>
+                <a:tab pos="3489960" algn="l"/>
+                <a:tab pos="4071620" algn="l"/>
+                <a:tab pos="4653280" algn="l"/>
+                <a:tab pos="5234940" algn="l"/>
+                <a:tab pos="5816600" algn="l"/>
+                <a:tab pos="6398260" algn="l"/>
+                <a:tab pos="6979920" algn="l"/>
+                <a:tab pos="7561580" algn="l"/>
+                <a:tab pos="8143240" algn="l"/>
+                <a:tab pos="8724900" algn="l"/>
+                <a:tab pos="9306560" algn="l"/>
+              </a:tabLst>
+            </a:pPr>
+            <a:r>
+              <a:rPr lang="en-US" sz="1800" dirty="0">
+                <a:solidFill>
+                  <a:schemeClr val="bg1">
+                    <a:lumMod val="50000"/>
+                  </a:schemeClr>
+                </a:solidFill>
+                <a:ea typeface="Times New Roman" panose="02020603050405020304" pitchFamily="18" charset="0"/>
+                <a:cs typeface="Times New Roman" panose="02020603050405020304" pitchFamily="18" charset="0"/>
+              </a:rPr>
+              <a:t>  </a:t>
+            </a:r>
+            <a:r>
+              <a:rPr lang="en-US" sz="1800" dirty="0" err="1">
+                <a:solidFill>
+                  <a:schemeClr val="bg1">
+                    <a:lumMod val="50000"/>
+                  </a:schemeClr>
+                </a:solidFill>
+                <a:ea typeface="Times New Roman" panose="02020603050405020304" pitchFamily="18" charset="0"/>
+                <a:cs typeface="Times New Roman" panose="02020603050405020304" pitchFamily="18" charset="0"/>
+              </a:rPr>
+              <a:t>gameObjects.forEach</a:t>
+            </a:r>
+            <a:r>
+              <a:rPr lang="en-US" sz="1800" dirty="0">
+                <a:solidFill>
+                  <a:schemeClr val="bg1">
+                    <a:lumMod val="50000"/>
+                  </a:schemeClr>
+                </a:solidFill>
+                <a:ea typeface="Times New Roman" panose="02020603050405020304" pitchFamily="18" charset="0"/>
+                <a:cs typeface="Times New Roman" panose="02020603050405020304" pitchFamily="18" charset="0"/>
+              </a:rPr>
+              <a:t>{ </a:t>
+            </a:r>
+            <a:r>
+              <a:rPr lang="en-US" sz="1800" dirty="0" err="1">
+                <a:solidFill>
+                  <a:schemeClr val="bg1">
+                    <a:lumMod val="50000"/>
+                  </a:schemeClr>
+                </a:solidFill>
+                <a:ea typeface="Times New Roman" panose="02020603050405020304" pitchFamily="18" charset="0"/>
+                <a:cs typeface="Times New Roman" panose="02020603050405020304" pitchFamily="18" charset="0"/>
+              </a:rPr>
+              <a:t>it.update</a:t>
+            </a:r>
+            <a:r>
+              <a:rPr lang="en-US" sz="1800" dirty="0">
+                <a:solidFill>
+                  <a:schemeClr val="bg1">
+                    <a:lumMod val="50000"/>
+                  </a:schemeClr>
+                </a:solidFill>
+                <a:ea typeface="Times New Roman" panose="02020603050405020304" pitchFamily="18" charset="0"/>
+                <a:cs typeface="Times New Roman" panose="02020603050405020304" pitchFamily="18" charset="0"/>
+              </a:rPr>
+              <a:t>() }</a:t>
+            </a:r>
+            <a:endParaRPr lang="en-US" sz="1800" dirty="0">
+              <a:solidFill>
+                <a:schemeClr val="bg1">
+                  <a:lumMod val="50000"/>
+                </a:schemeClr>
+              </a:solidFill>
+              <a:latin typeface="Calibri" panose="020F0502020204030204" pitchFamily="34" charset="0"/>
+              <a:ea typeface="Calibri" panose="020F0502020204030204" pitchFamily="34" charset="0"/>
+              <a:cs typeface="Times New Roman" panose="02020603050405020304" pitchFamily="18" charset="0"/>
+            </a:endParaRPr>
+          </a:p>
+          <a:p>
+            <a:pPr>
+              <a:lnSpc>
+                <a:spcPct val="107000"/>
+              </a:lnSpc>
+              <a:spcAft>
+                <a:spcPts val="0"/>
+              </a:spcAft>
+              <a:tabLst>
+                <a:tab pos="581660" algn="l"/>
+                <a:tab pos="1163320" algn="l"/>
+                <a:tab pos="1744980" algn="l"/>
+                <a:tab pos="2326640" algn="l"/>
+                <a:tab pos="2908300" algn="l"/>
+                <a:tab pos="3489960" algn="l"/>
+                <a:tab pos="4071620" algn="l"/>
+                <a:tab pos="4653280" algn="l"/>
+                <a:tab pos="5234940" algn="l"/>
+                <a:tab pos="5816600" algn="l"/>
+                <a:tab pos="6398260" algn="l"/>
+                <a:tab pos="6979920" algn="l"/>
+                <a:tab pos="7561580" algn="l"/>
+                <a:tab pos="8143240" algn="l"/>
+                <a:tab pos="8724900" algn="l"/>
+                <a:tab pos="9306560" algn="l"/>
+              </a:tabLst>
+            </a:pPr>
+            <a:r>
+              <a:rPr lang="en-US" sz="1800" dirty="0">
+                <a:solidFill>
+                  <a:schemeClr val="bg1">
+                    <a:lumMod val="50000"/>
+                  </a:schemeClr>
+                </a:solidFill>
+                <a:ea typeface="Times New Roman" panose="02020603050405020304" pitchFamily="18" charset="0"/>
+                <a:cs typeface="Times New Roman" panose="02020603050405020304" pitchFamily="18" charset="0"/>
+              </a:rPr>
+              <a:t>  </a:t>
+            </a:r>
+            <a:r>
+              <a:rPr lang="en-US" sz="1800" dirty="0" err="1">
+                <a:solidFill>
+                  <a:schemeClr val="bg1">
+                    <a:lumMod val="50000"/>
+                  </a:schemeClr>
+                </a:solidFill>
+                <a:ea typeface="Times New Roman" panose="02020603050405020304" pitchFamily="18" charset="0"/>
+                <a:cs typeface="Times New Roman" panose="02020603050405020304" pitchFamily="18" charset="0"/>
+              </a:rPr>
+              <a:t>gameObjects.forEach</a:t>
+            </a:r>
+            <a:r>
+              <a:rPr lang="en-US" sz="1800" dirty="0">
+                <a:solidFill>
+                  <a:schemeClr val="bg1">
+                    <a:lumMod val="50000"/>
+                  </a:schemeClr>
+                </a:solidFill>
+                <a:ea typeface="Times New Roman" panose="02020603050405020304" pitchFamily="18" charset="0"/>
+                <a:cs typeface="Times New Roman" panose="02020603050405020304" pitchFamily="18" charset="0"/>
+              </a:rPr>
+              <a:t>{ </a:t>
+            </a:r>
+            <a:r>
+              <a:rPr lang="en-US" sz="1800" dirty="0" err="1">
+                <a:solidFill>
+                  <a:schemeClr val="bg1">
+                    <a:lumMod val="50000"/>
+                  </a:schemeClr>
+                </a:solidFill>
+                <a:ea typeface="Times New Roman" panose="02020603050405020304" pitchFamily="18" charset="0"/>
+                <a:cs typeface="Times New Roman" panose="02020603050405020304" pitchFamily="18" charset="0"/>
+              </a:rPr>
+              <a:t>it.draw</a:t>
+            </a:r>
+            <a:r>
+              <a:rPr lang="en-US" sz="1800" dirty="0">
+                <a:solidFill>
+                  <a:schemeClr val="bg1">
+                    <a:lumMod val="50000"/>
+                  </a:schemeClr>
+                </a:solidFill>
+                <a:ea typeface="Times New Roman" panose="02020603050405020304" pitchFamily="18" charset="0"/>
+                <a:cs typeface="Times New Roman" panose="02020603050405020304" pitchFamily="18" charset="0"/>
+              </a:rPr>
+              <a:t>() }</a:t>
+            </a:r>
+            <a:endParaRPr lang="en-US" sz="1800" dirty="0">
+              <a:solidFill>
+                <a:schemeClr val="bg1">
+                  <a:lumMod val="50000"/>
+                </a:schemeClr>
+              </a:solidFill>
+              <a:latin typeface="Calibri" panose="020F0502020204030204" pitchFamily="34" charset="0"/>
+              <a:ea typeface="Calibri" panose="020F0502020204030204" pitchFamily="34" charset="0"/>
+              <a:cs typeface="Times New Roman" panose="02020603050405020304" pitchFamily="18" charset="0"/>
+            </a:endParaRPr>
+          </a:p>
+          <a:p>
+            <a:pPr>
+              <a:lnSpc>
+                <a:spcPct val="107000"/>
+              </a:lnSpc>
+              <a:spcAft>
+                <a:spcPts val="0"/>
+              </a:spcAft>
+              <a:tabLst>
+                <a:tab pos="581660" algn="l"/>
+                <a:tab pos="1163320" algn="l"/>
+                <a:tab pos="1744980" algn="l"/>
+                <a:tab pos="2326640" algn="l"/>
+                <a:tab pos="2908300" algn="l"/>
+                <a:tab pos="3489960" algn="l"/>
+                <a:tab pos="4071620" algn="l"/>
+                <a:tab pos="4653280" algn="l"/>
+                <a:tab pos="5234940" algn="l"/>
+                <a:tab pos="5816600" algn="l"/>
+                <a:tab pos="6398260" algn="l"/>
+                <a:tab pos="6979920" algn="l"/>
+                <a:tab pos="7561580" algn="l"/>
+                <a:tab pos="8143240" algn="l"/>
+                <a:tab pos="8724900" algn="l"/>
+                <a:tab pos="9306560" algn="l"/>
+              </a:tabLst>
+            </a:pPr>
+            <a:r>
+              <a:rPr lang="en-US" sz="1800" dirty="0">
+                <a:solidFill>
+                  <a:schemeClr val="bg1">
+                    <a:lumMod val="50000"/>
+                  </a:schemeClr>
+                </a:solidFill>
+                <a:ea typeface="Times New Roman" panose="02020603050405020304" pitchFamily="18" charset="0"/>
+                <a:cs typeface="Times New Roman" panose="02020603050405020304" pitchFamily="18" charset="0"/>
+              </a:rPr>
               <a:t>}</a:t>
             </a:r>
+            <a:endParaRPr lang="en-US" sz="1800" dirty="0">
+              <a:solidFill>
+                <a:schemeClr val="bg1">
+                  <a:lumMod val="50000"/>
+                </a:schemeClr>
+              </a:solidFill>
+              <a:latin typeface="Calibri" panose="020F0502020204030204" pitchFamily="34" charset="0"/>
+              <a:ea typeface="Calibri" panose="020F0502020204030204" pitchFamily="34" charset="0"/>
+              <a:cs typeface="Times New Roman" panose="02020603050405020304" pitchFamily="18" charset="0"/>
+            </a:endParaRPr>
           </a:p>
         </p:txBody>
       </p:sp>
+      <p:sp>
+        <p:nvSpPr>
+          <p:cNvPr id="6" name="TextBox 5">
+            <a:extLst>
+              <a:ext uri="{FF2B5EF4-FFF2-40B4-BE49-F238E27FC236}">
+                <a16:creationId xmlns:a16="http://schemas.microsoft.com/office/drawing/2014/main" id="{89170B8E-639B-E01F-D0A0-83BF139585D9}"/>
+              </a:ext>
+            </a:extLst>
+          </p:cNvPr>
+          <p:cNvSpPr txBox="1"/>
+          <p:nvPr/>
+        </p:nvSpPr>
+        <p:spPr>
+          <a:xfrm>
+            <a:off x="6038852" y="2911271"/>
+            <a:ext cx="2476498" cy="646331"/>
+          </a:xfrm>
+          <a:prstGeom prst="rect">
+            <a:avLst/>
+          </a:prstGeom>
+          <a:noFill/>
+        </p:spPr>
+        <p:txBody>
+          <a:bodyPr wrap="square" rtlCol="0">
+            <a:spAutoFit/>
+          </a:bodyPr>
+          <a:lstStyle/>
+          <a:p>
+            <a:r>
+              <a:rPr lang="en-US" dirty="0" err="1">
+                <a:solidFill>
+                  <a:srgbClr val="FF0000"/>
+                </a:solidFill>
+                <a:latin typeface="Whipsmart" panose="020B0502030203050204" pitchFamily="34" charset="0"/>
+              </a:rPr>
+              <a:t>megsz</a:t>
+            </a:r>
+            <a:r>
+              <a:rPr lang="hu-HU" dirty="0" err="1">
+                <a:solidFill>
+                  <a:srgbClr val="FF0000"/>
+                </a:solidFill>
+                <a:latin typeface="Whipsmart" panose="020B0502030203050204" pitchFamily="34" charset="0"/>
+              </a:rPr>
+              <a:t>űnő</a:t>
+            </a:r>
+            <a:r>
+              <a:rPr lang="hu-HU" dirty="0">
+                <a:solidFill>
+                  <a:srgbClr val="FF0000"/>
+                </a:solidFill>
+                <a:latin typeface="Whipsmart" panose="020B0502030203050204" pitchFamily="34" charset="0"/>
+              </a:rPr>
+              <a:t> </a:t>
+            </a:r>
+            <a:r>
+              <a:rPr lang="hu-HU" dirty="0" err="1">
+                <a:solidFill>
+                  <a:srgbClr val="FF0000"/>
+                </a:solidFill>
+                <a:latin typeface="Whipsmart" panose="020B0502030203050204" pitchFamily="34" charset="0"/>
+              </a:rPr>
+              <a:t>objectek</a:t>
+            </a:r>
+            <a:r>
+              <a:rPr lang="hu-HU" dirty="0">
+                <a:solidFill>
+                  <a:srgbClr val="FF0000"/>
+                </a:solidFill>
+                <a:latin typeface="Whipsmart" panose="020B0502030203050204" pitchFamily="34" charset="0"/>
+              </a:rPr>
+              <a:t> eltávolítása</a:t>
+            </a:r>
+          </a:p>
+        </p:txBody>
+      </p:sp>
+      <p:cxnSp>
+        <p:nvCxnSpPr>
+          <p:cNvPr id="7" name="Straight Arrow Connector 6">
+            <a:extLst>
+              <a:ext uri="{FF2B5EF4-FFF2-40B4-BE49-F238E27FC236}">
+                <a16:creationId xmlns:a16="http://schemas.microsoft.com/office/drawing/2014/main" id="{D5C1B8A9-7E43-F23B-E386-287BC0C8E400}"/>
+              </a:ext>
+            </a:extLst>
+          </p:cNvPr>
+          <p:cNvCxnSpPr>
+            <a:cxnSpLocks/>
+            <a:stCxn id="6" idx="1"/>
+          </p:cNvCxnSpPr>
+          <p:nvPr/>
+        </p:nvCxnSpPr>
+        <p:spPr>
+          <a:xfrm flipH="1">
+            <a:off x="4572000" y="3234437"/>
+            <a:ext cx="1466852" cy="1240459"/>
+          </a:xfrm>
+          <a:prstGeom prst="straightConnector1">
+            <a:avLst/>
+          </a:prstGeom>
+          <a:ln>
+            <a:solidFill>
+              <a:srgbClr val="FF0000"/>
+            </a:solidFill>
+            <a:tailEnd type="triangle"/>
+          </a:ln>
+        </p:spPr>
+        <p:style>
+          <a:lnRef idx="1">
+            <a:schemeClr val="accent1"/>
+          </a:lnRef>
+          <a:fillRef idx="0">
+            <a:schemeClr val="accent1"/>
+          </a:fillRef>
+          <a:effectRef idx="0">
+            <a:schemeClr val="accent1"/>
+          </a:effectRef>
+          <a:fontRef idx="minor">
+            <a:schemeClr val="tx1"/>
+          </a:fontRef>
+        </p:style>
+      </p:cxnSp>
+      <p:sp>
+        <p:nvSpPr>
+          <p:cNvPr id="9" name="TextBox 8">
+            <a:extLst>
+              <a:ext uri="{FF2B5EF4-FFF2-40B4-BE49-F238E27FC236}">
+                <a16:creationId xmlns:a16="http://schemas.microsoft.com/office/drawing/2014/main" id="{F135F7B5-6DE4-0122-CE02-0D78FA71C569}"/>
+              </a:ext>
+            </a:extLst>
+          </p:cNvPr>
+          <p:cNvSpPr txBox="1"/>
+          <p:nvPr/>
+        </p:nvSpPr>
+        <p:spPr>
+          <a:xfrm>
+            <a:off x="6126516" y="5337533"/>
+            <a:ext cx="2476498" cy="646331"/>
+          </a:xfrm>
+          <a:prstGeom prst="rect">
+            <a:avLst/>
+          </a:prstGeom>
+          <a:noFill/>
+        </p:spPr>
+        <p:txBody>
+          <a:bodyPr wrap="square" rtlCol="0">
+            <a:spAutoFit/>
+          </a:bodyPr>
+          <a:lstStyle/>
+          <a:p>
+            <a:r>
+              <a:rPr lang="hu-HU" dirty="0">
+                <a:solidFill>
+                  <a:srgbClr val="FF0000"/>
+                </a:solidFill>
+                <a:latin typeface="Whipsmart" panose="020B0502030203050204" pitchFamily="34" charset="0"/>
+              </a:rPr>
+              <a:t>újonnan létrehozott </a:t>
+            </a:r>
+            <a:r>
+              <a:rPr lang="hu-HU" dirty="0" err="1">
+                <a:solidFill>
+                  <a:srgbClr val="FF0000"/>
+                </a:solidFill>
+                <a:latin typeface="Whipsmart" panose="020B0502030203050204" pitchFamily="34" charset="0"/>
+              </a:rPr>
+              <a:t>objectek</a:t>
+            </a:r>
+            <a:r>
+              <a:rPr lang="hu-HU" dirty="0">
+                <a:solidFill>
+                  <a:srgbClr val="FF0000"/>
+                </a:solidFill>
+                <a:latin typeface="Whipsmart" panose="020B0502030203050204" pitchFamily="34" charset="0"/>
+              </a:rPr>
+              <a:t> hozzáadása</a:t>
+            </a:r>
+          </a:p>
+        </p:txBody>
+      </p:sp>
+      <p:cxnSp>
+        <p:nvCxnSpPr>
+          <p:cNvPr id="10" name="Straight Arrow Connector 9">
+            <a:extLst>
+              <a:ext uri="{FF2B5EF4-FFF2-40B4-BE49-F238E27FC236}">
+                <a16:creationId xmlns:a16="http://schemas.microsoft.com/office/drawing/2014/main" id="{F13B84E6-DF01-00D2-7B0A-C798246228FD}"/>
+              </a:ext>
+            </a:extLst>
+          </p:cNvPr>
+          <p:cNvCxnSpPr>
+            <a:cxnSpLocks/>
+            <a:stCxn id="9" idx="1"/>
+          </p:cNvCxnSpPr>
+          <p:nvPr/>
+        </p:nvCxnSpPr>
+        <p:spPr>
+          <a:xfrm flipH="1" flipV="1">
+            <a:off x="4572000" y="5065614"/>
+            <a:ext cx="1554516" cy="595085"/>
+          </a:xfrm>
+          <a:prstGeom prst="straightConnector1">
+            <a:avLst/>
+          </a:prstGeom>
+          <a:ln>
+            <a:solidFill>
+              <a:srgbClr val="FF0000"/>
+            </a:solidFill>
+            <a:tailEnd type="triangle"/>
+          </a:ln>
+        </p:spPr>
+        <p:style>
+          <a:lnRef idx="1">
+            <a:schemeClr val="accent1"/>
+          </a:lnRef>
+          <a:fillRef idx="0">
+            <a:schemeClr val="accent1"/>
+          </a:fillRef>
+          <a:effectRef idx="0">
+            <a:schemeClr val="accent1"/>
+          </a:effectRef>
+          <a:fontRef idx="minor">
+            <a:schemeClr val="tx1"/>
+          </a:fontRef>
+        </p:style>
+      </p:cxnSp>
     </p:spTree>
     <p:extLst>
       <p:ext uri="{BB962C8B-B14F-4D97-AF65-F5344CB8AC3E}">
-        <p14:creationId xmlns:p14="http://schemas.microsoft.com/office/powerpoint/2010/main" val="1158574183"/>
+        <p14:creationId xmlns:p14="http://schemas.microsoft.com/office/powerpoint/2010/main" val="681425030"/>
       </p:ext>
     </p:extLst>
   </p:cSld>
@@ -12941,6 +13030,631 @@
           <a:lstStyle/>
           <a:p>
             <a:r>
+              <a:rPr lang="en-US" dirty="0" err="1"/>
+              <a:t>Gyorsul</a:t>
+            </a:r>
+            <a:r>
+              <a:rPr lang="hu-HU" dirty="0"/>
+              <a:t>ás</a:t>
+            </a:r>
+            <a:r>
+              <a:rPr lang="en-US" dirty="0"/>
+              <a:t> (</a:t>
+            </a:r>
+            <a:r>
+              <a:rPr lang="en-US" dirty="0" err="1"/>
+              <a:t>pszeudok</a:t>
+            </a:r>
+            <a:r>
+              <a:rPr lang="hu-HU" dirty="0"/>
+              <a:t>ód</a:t>
+            </a:r>
+            <a:r>
+              <a:rPr lang="en-US" dirty="0"/>
+              <a:t>)</a:t>
+            </a:r>
+          </a:p>
+        </p:txBody>
+      </p:sp>
+      <p:sp>
+        <p:nvSpPr>
+          <p:cNvPr id="5" name="Content Placeholder 4"/>
+          <p:cNvSpPr>
+            <a:spLocks noGrp="1"/>
+          </p:cNvSpPr>
+          <p:nvPr>
+            <p:ph idx="1"/>
+          </p:nvPr>
+        </p:nvSpPr>
+        <p:spPr/>
+        <p:txBody>
+          <a:bodyPr>
+            <a:normAutofit fontScale="92500" lnSpcReduction="10000"/>
+          </a:bodyPr>
+          <a:lstStyle/>
+          <a:p>
+            <a:pPr>
+              <a:lnSpc>
+                <a:spcPct val="107000"/>
+              </a:lnSpc>
+              <a:spcAft>
+                <a:spcPts val="0"/>
+              </a:spcAft>
+            </a:pPr>
+            <a:r>
+              <a:rPr lang="en-US" dirty="0">
+                <a:solidFill>
+                  <a:srgbClr val="000000"/>
+                </a:solidFill>
+                <a:ea typeface="Times New Roman" panose="02020603050405020304" pitchFamily="18" charset="0"/>
+                <a:cs typeface="Times New Roman" panose="02020603050405020304" pitchFamily="18" charset="0"/>
+              </a:rPr>
+              <a:t>mass = 1</a:t>
+            </a:r>
+          </a:p>
+          <a:p>
+            <a:pPr>
+              <a:lnSpc>
+                <a:spcPct val="107000"/>
+              </a:lnSpc>
+              <a:spcAft>
+                <a:spcPts val="0"/>
+              </a:spcAft>
+            </a:pPr>
+            <a:r>
+              <a:rPr lang="en-US" dirty="0" err="1">
+                <a:solidFill>
+                  <a:srgbClr val="000000"/>
+                </a:solidFill>
+                <a:ea typeface="Times New Roman" panose="02020603050405020304" pitchFamily="18" charset="0"/>
+                <a:cs typeface="Times New Roman" panose="02020603050405020304" pitchFamily="18" charset="0"/>
+              </a:rPr>
+              <a:t>angularMass</a:t>
+            </a:r>
+            <a:r>
+              <a:rPr lang="en-US" dirty="0">
+                <a:solidFill>
+                  <a:srgbClr val="000000"/>
+                </a:solidFill>
+                <a:ea typeface="Times New Roman" panose="02020603050405020304" pitchFamily="18" charset="0"/>
+                <a:cs typeface="Times New Roman" panose="02020603050405020304" pitchFamily="18" charset="0"/>
+              </a:rPr>
+              <a:t> = 1</a:t>
+            </a:r>
+          </a:p>
+          <a:p>
+            <a:pPr>
+              <a:lnSpc>
+                <a:spcPct val="107000"/>
+              </a:lnSpc>
+              <a:spcAft>
+                <a:spcPts val="0"/>
+              </a:spcAft>
+            </a:pPr>
+            <a:r>
+              <a:rPr lang="en-US" dirty="0">
+                <a:solidFill>
+                  <a:srgbClr val="000000"/>
+                </a:solidFill>
+                <a:ea typeface="Times New Roman" panose="02020603050405020304" pitchFamily="18" charset="0"/>
+                <a:cs typeface="Times New Roman" panose="02020603050405020304" pitchFamily="18" charset="0"/>
+              </a:rPr>
+              <a:t>acceleration = Vec3()</a:t>
+            </a:r>
+            <a:endParaRPr lang="hu-HU" dirty="0">
+              <a:solidFill>
+                <a:srgbClr val="000000"/>
+              </a:solidFill>
+              <a:ea typeface="Times New Roman" panose="02020603050405020304" pitchFamily="18" charset="0"/>
+              <a:cs typeface="Times New Roman" panose="02020603050405020304" pitchFamily="18" charset="0"/>
+            </a:endParaRPr>
+          </a:p>
+          <a:p>
+            <a:pPr>
+              <a:lnSpc>
+                <a:spcPct val="107000"/>
+              </a:lnSpc>
+              <a:spcAft>
+                <a:spcPts val="0"/>
+              </a:spcAft>
+            </a:pPr>
+            <a:r>
+              <a:rPr lang="en-US" dirty="0" err="1">
+                <a:solidFill>
+                  <a:srgbClr val="000000"/>
+                </a:solidFill>
+                <a:ea typeface="Times New Roman" panose="02020603050405020304" pitchFamily="18" charset="0"/>
+                <a:cs typeface="Times New Roman" panose="02020603050405020304" pitchFamily="18" charset="0"/>
+              </a:rPr>
+              <a:t>angularAcceleration</a:t>
+            </a:r>
+            <a:r>
+              <a:rPr lang="en-US" dirty="0">
+                <a:solidFill>
+                  <a:srgbClr val="000000"/>
+                </a:solidFill>
+                <a:ea typeface="Times New Roman" panose="02020603050405020304" pitchFamily="18" charset="0"/>
+                <a:cs typeface="Times New Roman" panose="02020603050405020304" pitchFamily="18" charset="0"/>
+              </a:rPr>
+              <a:t> = 0</a:t>
+            </a:r>
+          </a:p>
+          <a:p>
+            <a:pPr>
+              <a:lnSpc>
+                <a:spcPct val="107000"/>
+              </a:lnSpc>
+              <a:spcAft>
+                <a:spcPts val="0"/>
+              </a:spcAft>
+            </a:pPr>
+            <a:r>
+              <a:rPr lang="en-US" dirty="0">
+                <a:solidFill>
+                  <a:srgbClr val="000000"/>
+                </a:solidFill>
+                <a:ea typeface="Times New Roman" panose="02020603050405020304" pitchFamily="18" charset="0"/>
+                <a:cs typeface="Times New Roman" panose="02020603050405020304" pitchFamily="18" charset="0"/>
+              </a:rPr>
+              <a:t>fun move (dt, </a:t>
+            </a:r>
+            <a:r>
+              <a:rPr lang="en-US" dirty="0" err="1">
+                <a:solidFill>
+                  <a:srgbClr val="000000"/>
+                </a:solidFill>
+                <a:ea typeface="Times New Roman" panose="02020603050405020304" pitchFamily="18" charset="0"/>
+                <a:cs typeface="Times New Roman" panose="02020603050405020304" pitchFamily="18" charset="0"/>
+              </a:rPr>
+              <a:t>keysPressed</a:t>
+            </a:r>
+            <a:r>
+              <a:rPr lang="en-US" dirty="0">
+                <a:solidFill>
+                  <a:srgbClr val="000000"/>
+                </a:solidFill>
+                <a:ea typeface="Times New Roman" panose="02020603050405020304" pitchFamily="18" charset="0"/>
+                <a:cs typeface="Times New Roman" panose="02020603050405020304" pitchFamily="18" charset="0"/>
+              </a:rPr>
+              <a:t>, </a:t>
+            </a:r>
+            <a:r>
+              <a:rPr lang="en-US" dirty="0" err="1">
+                <a:solidFill>
+                  <a:srgbClr val="000000"/>
+                </a:solidFill>
+                <a:ea typeface="Times New Roman" panose="02020603050405020304" pitchFamily="18" charset="0"/>
+                <a:cs typeface="Times New Roman" panose="02020603050405020304" pitchFamily="18" charset="0"/>
+              </a:rPr>
+              <a:t>gameObjects</a:t>
+            </a:r>
+            <a:r>
+              <a:rPr lang="en-US" dirty="0">
+                <a:solidFill>
+                  <a:srgbClr val="000000"/>
+                </a:solidFill>
+                <a:ea typeface="Times New Roman" panose="02020603050405020304" pitchFamily="18" charset="0"/>
+                <a:cs typeface="Times New Roman" panose="02020603050405020304" pitchFamily="18" charset="0"/>
+              </a:rPr>
+              <a:t>){</a:t>
+            </a:r>
+          </a:p>
+          <a:p>
+            <a:pPr>
+              <a:lnSpc>
+                <a:spcPct val="107000"/>
+              </a:lnSpc>
+            </a:pPr>
+            <a:r>
+              <a:rPr lang="en-US" dirty="0">
+                <a:solidFill>
+                  <a:srgbClr val="00B0F0"/>
+                </a:solidFill>
+                <a:ea typeface="Times New Roman" panose="02020603050405020304" pitchFamily="18" charset="0"/>
+                <a:cs typeface="Times New Roman" panose="02020603050405020304" pitchFamily="18" charset="0"/>
+              </a:rPr>
+              <a:t>  </a:t>
+            </a:r>
+            <a:r>
+              <a:rPr lang="hu-HU" dirty="0" err="1">
+                <a:solidFill>
+                  <a:srgbClr val="00B0F0"/>
+                </a:solidFill>
+                <a:ea typeface="Times New Roman" panose="02020603050405020304" pitchFamily="18" charset="0"/>
+                <a:cs typeface="Times New Roman" panose="02020603050405020304" pitchFamily="18" charset="0"/>
+              </a:rPr>
+              <a:t>control</a:t>
+            </a:r>
+            <a:r>
+              <a:rPr lang="en-US" dirty="0">
+                <a:solidFill>
+                  <a:srgbClr val="000000"/>
+                </a:solidFill>
+                <a:ea typeface="Times New Roman" panose="02020603050405020304" pitchFamily="18" charset="0"/>
+                <a:cs typeface="Times New Roman" panose="02020603050405020304" pitchFamily="18" charset="0"/>
+              </a:rPr>
+              <a:t>(dt, </a:t>
+            </a:r>
+            <a:r>
+              <a:rPr lang="en-US" dirty="0" err="1">
+                <a:solidFill>
+                  <a:srgbClr val="000000"/>
+                </a:solidFill>
+                <a:ea typeface="Times New Roman" panose="02020603050405020304" pitchFamily="18" charset="0"/>
+                <a:cs typeface="Times New Roman" panose="02020603050405020304" pitchFamily="18" charset="0"/>
+              </a:rPr>
+              <a:t>keysPressed</a:t>
+            </a:r>
+            <a:r>
+              <a:rPr lang="en-US" dirty="0">
+                <a:solidFill>
+                  <a:srgbClr val="000000"/>
+                </a:solidFill>
+                <a:ea typeface="Times New Roman" panose="02020603050405020304" pitchFamily="18" charset="0"/>
+                <a:cs typeface="Times New Roman" panose="02020603050405020304" pitchFamily="18" charset="0"/>
+              </a:rPr>
+              <a:t>)</a:t>
+            </a:r>
+            <a:endParaRPr lang="hu-HU" dirty="0">
+              <a:solidFill>
+                <a:srgbClr val="000000"/>
+              </a:solidFill>
+              <a:ea typeface="Times New Roman" panose="02020603050405020304" pitchFamily="18" charset="0"/>
+              <a:cs typeface="Times New Roman" panose="02020603050405020304" pitchFamily="18" charset="0"/>
+            </a:endParaRPr>
+          </a:p>
+          <a:p>
+            <a:pPr>
+              <a:lnSpc>
+                <a:spcPct val="107000"/>
+              </a:lnSpc>
+            </a:pPr>
+            <a:r>
+              <a:rPr lang="en-US" dirty="0">
+                <a:solidFill>
+                  <a:srgbClr val="000000"/>
+                </a:solidFill>
+                <a:ea typeface="Times New Roman" panose="02020603050405020304" pitchFamily="18" charset="0"/>
+                <a:cs typeface="Times New Roman" panose="02020603050405020304" pitchFamily="18" charset="0"/>
+              </a:rPr>
+              <a:t>  v</a:t>
+            </a:r>
+            <a:r>
+              <a:rPr lang="hu-HU" dirty="0" err="1">
+                <a:solidFill>
+                  <a:srgbClr val="000000"/>
+                </a:solidFill>
+                <a:ea typeface="Times New Roman" panose="02020603050405020304" pitchFamily="18" charset="0"/>
+                <a:cs typeface="Times New Roman" panose="02020603050405020304" pitchFamily="18" charset="0"/>
+              </a:rPr>
+              <a:t>elocity</a:t>
+            </a:r>
+            <a:r>
+              <a:rPr lang="en-US" dirty="0">
+                <a:solidFill>
+                  <a:srgbClr val="000000"/>
+                </a:solidFill>
+                <a:ea typeface="Times New Roman" panose="02020603050405020304" pitchFamily="18" charset="0"/>
+                <a:cs typeface="Times New Roman" panose="02020603050405020304" pitchFamily="18" charset="0"/>
+              </a:rPr>
+              <a:t> += acceleration * dt</a:t>
+            </a:r>
+          </a:p>
+          <a:p>
+            <a:pPr>
+              <a:lnSpc>
+                <a:spcPct val="107000"/>
+              </a:lnSpc>
+            </a:pPr>
+            <a:r>
+              <a:rPr lang="en-US" dirty="0">
+                <a:solidFill>
+                  <a:srgbClr val="000000"/>
+                </a:solidFill>
+                <a:ea typeface="Times New Roman" panose="02020603050405020304" pitchFamily="18" charset="0"/>
+                <a:cs typeface="Times New Roman" panose="02020603050405020304" pitchFamily="18" charset="0"/>
+              </a:rPr>
+              <a:t>  …</a:t>
+            </a:r>
+          </a:p>
+          <a:p>
+            <a:pPr>
+              <a:lnSpc>
+                <a:spcPct val="107000"/>
+              </a:lnSpc>
+              <a:spcAft>
+                <a:spcPts val="0"/>
+              </a:spcAft>
+            </a:pPr>
+            <a:r>
+              <a:rPr lang="en-US" dirty="0">
+                <a:solidFill>
+                  <a:srgbClr val="000000"/>
+                </a:solidFill>
+                <a:ea typeface="Times New Roman" panose="02020603050405020304" pitchFamily="18" charset="0"/>
+                <a:cs typeface="Times New Roman" panose="02020603050405020304" pitchFamily="18" charset="0"/>
+              </a:rPr>
+              <a:t>}</a:t>
+            </a:r>
+          </a:p>
+          <a:p>
+            <a:pPr>
+              <a:lnSpc>
+                <a:spcPct val="107000"/>
+              </a:lnSpc>
+              <a:spcAft>
+                <a:spcPts val="0"/>
+              </a:spcAft>
+            </a:pPr>
+            <a:r>
+              <a:rPr lang="en-US" dirty="0">
+                <a:solidFill>
+                  <a:srgbClr val="000000"/>
+                </a:solidFill>
+                <a:ea typeface="Times New Roman" panose="02020603050405020304" pitchFamily="18" charset="0"/>
+                <a:cs typeface="Times New Roman" panose="02020603050405020304" pitchFamily="18" charset="0"/>
+              </a:rPr>
+              <a:t>fun </a:t>
+            </a:r>
+            <a:r>
+              <a:rPr lang="en-US" dirty="0">
+                <a:solidFill>
+                  <a:srgbClr val="00B0F0"/>
+                </a:solidFill>
+                <a:ea typeface="Times New Roman" panose="02020603050405020304" pitchFamily="18" charset="0"/>
+                <a:cs typeface="Times New Roman" panose="02020603050405020304" pitchFamily="18" charset="0"/>
+              </a:rPr>
+              <a:t>control</a:t>
+            </a:r>
+            <a:r>
+              <a:rPr lang="en-US" dirty="0">
+                <a:solidFill>
+                  <a:srgbClr val="000000"/>
+                </a:solidFill>
+                <a:ea typeface="Times New Roman" panose="02020603050405020304" pitchFamily="18" charset="0"/>
+                <a:cs typeface="Times New Roman" panose="02020603050405020304" pitchFamily="18" charset="0"/>
+              </a:rPr>
+              <a:t>(dt, </a:t>
+            </a:r>
+            <a:r>
+              <a:rPr lang="en-US" dirty="0" err="1">
+                <a:solidFill>
+                  <a:srgbClr val="000000"/>
+                </a:solidFill>
+                <a:ea typeface="Times New Roman" panose="02020603050405020304" pitchFamily="18" charset="0"/>
+                <a:cs typeface="Times New Roman" panose="02020603050405020304" pitchFamily="18" charset="0"/>
+              </a:rPr>
+              <a:t>keysPressed</a:t>
+            </a:r>
+            <a:r>
+              <a:rPr lang="en-US" dirty="0">
+                <a:solidFill>
+                  <a:srgbClr val="000000"/>
+                </a:solidFill>
+                <a:ea typeface="Times New Roman" panose="02020603050405020304" pitchFamily="18" charset="0"/>
+                <a:cs typeface="Times New Roman" panose="02020603050405020304" pitchFamily="18" charset="0"/>
+              </a:rPr>
+              <a:t>){</a:t>
+            </a:r>
+          </a:p>
+          <a:p>
+            <a:pPr>
+              <a:lnSpc>
+                <a:spcPct val="107000"/>
+              </a:lnSpc>
+              <a:spcAft>
+                <a:spcPts val="0"/>
+              </a:spcAft>
+            </a:pPr>
+            <a:r>
+              <a:rPr lang="en-US" dirty="0">
+                <a:solidFill>
+                  <a:srgbClr val="000000"/>
+                </a:solidFill>
+                <a:ea typeface="Times New Roman" panose="02020603050405020304" pitchFamily="18" charset="0"/>
+                <a:cs typeface="Times New Roman" panose="02020603050405020304" pitchFamily="18" charset="0"/>
+              </a:rPr>
+              <a:t>  </a:t>
+            </a:r>
+            <a:r>
+              <a:rPr lang="en-US" dirty="0" err="1">
+                <a:solidFill>
+                  <a:srgbClr val="000000"/>
+                </a:solidFill>
+                <a:ea typeface="Times New Roman" panose="02020603050405020304" pitchFamily="18" charset="0"/>
+                <a:cs typeface="Times New Roman" panose="02020603050405020304" pitchFamily="18" charset="0"/>
+              </a:rPr>
+              <a:t>acceleration.set</a:t>
+            </a:r>
+            <a:r>
+              <a:rPr lang="en-US" dirty="0">
+                <a:solidFill>
+                  <a:srgbClr val="000000"/>
+                </a:solidFill>
+                <a:ea typeface="Times New Roman" panose="02020603050405020304" pitchFamily="18" charset="0"/>
+                <a:cs typeface="Times New Roman" panose="02020603050405020304" pitchFamily="18" charset="0"/>
+              </a:rPr>
+              <a:t>()</a:t>
+            </a:r>
+          </a:p>
+          <a:p>
+            <a:pPr>
+              <a:lnSpc>
+                <a:spcPct val="107000"/>
+              </a:lnSpc>
+              <a:spcAft>
+                <a:spcPts val="0"/>
+              </a:spcAft>
+            </a:pPr>
+            <a:r>
+              <a:rPr lang="en-US" dirty="0">
+                <a:solidFill>
+                  <a:srgbClr val="000000"/>
+                </a:solidFill>
+                <a:ea typeface="Times New Roman" panose="02020603050405020304" pitchFamily="18" charset="0"/>
+                <a:cs typeface="Times New Roman" panose="02020603050405020304" pitchFamily="18" charset="0"/>
+              </a:rPr>
+              <a:t>  if("W" in </a:t>
+            </a:r>
+            <a:r>
+              <a:rPr lang="en-US" dirty="0" err="1">
+                <a:solidFill>
+                  <a:srgbClr val="000000"/>
+                </a:solidFill>
+                <a:ea typeface="Times New Roman" panose="02020603050405020304" pitchFamily="18" charset="0"/>
+                <a:cs typeface="Times New Roman" panose="02020603050405020304" pitchFamily="18" charset="0"/>
+              </a:rPr>
+              <a:t>keysPressed</a:t>
+            </a:r>
+            <a:r>
+              <a:rPr lang="en-US" dirty="0">
+                <a:solidFill>
+                  <a:srgbClr val="000000"/>
+                </a:solidFill>
+                <a:ea typeface="Times New Roman" panose="02020603050405020304" pitchFamily="18" charset="0"/>
+                <a:cs typeface="Times New Roman" panose="02020603050405020304" pitchFamily="18" charset="0"/>
+              </a:rPr>
+              <a:t>){</a:t>
+            </a:r>
+          </a:p>
+          <a:p>
+            <a:pPr>
+              <a:lnSpc>
+                <a:spcPct val="107000"/>
+              </a:lnSpc>
+              <a:spcAft>
+                <a:spcPts val="0"/>
+              </a:spcAft>
+            </a:pPr>
+            <a:r>
+              <a:rPr lang="en-US" dirty="0">
+                <a:solidFill>
+                  <a:srgbClr val="000000"/>
+                </a:solidFill>
+                <a:ea typeface="Times New Roman" panose="02020603050405020304" pitchFamily="18" charset="0"/>
+                <a:cs typeface="Times New Roman" panose="02020603050405020304" pitchFamily="18" charset="0"/>
+              </a:rPr>
+              <a:t>    acceleration += </a:t>
+            </a:r>
+            <a:r>
+              <a:rPr lang="en-US" dirty="0" err="1">
+                <a:solidFill>
+                  <a:srgbClr val="000000"/>
+                </a:solidFill>
+                <a:ea typeface="Times New Roman" panose="02020603050405020304" pitchFamily="18" charset="0"/>
+                <a:cs typeface="Times New Roman" panose="02020603050405020304" pitchFamily="18" charset="0"/>
+              </a:rPr>
+              <a:t>this.mass</a:t>
+            </a:r>
+            <a:r>
+              <a:rPr lang="en-US" dirty="0">
+                <a:solidFill>
+                  <a:srgbClr val="000000"/>
+                </a:solidFill>
+                <a:ea typeface="Times New Roman" panose="02020603050405020304" pitchFamily="18" charset="0"/>
+                <a:cs typeface="Times New Roman" panose="02020603050405020304" pitchFamily="18" charset="0"/>
+              </a:rPr>
+              <a:t> * </a:t>
+            </a:r>
+            <a:r>
+              <a:rPr lang="en-US" i="1" dirty="0">
+                <a:solidFill>
+                  <a:srgbClr val="000000"/>
+                </a:solidFill>
+                <a:ea typeface="Times New Roman" panose="02020603050405020304" pitchFamily="18" charset="0"/>
+                <a:cs typeface="Times New Roman" panose="02020603050405020304" pitchFamily="18" charset="0"/>
+              </a:rPr>
+              <a:t>F</a:t>
+            </a:r>
+            <a:r>
+              <a:rPr lang="en-US" baseline="-25000" dirty="0">
+                <a:solidFill>
+                  <a:srgbClr val="000000"/>
+                </a:solidFill>
+                <a:ea typeface="Times New Roman" panose="02020603050405020304" pitchFamily="18" charset="0"/>
+                <a:cs typeface="Times New Roman" panose="02020603050405020304" pitchFamily="18" charset="0"/>
+              </a:rPr>
+              <a:t>W</a:t>
+            </a:r>
+            <a:r>
+              <a:rPr lang="en-US" dirty="0">
+                <a:solidFill>
+                  <a:srgbClr val="000000"/>
+                </a:solidFill>
+                <a:ea typeface="Times New Roman" panose="02020603050405020304" pitchFamily="18" charset="0"/>
+                <a:cs typeface="Times New Roman" panose="02020603050405020304" pitchFamily="18" charset="0"/>
+              </a:rPr>
+              <a:t> }</a:t>
+            </a:r>
+          </a:p>
+          <a:p>
+            <a:pPr>
+              <a:lnSpc>
+                <a:spcPct val="107000"/>
+              </a:lnSpc>
+              <a:spcAft>
+                <a:spcPts val="0"/>
+              </a:spcAft>
+            </a:pPr>
+            <a:r>
+              <a:rPr lang="en-US" dirty="0">
+                <a:solidFill>
+                  <a:srgbClr val="000000"/>
+                </a:solidFill>
+                <a:ea typeface="Times New Roman" panose="02020603050405020304" pitchFamily="18" charset="0"/>
+                <a:cs typeface="Times New Roman" panose="02020603050405020304" pitchFamily="18" charset="0"/>
+              </a:rPr>
+              <a:t>}</a:t>
+            </a:r>
+          </a:p>
+        </p:txBody>
+      </p:sp>
+    </p:spTree>
+    <p:extLst>
+      <p:ext uri="{BB962C8B-B14F-4D97-AF65-F5344CB8AC3E}">
+        <p14:creationId xmlns:p14="http://schemas.microsoft.com/office/powerpoint/2010/main" val="1158574183"/>
+      </p:ext>
+    </p:extLst>
+  </p:cSld>
+  <p:clrMapOvr>
+    <a:masterClrMapping/>
+  </p:clrMapOvr>
+</p:sld>
+</file>
+
+<file path=ppt/slides/slide26.xml><?xml version="1.0" encoding="utf-8"?>
+<p:sld xmlns:a="http://schemas.openxmlformats.org/drawingml/2006/main" xmlns:r="http://schemas.openxmlformats.org/officeDocument/2006/relationships" xmlns:p="http://schemas.openxmlformats.org/presentationml/2006/main">
+  <p:cSld>
+    <p:spTree>
+      <p:nvGrpSpPr>
+        <p:cNvPr id="1" name=""/>
+        <p:cNvGrpSpPr/>
+        <p:nvPr/>
+      </p:nvGrpSpPr>
+      <p:grpSpPr>
+        <a:xfrm>
+          <a:off x="0" y="0"/>
+          <a:ext cx="0" cy="0"/>
+          <a:chOff x="0" y="0"/>
+          <a:chExt cx="0" cy="0"/>
+        </a:xfrm>
+      </p:grpSpPr>
+      <p:sp>
+        <p:nvSpPr>
+          <p:cNvPr id="4" name="Title 3"/>
+          <p:cNvSpPr>
+            <a:spLocks noGrp="1"/>
+          </p:cNvSpPr>
+          <p:nvPr>
+            <p:ph type="title"/>
+          </p:nvPr>
+        </p:nvSpPr>
+        <p:spPr/>
+        <p:txBody>
+          <a:bodyPr/>
+          <a:lstStyle/>
+          <a:p>
+            <a:r>
               <a:rPr lang="hu-HU" dirty="0"/>
               <a:t>Sebesség és orientáció független</a:t>
             </a:r>
@@ -13327,7 +14041,7 @@
 </p:sld>
 </file>
 
-<file path=ppt/slides/slide26.xml><?xml version="1.0" encoding="utf-8"?>
+<file path=ppt/slides/slide27.xml><?xml version="1.0" encoding="utf-8"?>
 <p:sld xmlns:a="http://schemas.openxmlformats.org/drawingml/2006/main" xmlns:r="http://schemas.openxmlformats.org/officeDocument/2006/relationships" xmlns:p="http://schemas.openxmlformats.org/presentationml/2006/main">
   <p:cSld>
     <p:spTree>
@@ -14221,7 +14935,7 @@
 </p:sld>
 </file>
 
-<file path=ppt/slides/slide27.xml><?xml version="1.0" encoding="utf-8"?>
+<file path=ppt/slides/slide28.xml><?xml version="1.0" encoding="utf-8"?>
 <p:sld xmlns:a="http://schemas.openxmlformats.org/drawingml/2006/main" xmlns:r="http://schemas.openxmlformats.org/officeDocument/2006/relationships" xmlns:p="http://schemas.openxmlformats.org/presentationml/2006/main">
   <p:cSld>
     <p:spTree>
@@ -14340,7 +15054,7 @@
 </p:sld>
 </file>
 
-<file path=ppt/slides/slide28.xml><?xml version="1.0" encoding="utf-8"?>
+<file path=ppt/slides/slide29.xml><?xml version="1.0" encoding="utf-8"?>
 <p:sld xmlns:a="http://schemas.openxmlformats.org/drawingml/2006/main" xmlns:r="http://schemas.openxmlformats.org/officeDocument/2006/relationships" xmlns:p="http://schemas.openxmlformats.org/presentationml/2006/main">
   <p:cSld>
     <p:spTree>
@@ -14466,133 +15180,6 @@
     <p:extLst>
       <p:ext uri="{BB962C8B-B14F-4D97-AF65-F5344CB8AC3E}">
         <p14:creationId xmlns:p14="http://schemas.microsoft.com/office/powerpoint/2010/main" val="1835360987"/>
-      </p:ext>
-    </p:extLst>
-  </p:cSld>
-  <p:clrMapOvr>
-    <a:masterClrMapping/>
-  </p:clrMapOvr>
-</p:sld>
-</file>
-
-<file path=ppt/slides/slide29.xml><?xml version="1.0" encoding="utf-8"?>
-<p:sld xmlns:a="http://schemas.openxmlformats.org/drawingml/2006/main" xmlns:r="http://schemas.openxmlformats.org/officeDocument/2006/relationships" xmlns:p="http://schemas.openxmlformats.org/presentationml/2006/main">
-  <p:cSld>
-    <p:spTree>
-      <p:nvGrpSpPr>
-        <p:cNvPr id="1" name=""/>
-        <p:cNvGrpSpPr/>
-        <p:nvPr/>
-      </p:nvGrpSpPr>
-      <p:grpSpPr>
-        <a:xfrm>
-          <a:off x="0" y="0"/>
-          <a:ext cx="0" cy="0"/>
-          <a:chOff x="0" y="0"/>
-          <a:chExt cx="0" cy="0"/>
-        </a:xfrm>
-      </p:grpSpPr>
-      <p:sp>
-        <p:nvSpPr>
-          <p:cNvPr id="5122" name="Rectangle 2"/>
-          <p:cNvSpPr>
-            <a:spLocks noGrp="1" noChangeArrowheads="1"/>
-          </p:cNvSpPr>
-          <p:nvPr>
-            <p:ph type="title"/>
-          </p:nvPr>
-        </p:nvSpPr>
-        <p:spPr/>
-        <p:txBody>
-          <a:bodyPr/>
-          <a:lstStyle/>
-          <a:p>
-            <a:pPr eaLnBrk="1" hangingPunct="1"/>
-            <a:r>
-              <a:rPr lang="hu-HU"/>
-              <a:t>A mechanikai szimuláció korlátai</a:t>
-            </a:r>
-            <a:endParaRPr lang="en-US"/>
-          </a:p>
-        </p:txBody>
-      </p:sp>
-      <p:sp>
-        <p:nvSpPr>
-          <p:cNvPr id="5123" name="Rectangle 3"/>
-          <p:cNvSpPr>
-            <a:spLocks noGrp="1" noChangeArrowheads="1"/>
-          </p:cNvSpPr>
-          <p:nvPr>
-            <p:ph type="body" idx="1"/>
-          </p:nvPr>
-        </p:nvSpPr>
-        <p:spPr/>
-        <p:txBody>
-          <a:bodyPr/>
-          <a:lstStyle/>
-          <a:p>
-            <a:pPr eaLnBrk="1" hangingPunct="1"/>
-            <a:r>
-              <a:rPr lang="hu-HU"/>
-              <a:t>Eddig: kötöttségek nélküli mozgás</a:t>
-            </a:r>
-          </a:p>
-          <a:p>
-            <a:pPr lvl="1" eaLnBrk="1" hangingPunct="1"/>
-            <a:r>
-              <a:rPr lang="hu-HU"/>
-              <a:t>csak az erők határozzák meg</a:t>
-            </a:r>
-          </a:p>
-          <a:p>
-            <a:pPr lvl="1" eaLnBrk="1" hangingPunct="1"/>
-            <a:r>
-              <a:rPr lang="hu-HU"/>
-              <a:t>Euler integrálás: az erők állandónak tekinthetők egy időlépcső alatt</a:t>
-            </a:r>
-          </a:p>
-          <a:p>
-            <a:pPr eaLnBrk="1" hangingPunct="1"/>
-            <a:r>
-              <a:rPr lang="hu-HU"/>
-              <a:t>ami ebbe nem fér bele: kényszerek</a:t>
-            </a:r>
-          </a:p>
-          <a:p>
-            <a:pPr lvl="1" eaLnBrk="1" hangingPunct="1"/>
-            <a:r>
-              <a:rPr lang="hu-HU"/>
-              <a:t>hirtelen változó erők: ütközések</a:t>
-            </a:r>
-          </a:p>
-          <a:p>
-            <a:pPr lvl="1" eaLnBrk="1" hangingPunct="1"/>
-            <a:r>
-              <a:rPr lang="hu-HU"/>
-              <a:t>merev mechanizmuson keresztül ható erők</a:t>
-            </a:r>
-          </a:p>
-          <a:p>
-            <a:pPr lvl="2" eaLnBrk="1" hangingPunct="1"/>
-            <a:r>
-              <a:rPr lang="hu-HU"/>
-              <a:t>tartóerő (talajon, asztalon)</a:t>
-            </a:r>
-          </a:p>
-          <a:p>
-            <a:pPr lvl="2" eaLnBrk="1" hangingPunct="1"/>
-            <a:r>
-              <a:rPr lang="hu-HU"/>
-              <a:t>összekapcsolt alkatrészek, csuklók, ízületek</a:t>
-            </a:r>
-            <a:endParaRPr lang="en-US"/>
-          </a:p>
-        </p:txBody>
-      </p:sp>
-    </p:spTree>
-    <p:extLst>
-      <p:ext uri="{BB962C8B-B14F-4D97-AF65-F5344CB8AC3E}">
-        <p14:creationId xmlns:p14="http://schemas.microsoft.com/office/powerpoint/2010/main" val="837704212"/>
       </p:ext>
     </p:extLst>
   </p:cSld>
@@ -14828,6 +15415,133 @@
       </p:grpSpPr>
       <p:sp>
         <p:nvSpPr>
+          <p:cNvPr id="5122" name="Rectangle 2"/>
+          <p:cNvSpPr>
+            <a:spLocks noGrp="1" noChangeArrowheads="1"/>
+          </p:cNvSpPr>
+          <p:nvPr>
+            <p:ph type="title"/>
+          </p:nvPr>
+        </p:nvSpPr>
+        <p:spPr/>
+        <p:txBody>
+          <a:bodyPr/>
+          <a:lstStyle/>
+          <a:p>
+            <a:pPr eaLnBrk="1" hangingPunct="1"/>
+            <a:r>
+              <a:rPr lang="hu-HU"/>
+              <a:t>A mechanikai szimuláció korlátai</a:t>
+            </a:r>
+            <a:endParaRPr lang="en-US"/>
+          </a:p>
+        </p:txBody>
+      </p:sp>
+      <p:sp>
+        <p:nvSpPr>
+          <p:cNvPr id="5123" name="Rectangle 3"/>
+          <p:cNvSpPr>
+            <a:spLocks noGrp="1" noChangeArrowheads="1"/>
+          </p:cNvSpPr>
+          <p:nvPr>
+            <p:ph type="body" idx="1"/>
+          </p:nvPr>
+        </p:nvSpPr>
+        <p:spPr/>
+        <p:txBody>
+          <a:bodyPr/>
+          <a:lstStyle/>
+          <a:p>
+            <a:pPr eaLnBrk="1" hangingPunct="1"/>
+            <a:r>
+              <a:rPr lang="hu-HU"/>
+              <a:t>Eddig: kötöttségek nélküli mozgás</a:t>
+            </a:r>
+          </a:p>
+          <a:p>
+            <a:pPr lvl="1" eaLnBrk="1" hangingPunct="1"/>
+            <a:r>
+              <a:rPr lang="hu-HU"/>
+              <a:t>csak az erők határozzák meg</a:t>
+            </a:r>
+          </a:p>
+          <a:p>
+            <a:pPr lvl="1" eaLnBrk="1" hangingPunct="1"/>
+            <a:r>
+              <a:rPr lang="hu-HU"/>
+              <a:t>Euler integrálás: az erők állandónak tekinthetők egy időlépcső alatt</a:t>
+            </a:r>
+          </a:p>
+          <a:p>
+            <a:pPr eaLnBrk="1" hangingPunct="1"/>
+            <a:r>
+              <a:rPr lang="hu-HU"/>
+              <a:t>ami ebbe nem fér bele: kényszerek</a:t>
+            </a:r>
+          </a:p>
+          <a:p>
+            <a:pPr lvl="1" eaLnBrk="1" hangingPunct="1"/>
+            <a:r>
+              <a:rPr lang="hu-HU"/>
+              <a:t>hirtelen változó erők: ütközések</a:t>
+            </a:r>
+          </a:p>
+          <a:p>
+            <a:pPr lvl="1" eaLnBrk="1" hangingPunct="1"/>
+            <a:r>
+              <a:rPr lang="hu-HU"/>
+              <a:t>merev mechanizmuson keresztül ható erők</a:t>
+            </a:r>
+          </a:p>
+          <a:p>
+            <a:pPr lvl="2" eaLnBrk="1" hangingPunct="1"/>
+            <a:r>
+              <a:rPr lang="hu-HU"/>
+              <a:t>tartóerő (talajon, asztalon)</a:t>
+            </a:r>
+          </a:p>
+          <a:p>
+            <a:pPr lvl="2" eaLnBrk="1" hangingPunct="1"/>
+            <a:r>
+              <a:rPr lang="hu-HU"/>
+              <a:t>összekapcsolt alkatrészek, csuklók, ízületek</a:t>
+            </a:r>
+            <a:endParaRPr lang="en-US"/>
+          </a:p>
+        </p:txBody>
+      </p:sp>
+    </p:spTree>
+    <p:extLst>
+      <p:ext uri="{BB962C8B-B14F-4D97-AF65-F5344CB8AC3E}">
+        <p14:creationId xmlns:p14="http://schemas.microsoft.com/office/powerpoint/2010/main" val="837704212"/>
+      </p:ext>
+    </p:extLst>
+  </p:cSld>
+  <p:clrMapOvr>
+    <a:masterClrMapping/>
+  </p:clrMapOvr>
+</p:sld>
+</file>
+
+<file path=ppt/slides/slide31.xml><?xml version="1.0" encoding="utf-8"?>
+<p:sld xmlns:a="http://schemas.openxmlformats.org/drawingml/2006/main" xmlns:r="http://schemas.openxmlformats.org/officeDocument/2006/relationships" xmlns:p="http://schemas.openxmlformats.org/presentationml/2006/main">
+  <p:cSld>
+    <p:spTree>
+      <p:nvGrpSpPr>
+        <p:cNvPr id="1" name=""/>
+        <p:cNvGrpSpPr/>
+        <p:nvPr/>
+      </p:nvGrpSpPr>
+      <p:grpSpPr>
+        <a:xfrm>
+          <a:off x="0" y="0"/>
+          <a:ext cx="0" cy="0"/>
+          <a:chOff x="0" y="0"/>
+          <a:chExt cx="0" cy="0"/>
+        </a:xfrm>
+      </p:grpSpPr>
+      <p:sp>
+        <p:nvSpPr>
           <p:cNvPr id="6146" name="Rectangle 2"/>
           <p:cNvSpPr>
             <a:spLocks noGrp="1" noChangeArrowheads="1"/>
@@ -14915,7 +15629,7 @@
 </p:sld>
 </file>
 
-<file path=ppt/slides/slide31.xml><?xml version="1.0" encoding="utf-8"?>
+<file path=ppt/slides/slide32.xml><?xml version="1.0" encoding="utf-8"?>
 <p:sld xmlns:a="http://schemas.openxmlformats.org/drawingml/2006/main" xmlns:r="http://schemas.openxmlformats.org/officeDocument/2006/relationships" xmlns:p="http://schemas.openxmlformats.org/presentationml/2006/main">
   <p:cSld>
     <p:spTree>
@@ -15174,7 +15888,7 @@
 </p:sld>
 </file>
 
-<file path=ppt/slides/slide32.xml><?xml version="1.0" encoding="utf-8"?>
+<file path=ppt/slides/slide33.xml><?xml version="1.0" encoding="utf-8"?>
 <p:sld xmlns:a="http://schemas.openxmlformats.org/drawingml/2006/main" xmlns:r="http://schemas.openxmlformats.org/officeDocument/2006/relationships" xmlns:p="http://schemas.openxmlformats.org/presentationml/2006/main">
   <p:cSld>
     <p:spTree>
@@ -15657,7 +16371,7 @@
 </p:sld>
 </file>
 
-<file path=ppt/slides/slide33.xml><?xml version="1.0" encoding="utf-8"?>
+<file path=ppt/slides/slide34.xml><?xml version="1.0" encoding="utf-8"?>
 <p:sld xmlns:a="http://schemas.openxmlformats.org/drawingml/2006/main" xmlns:r="http://schemas.openxmlformats.org/officeDocument/2006/relationships" xmlns:p="http://schemas.openxmlformats.org/presentationml/2006/main">
   <p:cSld>
     <p:spTree>
@@ -15901,7 +16615,7 @@
 </p:sld>
 </file>
 
-<file path=ppt/slides/slide34.xml><?xml version="1.0" encoding="utf-8"?>
+<file path=ppt/slides/slide35.xml><?xml version="1.0" encoding="utf-8"?>
 <p:sld xmlns:a="http://schemas.openxmlformats.org/drawingml/2006/main" xmlns:r="http://schemas.openxmlformats.org/officeDocument/2006/relationships" xmlns:p="http://schemas.openxmlformats.org/presentationml/2006/main">
   <p:cSld>
     <p:spTree>
@@ -18231,7 +18945,7 @@
 </p:sld>
 </file>
 
-<file path=ppt/slides/slide35.xml><?xml version="1.0" encoding="utf-8"?>
+<file path=ppt/slides/slide36.xml><?xml version="1.0" encoding="utf-8"?>
 <p:sld xmlns:a="http://schemas.openxmlformats.org/drawingml/2006/main" xmlns:r="http://schemas.openxmlformats.org/officeDocument/2006/relationships" xmlns:p="http://schemas.openxmlformats.org/presentationml/2006/main">
   <p:cSld>
     <p:spTree>
@@ -18829,7 +19543,7 @@
 </p:sld>
 </file>
 
-<file path=ppt/slides/slide36.xml><?xml version="1.0" encoding="utf-8"?>
+<file path=ppt/slides/slide37.xml><?xml version="1.0" encoding="utf-8"?>
 <p:sld xmlns:a="http://schemas.openxmlformats.org/drawingml/2006/main" xmlns:r="http://schemas.openxmlformats.org/officeDocument/2006/relationships" xmlns:p="http://schemas.openxmlformats.org/presentationml/2006/main">
   <p:cSld>
     <p:spTree>
@@ -20210,7 +20924,7 @@
 </p:sld>
 </file>
 
-<file path=ppt/slides/slide37.xml><?xml version="1.0" encoding="utf-8"?>
+<file path=ppt/slides/slide38.xml><?xml version="1.0" encoding="utf-8"?>
 <p:sld xmlns:a="http://schemas.openxmlformats.org/drawingml/2006/main" xmlns:r="http://schemas.openxmlformats.org/officeDocument/2006/relationships" xmlns:p="http://schemas.openxmlformats.org/presentationml/2006/main">
   <p:cSld>
     <p:spTree>
@@ -20353,7 +21067,7 @@
 </p:sld>
 </file>
 
-<file path=ppt/slides/slide38.xml><?xml version="1.0" encoding="utf-8"?>
+<file path=ppt/slides/slide39.xml><?xml version="1.0" encoding="utf-8"?>
 <p:sld xmlns:a="http://schemas.openxmlformats.org/drawingml/2006/main" xmlns:r="http://schemas.openxmlformats.org/officeDocument/2006/relationships" xmlns:p="http://schemas.openxmlformats.org/presentationml/2006/main">
   <p:cSld>
     <p:spTree>
@@ -21537,131 +22251,6 @@
 </p:sld>
 </file>
 
-<file path=ppt/slides/slide39.xml><?xml version="1.0" encoding="utf-8"?>
-<p:sld xmlns:a="http://schemas.openxmlformats.org/drawingml/2006/main" xmlns:r="http://schemas.openxmlformats.org/officeDocument/2006/relationships" xmlns:p="http://schemas.openxmlformats.org/presentationml/2006/main">
-  <p:cSld>
-    <p:spTree>
-      <p:nvGrpSpPr>
-        <p:cNvPr id="1" name=""/>
-        <p:cNvGrpSpPr/>
-        <p:nvPr/>
-      </p:nvGrpSpPr>
-      <p:grpSpPr>
-        <a:xfrm>
-          <a:off x="0" y="0"/>
-          <a:ext cx="0" cy="0"/>
-          <a:chOff x="0" y="0"/>
-          <a:chExt cx="0" cy="0"/>
-        </a:xfrm>
-      </p:grpSpPr>
-      <p:sp>
-        <p:nvSpPr>
-          <p:cNvPr id="16386" name="Rectangle 2"/>
-          <p:cNvSpPr>
-            <a:spLocks noGrp="1" noChangeArrowheads="1"/>
-          </p:cNvSpPr>
-          <p:nvPr>
-            <p:ph type="title"/>
-          </p:nvPr>
-        </p:nvSpPr>
-        <p:spPr/>
-        <p:txBody>
-          <a:bodyPr/>
-          <a:lstStyle/>
-          <a:p>
-            <a:pPr eaLnBrk="1" hangingPunct="1"/>
-            <a:r>
-              <a:rPr lang="hu-HU"/>
-              <a:t>Előnyök</a:t>
-            </a:r>
-            <a:endParaRPr lang="en-US"/>
-          </a:p>
-        </p:txBody>
-      </p:sp>
-      <p:sp>
-        <p:nvSpPr>
-          <p:cNvPr id="16387" name="Rectangle 3"/>
-          <p:cNvSpPr>
-            <a:spLocks noGrp="1" noChangeArrowheads="1"/>
-          </p:cNvSpPr>
-          <p:nvPr>
-            <p:ph type="body" idx="1"/>
-          </p:nvPr>
-        </p:nvSpPr>
-        <p:spPr/>
-        <p:txBody>
-          <a:bodyPr/>
-          <a:lstStyle/>
-          <a:p>
-            <a:pPr eaLnBrk="1" hangingPunct="1"/>
-            <a:r>
-              <a:rPr lang="hu-HU"/>
-              <a:t>Folytonos</a:t>
-            </a:r>
-          </a:p>
-          <a:p>
-            <a:pPr lvl="1" eaLnBrk="1" hangingPunct="1">
-              <a:buFont typeface="Arial" charset="0"/>
-              <a:buChar char="+"/>
-            </a:pPr>
-            <a:r>
-              <a:rPr lang="hu-HU"/>
-              <a:t>valóban érintkező testekre számolunk ütközés-választ</a:t>
-            </a:r>
-          </a:p>
-          <a:p>
-            <a:pPr lvl="1" eaLnBrk="1" hangingPunct="1">
-              <a:buFont typeface="Arial" charset="0"/>
-              <a:buChar char="+"/>
-            </a:pPr>
-            <a:r>
-              <a:rPr lang="hu-HU"/>
-              <a:t>nincsenek „ideiglenesen” egymásba lógó objektumok</a:t>
-            </a:r>
-          </a:p>
-          <a:p>
-            <a:pPr eaLnBrk="1" hangingPunct="1"/>
-            <a:r>
-              <a:rPr lang="hu-HU"/>
-              <a:t>Diszkrét</a:t>
-            </a:r>
-          </a:p>
-          <a:p>
-            <a:pPr lvl="1" eaLnBrk="1" hangingPunct="1">
-              <a:buFont typeface="Arial" charset="0"/>
-              <a:buChar char="+"/>
-            </a:pPr>
-            <a:r>
-              <a:rPr lang="hu-HU"/>
-              <a:t>van rá esély valós időben</a:t>
-            </a:r>
-          </a:p>
-          <a:p>
-            <a:pPr lvl="1" eaLnBrk="1" hangingPunct="1">
-              <a:buFont typeface="Arial" charset="0"/>
-              <a:buChar char="+"/>
-            </a:pPr>
-            <a:r>
-              <a:rPr lang="hu-HU"/>
-              <a:t>játékban: egyszerűen illeszkedik a diszkrét idejű mechanikai szimulációhoz</a:t>
-            </a:r>
-            <a:endParaRPr lang="en-US"/>
-          </a:p>
-        </p:txBody>
-      </p:sp>
-    </p:spTree>
-    <p:extLst>
-      <p:ext uri="{BB962C8B-B14F-4D97-AF65-F5344CB8AC3E}">
-        <p14:creationId xmlns:p14="http://schemas.microsoft.com/office/powerpoint/2010/main" val="2585827984"/>
-      </p:ext>
-    </p:extLst>
-  </p:cSld>
-  <p:clrMapOvr>
-    <a:masterClrMapping/>
-  </p:clrMapOvr>
-</p:sld>
-</file>
-
 <file path=ppt/slides/slide4.xml><?xml version="1.0" encoding="utf-8"?>
 <p:sld xmlns:a="http://schemas.openxmlformats.org/drawingml/2006/main" xmlns:r="http://schemas.openxmlformats.org/officeDocument/2006/relationships" xmlns:p="http://schemas.openxmlformats.org/presentationml/2006/main">
   <p:cSld>
@@ -22964,6 +23553,131 @@
       </p:grpSpPr>
       <p:sp>
         <p:nvSpPr>
+          <p:cNvPr id="16386" name="Rectangle 2"/>
+          <p:cNvSpPr>
+            <a:spLocks noGrp="1" noChangeArrowheads="1"/>
+          </p:cNvSpPr>
+          <p:nvPr>
+            <p:ph type="title"/>
+          </p:nvPr>
+        </p:nvSpPr>
+        <p:spPr/>
+        <p:txBody>
+          <a:bodyPr/>
+          <a:lstStyle/>
+          <a:p>
+            <a:pPr eaLnBrk="1" hangingPunct="1"/>
+            <a:r>
+              <a:rPr lang="hu-HU"/>
+              <a:t>Előnyök</a:t>
+            </a:r>
+            <a:endParaRPr lang="en-US"/>
+          </a:p>
+        </p:txBody>
+      </p:sp>
+      <p:sp>
+        <p:nvSpPr>
+          <p:cNvPr id="16387" name="Rectangle 3"/>
+          <p:cNvSpPr>
+            <a:spLocks noGrp="1" noChangeArrowheads="1"/>
+          </p:cNvSpPr>
+          <p:nvPr>
+            <p:ph type="body" idx="1"/>
+          </p:nvPr>
+        </p:nvSpPr>
+        <p:spPr/>
+        <p:txBody>
+          <a:bodyPr/>
+          <a:lstStyle/>
+          <a:p>
+            <a:pPr eaLnBrk="1" hangingPunct="1"/>
+            <a:r>
+              <a:rPr lang="hu-HU"/>
+              <a:t>Folytonos</a:t>
+            </a:r>
+          </a:p>
+          <a:p>
+            <a:pPr lvl="1" eaLnBrk="1" hangingPunct="1">
+              <a:buFont typeface="Arial" charset="0"/>
+              <a:buChar char="+"/>
+            </a:pPr>
+            <a:r>
+              <a:rPr lang="hu-HU"/>
+              <a:t>valóban érintkező testekre számolunk ütközés-választ</a:t>
+            </a:r>
+          </a:p>
+          <a:p>
+            <a:pPr lvl="1" eaLnBrk="1" hangingPunct="1">
+              <a:buFont typeface="Arial" charset="0"/>
+              <a:buChar char="+"/>
+            </a:pPr>
+            <a:r>
+              <a:rPr lang="hu-HU"/>
+              <a:t>nincsenek „ideiglenesen” egymásba lógó objektumok</a:t>
+            </a:r>
+          </a:p>
+          <a:p>
+            <a:pPr eaLnBrk="1" hangingPunct="1"/>
+            <a:r>
+              <a:rPr lang="hu-HU"/>
+              <a:t>Diszkrét</a:t>
+            </a:r>
+          </a:p>
+          <a:p>
+            <a:pPr lvl="1" eaLnBrk="1" hangingPunct="1">
+              <a:buFont typeface="Arial" charset="0"/>
+              <a:buChar char="+"/>
+            </a:pPr>
+            <a:r>
+              <a:rPr lang="hu-HU"/>
+              <a:t>van rá esély valós időben</a:t>
+            </a:r>
+          </a:p>
+          <a:p>
+            <a:pPr lvl="1" eaLnBrk="1" hangingPunct="1">
+              <a:buFont typeface="Arial" charset="0"/>
+              <a:buChar char="+"/>
+            </a:pPr>
+            <a:r>
+              <a:rPr lang="hu-HU"/>
+              <a:t>játékban: egyszerűen illeszkedik a diszkrét idejű mechanikai szimulációhoz</a:t>
+            </a:r>
+            <a:endParaRPr lang="en-US"/>
+          </a:p>
+        </p:txBody>
+      </p:sp>
+    </p:spTree>
+    <p:extLst>
+      <p:ext uri="{BB962C8B-B14F-4D97-AF65-F5344CB8AC3E}">
+        <p14:creationId xmlns:p14="http://schemas.microsoft.com/office/powerpoint/2010/main" val="2585827984"/>
+      </p:ext>
+    </p:extLst>
+  </p:cSld>
+  <p:clrMapOvr>
+    <a:masterClrMapping/>
+  </p:clrMapOvr>
+</p:sld>
+</file>
+
+<file path=ppt/slides/slide41.xml><?xml version="1.0" encoding="utf-8"?>
+<p:sld xmlns:a="http://schemas.openxmlformats.org/drawingml/2006/main" xmlns:r="http://schemas.openxmlformats.org/officeDocument/2006/relationships" xmlns:p="http://schemas.openxmlformats.org/presentationml/2006/main">
+  <p:cSld>
+    <p:spTree>
+      <p:nvGrpSpPr>
+        <p:cNvPr id="1" name=""/>
+        <p:cNvGrpSpPr/>
+        <p:nvPr/>
+      </p:nvGrpSpPr>
+      <p:grpSpPr>
+        <a:xfrm>
+          <a:off x="0" y="0"/>
+          <a:ext cx="0" cy="0"/>
+          <a:chOff x="0" y="0"/>
+          <a:chExt cx="0" cy="0"/>
+        </a:xfrm>
+      </p:grpSpPr>
+      <p:sp>
+        <p:nvSpPr>
           <p:cNvPr id="17410" name="Rectangle 2"/>
           <p:cNvSpPr>
             <a:spLocks noGrp="1" noChangeArrowheads="1"/>
@@ -23107,7 +23821,7 @@
 </p:sld>
 </file>
 
-<file path=ppt/slides/slide41.xml><?xml version="1.0" encoding="utf-8"?>
+<file path=ppt/slides/slide42.xml><?xml version="1.0" encoding="utf-8"?>
 <p:sld xmlns:a="http://schemas.openxmlformats.org/drawingml/2006/main" xmlns:r="http://schemas.openxmlformats.org/officeDocument/2006/relationships" xmlns:p="http://schemas.openxmlformats.org/presentationml/2006/main">
   <p:cSld>
     <p:spTree>
@@ -24389,7 +25103,7 @@
 </p:sld>
 </file>
 
-<file path=ppt/slides/slide42.xml><?xml version="1.0" encoding="utf-8"?>
+<file path=ppt/slides/slide43.xml><?xml version="1.0" encoding="utf-8"?>
 <p:sld xmlns:a="http://schemas.openxmlformats.org/drawingml/2006/main" xmlns:r="http://schemas.openxmlformats.org/officeDocument/2006/relationships" xmlns:p="http://schemas.openxmlformats.org/presentationml/2006/main">
   <p:cSld>
     <p:spTree>
@@ -24585,7 +25299,7 @@
 </p:sld>
 </file>
 
-<file path=ppt/slides/slide43.xml><?xml version="1.0" encoding="utf-8"?>
+<file path=ppt/slides/slide44.xml><?xml version="1.0" encoding="utf-8"?>
 <p:sld xmlns:a="http://schemas.openxmlformats.org/drawingml/2006/main" xmlns:r="http://schemas.openxmlformats.org/officeDocument/2006/relationships" xmlns:p="http://schemas.openxmlformats.org/presentationml/2006/main">
   <p:cSld>
     <p:spTree>
@@ -25218,7 +25932,7 @@
 </p:sld>
 </file>
 
-<file path=ppt/slides/slide44.xml><?xml version="1.0" encoding="utf-8"?>
+<file path=ppt/slides/slide45.xml><?xml version="1.0" encoding="utf-8"?>
 <p:sld xmlns:a="http://schemas.openxmlformats.org/drawingml/2006/main" xmlns:r="http://schemas.openxmlformats.org/officeDocument/2006/relationships" xmlns:p="http://schemas.openxmlformats.org/presentationml/2006/main">
   <p:cSld>
     <p:spTree>
@@ -25400,7 +26114,7 @@
 </p:sld>
 </file>
 
-<file path=ppt/slides/slide45.xml><?xml version="1.0" encoding="utf-8"?>
+<file path=ppt/slides/slide46.xml><?xml version="1.0" encoding="utf-8"?>
 <p:sld xmlns:a="http://schemas.openxmlformats.org/drawingml/2006/main" xmlns:r="http://schemas.openxmlformats.org/officeDocument/2006/relationships" xmlns:p="http://schemas.openxmlformats.org/presentationml/2006/main">
   <p:cSld>
     <p:spTree>
@@ -26498,7 +27212,7 @@
 </p:sld>
 </file>
 
-<file path=ppt/slides/slide46.xml><?xml version="1.0" encoding="utf-8"?>
+<file path=ppt/slides/slide47.xml><?xml version="1.0" encoding="utf-8"?>
 <p:sld xmlns:a="http://schemas.openxmlformats.org/drawingml/2006/main" xmlns:r="http://schemas.openxmlformats.org/officeDocument/2006/relationships" xmlns:p="http://schemas.openxmlformats.org/presentationml/2006/main">
   <p:cSld>
     <p:spTree>
@@ -26917,7 +27631,7 @@
 </p:sld>
 </file>
 
-<file path=ppt/slides/slide47.xml><?xml version="1.0" encoding="utf-8"?>
+<file path=ppt/slides/slide48.xml><?xml version="1.0" encoding="utf-8"?>
 <p:sld xmlns:a="http://schemas.openxmlformats.org/drawingml/2006/main" xmlns:r="http://schemas.openxmlformats.org/officeDocument/2006/relationships" xmlns:p="http://schemas.openxmlformats.org/presentationml/2006/main">
   <p:cSld>
     <p:spTree>
@@ -28833,7 +29547,7 @@
 </p:sld>
 </file>
 
-<file path=ppt/slides/slide48.xml><?xml version="1.0" encoding="utf-8"?>
+<file path=ppt/slides/slide49.xml><?xml version="1.0" encoding="utf-8"?>
 <p:sld xmlns:a="http://schemas.openxmlformats.org/drawingml/2006/main" xmlns:r="http://schemas.openxmlformats.org/officeDocument/2006/relationships" xmlns:p="http://schemas.openxmlformats.org/presentationml/2006/main">
   <p:cSld>
     <p:spTree>
@@ -28972,7 +29686,272 @@
 </p:sld>
 </file>
 
-<file path=ppt/slides/slide49.xml><?xml version="1.0" encoding="utf-8"?>
+<file path=ppt/slides/slide5.xml><?xml version="1.0" encoding="utf-8"?>
+<p:sld xmlns:a="http://schemas.openxmlformats.org/drawingml/2006/main" xmlns:r="http://schemas.openxmlformats.org/officeDocument/2006/relationships" xmlns:p="http://schemas.openxmlformats.org/presentationml/2006/main">
+  <p:cSld>
+    <p:spTree>
+      <p:nvGrpSpPr>
+        <p:cNvPr id="1" name=""/>
+        <p:cNvGrpSpPr/>
+        <p:nvPr/>
+      </p:nvGrpSpPr>
+      <p:grpSpPr>
+        <a:xfrm>
+          <a:off x="0" y="0"/>
+          <a:ext cx="0" cy="0"/>
+          <a:chOff x="0" y="0"/>
+          <a:chExt cx="0" cy="0"/>
+        </a:xfrm>
+      </p:grpSpPr>
+      <p:sp>
+        <p:nvSpPr>
+          <p:cNvPr id="142338" name="Rectangle 2"/>
+          <p:cNvSpPr>
+            <a:spLocks noGrp="1" noChangeArrowheads="1"/>
+          </p:cNvSpPr>
+          <p:nvPr>
+            <p:ph type="title"/>
+          </p:nvPr>
+        </p:nvSpPr>
+        <p:spPr/>
+        <p:txBody>
+          <a:bodyPr/>
+          <a:lstStyle/>
+          <a:p>
+            <a:r>
+              <a:rPr lang="hu-HU"/>
+              <a:t>Egy merev test fizikai jellemzői</a:t>
+            </a:r>
+            <a:endParaRPr lang="en-US"/>
+          </a:p>
+        </p:txBody>
+      </p:sp>
+      <p:sp>
+        <p:nvSpPr>
+          <p:cNvPr id="142339" name="Rectangle 3"/>
+          <p:cNvSpPr>
+            <a:spLocks noGrp="1" noChangeArrowheads="1"/>
+          </p:cNvSpPr>
+          <p:nvPr>
+            <p:ph type="body" idx="1"/>
+          </p:nvPr>
+        </p:nvSpPr>
+        <p:spPr/>
+        <p:txBody>
+          <a:bodyPr/>
+          <a:lstStyle/>
+          <a:p>
+            <a:r>
+              <a:rPr lang="hu-HU" dirty="0"/>
+              <a:t>pozíció		</a:t>
+            </a:r>
+            <a:r>
+              <a:rPr lang="en-US" dirty="0"/>
+              <a:t>	</a:t>
+            </a:r>
+            <a:r>
+              <a:rPr lang="hu-HU" dirty="0"/>
+              <a:t>3D vektor </a:t>
+            </a:r>
+            <a:r>
+              <a:rPr lang="en-US" dirty="0"/>
+              <a:t>[m]</a:t>
+            </a:r>
+          </a:p>
+          <a:p>
+            <a:pPr lvl="1">
+              <a:buFont typeface="Arial" charset="0"/>
+              <a:buNone/>
+            </a:pPr>
+            <a:r>
+              <a:rPr lang="en-US" b="1" i="1" dirty="0">
+                <a:latin typeface="Times New Roman" panose="02020603050405020304" pitchFamily="18" charset="0"/>
+                <a:cs typeface="Times New Roman" panose="02020603050405020304" pitchFamily="18" charset="0"/>
+              </a:rPr>
+              <a:t>x</a:t>
+            </a:r>
+            <a:endParaRPr lang="hu-HU" b="1" i="1" dirty="0">
+              <a:latin typeface="Times New Roman" panose="02020603050405020304" pitchFamily="18" charset="0"/>
+              <a:cs typeface="Times New Roman" panose="02020603050405020304" pitchFamily="18" charset="0"/>
+            </a:endParaRPr>
+          </a:p>
+          <a:p>
+            <a:r>
+              <a:rPr lang="en-US" dirty="0" err="1"/>
+              <a:t>sebess</a:t>
+            </a:r>
+            <a:r>
+              <a:rPr lang="hu-HU" dirty="0"/>
+              <a:t>ég	</a:t>
+            </a:r>
+            <a:r>
+              <a:rPr lang="en-US" dirty="0"/>
+              <a:t>	</a:t>
+            </a:r>
+            <a:r>
+              <a:rPr lang="hu-HU" dirty="0"/>
+              <a:t>3D vektor </a:t>
+            </a:r>
+            <a:r>
+              <a:rPr lang="en-US" dirty="0"/>
+              <a:t>[m/s]</a:t>
+            </a:r>
+            <a:endParaRPr lang="hu-HU" dirty="0"/>
+          </a:p>
+          <a:p>
+            <a:pPr lvl="1">
+              <a:buFont typeface="Arial" charset="0"/>
+              <a:buNone/>
+            </a:pPr>
+            <a:r>
+              <a:rPr lang="en-US" b="1" i="1" dirty="0">
+                <a:latin typeface="Times New Roman" panose="02020603050405020304" pitchFamily="18" charset="0"/>
+                <a:cs typeface="Times New Roman" panose="02020603050405020304" pitchFamily="18" charset="0"/>
+              </a:rPr>
+              <a:t>v</a:t>
+            </a:r>
+            <a:endParaRPr lang="hu-HU" b="1" i="1" dirty="0">
+              <a:latin typeface="Times New Roman" panose="02020603050405020304" pitchFamily="18" charset="0"/>
+              <a:cs typeface="Times New Roman" panose="02020603050405020304" pitchFamily="18" charset="0"/>
+            </a:endParaRPr>
+          </a:p>
+          <a:p>
+            <a:r>
+              <a:rPr lang="en-US" dirty="0"/>
+              <a:t>t</a:t>
+            </a:r>
+            <a:r>
+              <a:rPr lang="hu-HU" dirty="0" err="1"/>
+              <a:t>ömeg</a:t>
+            </a:r>
+            <a:r>
+              <a:rPr lang="hu-HU" dirty="0"/>
+              <a:t>			</a:t>
+            </a:r>
+            <a:r>
+              <a:rPr lang="en-US" dirty="0" err="1"/>
+              <a:t>skal</a:t>
+            </a:r>
+            <a:r>
+              <a:rPr lang="hu-HU" dirty="0"/>
+              <a:t>ár </a:t>
+            </a:r>
+            <a:r>
+              <a:rPr lang="en-US" dirty="0"/>
+              <a:t>[</a:t>
+            </a:r>
+            <a:r>
+              <a:rPr lang="hu-HU" dirty="0"/>
+              <a:t>kg</a:t>
+            </a:r>
+            <a:r>
+              <a:rPr lang="en-US" dirty="0"/>
+              <a:t>]</a:t>
+            </a:r>
+            <a:endParaRPr lang="hu-HU" dirty="0"/>
+          </a:p>
+          <a:p>
+            <a:pPr>
+              <a:buFontTx/>
+              <a:buNone/>
+            </a:pPr>
+            <a:r>
+              <a:rPr lang="en-US" dirty="0"/>
+              <a:t>	</a:t>
+            </a:r>
+            <a:r>
+              <a:rPr lang="en-US" sz="2400" b="1" i="1" dirty="0">
+                <a:latin typeface="Times New Roman" panose="02020603050405020304" pitchFamily="18" charset="0"/>
+                <a:cs typeface="Times New Roman" panose="02020603050405020304" pitchFamily="18" charset="0"/>
+              </a:rPr>
+              <a:t>m</a:t>
+            </a:r>
+          </a:p>
+          <a:p>
+            <a:r>
+              <a:rPr lang="en-US" dirty="0">
+                <a:solidFill>
+                  <a:schemeClr val="hlink"/>
+                </a:solidFill>
+              </a:rPr>
+              <a:t>lend</a:t>
+            </a:r>
+            <a:r>
+              <a:rPr lang="hu-HU" dirty="0">
+                <a:solidFill>
+                  <a:schemeClr val="hlink"/>
+                </a:solidFill>
+              </a:rPr>
+              <a:t>ület			3D vektor </a:t>
+            </a:r>
+            <a:r>
+              <a:rPr lang="en-US" dirty="0">
+                <a:solidFill>
+                  <a:schemeClr val="hlink"/>
+                </a:solidFill>
+              </a:rPr>
+              <a:t>[kg m/s = Ns]</a:t>
+            </a:r>
+          </a:p>
+          <a:p>
+            <a:pPr>
+              <a:buFontTx/>
+              <a:buNone/>
+            </a:pPr>
+            <a:r>
+              <a:rPr lang="en-US" dirty="0">
+                <a:solidFill>
+                  <a:schemeClr val="hlink"/>
+                </a:solidFill>
+              </a:rPr>
+              <a:t>	</a:t>
+            </a:r>
+            <a:r>
+              <a:rPr lang="en-US" sz="2400" b="1" i="1" dirty="0">
+                <a:latin typeface="Times New Roman" pitchFamily="18" charset="0"/>
+                <a:cs typeface="Times New Roman" pitchFamily="18" charset="0"/>
+              </a:rPr>
+              <a:t>p</a:t>
+            </a:r>
+            <a:r>
+              <a:rPr lang="en-US" sz="2400" i="1" dirty="0">
+                <a:latin typeface="Times New Roman" pitchFamily="18" charset="0"/>
+                <a:cs typeface="Times New Roman" pitchFamily="18" charset="0"/>
+              </a:rPr>
+              <a:t> = m</a:t>
+            </a:r>
+            <a:r>
+              <a:rPr lang="en-US" sz="2400" i="1" dirty="0">
+                <a:latin typeface="Times New Roman" pitchFamily="18" charset="0"/>
+                <a:cs typeface="Times New Roman" pitchFamily="18" charset="0"/>
+                <a:sym typeface="Symbol" panose="05050102010706020507" pitchFamily="18" charset="2"/>
+              </a:rPr>
+              <a:t> </a:t>
+            </a:r>
+            <a:r>
+              <a:rPr lang="en-US" sz="2400" b="1" i="1" dirty="0">
+                <a:latin typeface="Times New Roman" pitchFamily="18" charset="0"/>
+                <a:cs typeface="Times New Roman" pitchFamily="18" charset="0"/>
+              </a:rPr>
+              <a:t>v</a:t>
+            </a:r>
+          </a:p>
+        </p:txBody>
+      </p:sp>
+    </p:spTree>
+    <p:extLst>
+      <p:ext uri="{BB962C8B-B14F-4D97-AF65-F5344CB8AC3E}">
+        <p14:creationId xmlns:p14="http://schemas.microsoft.com/office/powerpoint/2010/main" val="35871927"/>
+      </p:ext>
+    </p:extLst>
+  </p:cSld>
+  <p:clrMapOvr>
+    <a:masterClrMapping/>
+  </p:clrMapOvr>
+</p:sld>
+</file>
+
+<file path=ppt/slides/slide50.xml><?xml version="1.0" encoding="utf-8"?>
 <p:sld xmlns:a="http://schemas.openxmlformats.org/drawingml/2006/main" xmlns:r="http://schemas.openxmlformats.org/officeDocument/2006/relationships" xmlns:p="http://schemas.openxmlformats.org/presentationml/2006/main">
   <p:cSld>
     <p:spTree>
@@ -29897,272 +30876,7 @@
 </p:sld>
 </file>
 
-<file path=ppt/slides/slide5.xml><?xml version="1.0" encoding="utf-8"?>
-<p:sld xmlns:a="http://schemas.openxmlformats.org/drawingml/2006/main" xmlns:r="http://schemas.openxmlformats.org/officeDocument/2006/relationships" xmlns:p="http://schemas.openxmlformats.org/presentationml/2006/main">
-  <p:cSld>
-    <p:spTree>
-      <p:nvGrpSpPr>
-        <p:cNvPr id="1" name=""/>
-        <p:cNvGrpSpPr/>
-        <p:nvPr/>
-      </p:nvGrpSpPr>
-      <p:grpSpPr>
-        <a:xfrm>
-          <a:off x="0" y="0"/>
-          <a:ext cx="0" cy="0"/>
-          <a:chOff x="0" y="0"/>
-          <a:chExt cx="0" cy="0"/>
-        </a:xfrm>
-      </p:grpSpPr>
-      <p:sp>
-        <p:nvSpPr>
-          <p:cNvPr id="142338" name="Rectangle 2"/>
-          <p:cNvSpPr>
-            <a:spLocks noGrp="1" noChangeArrowheads="1"/>
-          </p:cNvSpPr>
-          <p:nvPr>
-            <p:ph type="title"/>
-          </p:nvPr>
-        </p:nvSpPr>
-        <p:spPr/>
-        <p:txBody>
-          <a:bodyPr/>
-          <a:lstStyle/>
-          <a:p>
-            <a:r>
-              <a:rPr lang="hu-HU"/>
-              <a:t>Egy merev test fizikai jellemzői</a:t>
-            </a:r>
-            <a:endParaRPr lang="en-US"/>
-          </a:p>
-        </p:txBody>
-      </p:sp>
-      <p:sp>
-        <p:nvSpPr>
-          <p:cNvPr id="142339" name="Rectangle 3"/>
-          <p:cNvSpPr>
-            <a:spLocks noGrp="1" noChangeArrowheads="1"/>
-          </p:cNvSpPr>
-          <p:nvPr>
-            <p:ph type="body" idx="1"/>
-          </p:nvPr>
-        </p:nvSpPr>
-        <p:spPr/>
-        <p:txBody>
-          <a:bodyPr/>
-          <a:lstStyle/>
-          <a:p>
-            <a:r>
-              <a:rPr lang="hu-HU" dirty="0"/>
-              <a:t>pozíció		</a:t>
-            </a:r>
-            <a:r>
-              <a:rPr lang="en-US" dirty="0"/>
-              <a:t>	</a:t>
-            </a:r>
-            <a:r>
-              <a:rPr lang="hu-HU" dirty="0"/>
-              <a:t>3D vektor </a:t>
-            </a:r>
-            <a:r>
-              <a:rPr lang="en-US" dirty="0"/>
-              <a:t>[m]</a:t>
-            </a:r>
-          </a:p>
-          <a:p>
-            <a:pPr lvl="1">
-              <a:buFont typeface="Arial" charset="0"/>
-              <a:buNone/>
-            </a:pPr>
-            <a:r>
-              <a:rPr lang="en-US" b="1" i="1" dirty="0">
-                <a:latin typeface="Times New Roman" panose="02020603050405020304" pitchFamily="18" charset="0"/>
-                <a:cs typeface="Times New Roman" panose="02020603050405020304" pitchFamily="18" charset="0"/>
-              </a:rPr>
-              <a:t>x</a:t>
-            </a:r>
-            <a:endParaRPr lang="hu-HU" b="1" i="1" dirty="0">
-              <a:latin typeface="Times New Roman" panose="02020603050405020304" pitchFamily="18" charset="0"/>
-              <a:cs typeface="Times New Roman" panose="02020603050405020304" pitchFamily="18" charset="0"/>
-            </a:endParaRPr>
-          </a:p>
-          <a:p>
-            <a:r>
-              <a:rPr lang="en-US" dirty="0" err="1"/>
-              <a:t>sebess</a:t>
-            </a:r>
-            <a:r>
-              <a:rPr lang="hu-HU" dirty="0"/>
-              <a:t>ég	</a:t>
-            </a:r>
-            <a:r>
-              <a:rPr lang="en-US" dirty="0"/>
-              <a:t>	</a:t>
-            </a:r>
-            <a:r>
-              <a:rPr lang="hu-HU" dirty="0"/>
-              <a:t>3D vektor </a:t>
-            </a:r>
-            <a:r>
-              <a:rPr lang="en-US" dirty="0"/>
-              <a:t>[m/s]</a:t>
-            </a:r>
-            <a:endParaRPr lang="hu-HU" dirty="0"/>
-          </a:p>
-          <a:p>
-            <a:pPr lvl="1">
-              <a:buFont typeface="Arial" charset="0"/>
-              <a:buNone/>
-            </a:pPr>
-            <a:r>
-              <a:rPr lang="en-US" b="1" i="1" dirty="0">
-                <a:latin typeface="Times New Roman" panose="02020603050405020304" pitchFamily="18" charset="0"/>
-                <a:cs typeface="Times New Roman" panose="02020603050405020304" pitchFamily="18" charset="0"/>
-              </a:rPr>
-              <a:t>v</a:t>
-            </a:r>
-            <a:endParaRPr lang="hu-HU" b="1" i="1" dirty="0">
-              <a:latin typeface="Times New Roman" panose="02020603050405020304" pitchFamily="18" charset="0"/>
-              <a:cs typeface="Times New Roman" panose="02020603050405020304" pitchFamily="18" charset="0"/>
-            </a:endParaRPr>
-          </a:p>
-          <a:p>
-            <a:r>
-              <a:rPr lang="en-US" dirty="0"/>
-              <a:t>t</a:t>
-            </a:r>
-            <a:r>
-              <a:rPr lang="hu-HU" dirty="0" err="1"/>
-              <a:t>ömeg</a:t>
-            </a:r>
-            <a:r>
-              <a:rPr lang="hu-HU" dirty="0"/>
-              <a:t>			</a:t>
-            </a:r>
-            <a:r>
-              <a:rPr lang="en-US" dirty="0" err="1"/>
-              <a:t>skal</a:t>
-            </a:r>
-            <a:r>
-              <a:rPr lang="hu-HU" dirty="0"/>
-              <a:t>ár </a:t>
-            </a:r>
-            <a:r>
-              <a:rPr lang="en-US" dirty="0"/>
-              <a:t>[</a:t>
-            </a:r>
-            <a:r>
-              <a:rPr lang="hu-HU" dirty="0"/>
-              <a:t>kg</a:t>
-            </a:r>
-            <a:r>
-              <a:rPr lang="en-US" dirty="0"/>
-              <a:t>]</a:t>
-            </a:r>
-            <a:endParaRPr lang="hu-HU" dirty="0"/>
-          </a:p>
-          <a:p>
-            <a:pPr>
-              <a:buFontTx/>
-              <a:buNone/>
-            </a:pPr>
-            <a:r>
-              <a:rPr lang="en-US" dirty="0"/>
-              <a:t>	</a:t>
-            </a:r>
-            <a:r>
-              <a:rPr lang="en-US" sz="2400" b="1" i="1" dirty="0">
-                <a:latin typeface="Times New Roman" panose="02020603050405020304" pitchFamily="18" charset="0"/>
-                <a:cs typeface="Times New Roman" panose="02020603050405020304" pitchFamily="18" charset="0"/>
-              </a:rPr>
-              <a:t>m</a:t>
-            </a:r>
-          </a:p>
-          <a:p>
-            <a:r>
-              <a:rPr lang="en-US" dirty="0">
-                <a:solidFill>
-                  <a:schemeClr val="hlink"/>
-                </a:solidFill>
-              </a:rPr>
-              <a:t>lend</a:t>
-            </a:r>
-            <a:r>
-              <a:rPr lang="hu-HU" dirty="0">
-                <a:solidFill>
-                  <a:schemeClr val="hlink"/>
-                </a:solidFill>
-              </a:rPr>
-              <a:t>ület			3D vektor </a:t>
-            </a:r>
-            <a:r>
-              <a:rPr lang="en-US" dirty="0">
-                <a:solidFill>
-                  <a:schemeClr val="hlink"/>
-                </a:solidFill>
-              </a:rPr>
-              <a:t>[kg m/s = Ns]</a:t>
-            </a:r>
-          </a:p>
-          <a:p>
-            <a:pPr>
-              <a:buFontTx/>
-              <a:buNone/>
-            </a:pPr>
-            <a:r>
-              <a:rPr lang="en-US" dirty="0">
-                <a:solidFill>
-                  <a:schemeClr val="hlink"/>
-                </a:solidFill>
-              </a:rPr>
-              <a:t>	</a:t>
-            </a:r>
-            <a:r>
-              <a:rPr lang="en-US" sz="2400" b="1" i="1" dirty="0">
-                <a:latin typeface="Times New Roman" pitchFamily="18" charset="0"/>
-                <a:cs typeface="Times New Roman" pitchFamily="18" charset="0"/>
-              </a:rPr>
-              <a:t>p</a:t>
-            </a:r>
-            <a:r>
-              <a:rPr lang="en-US" sz="2400" i="1" dirty="0">
-                <a:latin typeface="Times New Roman" pitchFamily="18" charset="0"/>
-                <a:cs typeface="Times New Roman" pitchFamily="18" charset="0"/>
-              </a:rPr>
-              <a:t> = m</a:t>
-            </a:r>
-            <a:r>
-              <a:rPr lang="en-US" sz="2400" i="1" dirty="0">
-                <a:latin typeface="Times New Roman" pitchFamily="18" charset="0"/>
-                <a:cs typeface="Times New Roman" pitchFamily="18" charset="0"/>
-                <a:sym typeface="Symbol" panose="05050102010706020507" pitchFamily="18" charset="2"/>
-              </a:rPr>
-              <a:t> </a:t>
-            </a:r>
-            <a:r>
-              <a:rPr lang="en-US" sz="2400" b="1" i="1" dirty="0">
-                <a:latin typeface="Times New Roman" pitchFamily="18" charset="0"/>
-                <a:cs typeface="Times New Roman" pitchFamily="18" charset="0"/>
-              </a:rPr>
-              <a:t>v</a:t>
-            </a:r>
-          </a:p>
-        </p:txBody>
-      </p:sp>
-    </p:spTree>
-    <p:extLst>
-      <p:ext uri="{BB962C8B-B14F-4D97-AF65-F5344CB8AC3E}">
-        <p14:creationId xmlns:p14="http://schemas.microsoft.com/office/powerpoint/2010/main" val="35871927"/>
-      </p:ext>
-    </p:extLst>
-  </p:cSld>
-  <p:clrMapOvr>
-    <a:masterClrMapping/>
-  </p:clrMapOvr>
-</p:sld>
-</file>
-
-<file path=ppt/slides/slide50.xml><?xml version="1.0" encoding="utf-8"?>
+<file path=ppt/slides/slide51.xml><?xml version="1.0" encoding="utf-8"?>
 <p:sld xmlns:a="http://schemas.openxmlformats.org/drawingml/2006/main" xmlns:r="http://schemas.openxmlformats.org/officeDocument/2006/relationships" xmlns:p="http://schemas.openxmlformats.org/presentationml/2006/main">
   <p:cSld>
     <p:spTree>
@@ -30854,226 +31568,6 @@
 </p:sld>
 </file>
 
-<file path=ppt/slides/slide51.xml><?xml version="1.0" encoding="utf-8"?>
-<p:sld xmlns:a="http://schemas.openxmlformats.org/drawingml/2006/main" xmlns:r="http://schemas.openxmlformats.org/officeDocument/2006/relationships" xmlns:p="http://schemas.openxmlformats.org/presentationml/2006/main">
-  <p:cSld>
-    <p:spTree>
-      <p:nvGrpSpPr>
-        <p:cNvPr id="1" name=""/>
-        <p:cNvGrpSpPr/>
-        <p:nvPr/>
-      </p:nvGrpSpPr>
-      <p:grpSpPr>
-        <a:xfrm>
-          <a:off x="0" y="0"/>
-          <a:ext cx="0" cy="0"/>
-          <a:chOff x="0" y="0"/>
-          <a:chExt cx="0" cy="0"/>
-        </a:xfrm>
-      </p:grpSpPr>
-      <p:sp>
-        <p:nvSpPr>
-          <p:cNvPr id="2" name="Title 1"/>
-          <p:cNvSpPr>
-            <a:spLocks noGrp="1"/>
-          </p:cNvSpPr>
-          <p:nvPr>
-            <p:ph type="title"/>
-          </p:nvPr>
-        </p:nvSpPr>
-        <p:spPr/>
-        <p:txBody>
-          <a:bodyPr/>
-          <a:lstStyle/>
-          <a:p>
-            <a:r>
-              <a:rPr lang="hu-HU" dirty="0"/>
-              <a:t>Interakciók </a:t>
-            </a:r>
-            <a:r>
-              <a:rPr lang="en-US" dirty="0"/>
-              <a:t>– double dispatch</a:t>
-            </a:r>
-          </a:p>
-        </p:txBody>
-      </p:sp>
-      <p:sp>
-        <p:nvSpPr>
-          <p:cNvPr id="4" name="Content Placeholder 3"/>
-          <p:cNvSpPr>
-            <a:spLocks noGrp="1"/>
-          </p:cNvSpPr>
-          <p:nvPr>
-            <p:ph idx="1"/>
-          </p:nvPr>
-        </p:nvSpPr>
-        <p:spPr/>
-        <p:txBody>
-          <a:bodyPr/>
-          <a:lstStyle/>
-          <a:p>
-            <a:r>
-              <a:rPr lang="en-US" dirty="0"/>
-              <a:t>interface Base {</a:t>
-            </a:r>
-          </a:p>
-          <a:p>
-            <a:r>
-              <a:rPr lang="en-US" dirty="0"/>
-              <a:t>   void process1( Base </a:t>
-            </a:r>
-            <a:r>
-              <a:rPr lang="en-US" dirty="0" err="1"/>
-              <a:t>secondObject</a:t>
-            </a:r>
-            <a:r>
-              <a:rPr lang="en-US" dirty="0"/>
-              <a:t> );</a:t>
-            </a:r>
-          </a:p>
-          <a:p>
-            <a:r>
-              <a:rPr lang="en-US" dirty="0"/>
-              <a:t>   void process2(  A   </a:t>
-            </a:r>
-            <a:r>
-              <a:rPr lang="en-US" dirty="0" err="1"/>
-              <a:t>firstObject</a:t>
-            </a:r>
-            <a:r>
-              <a:rPr lang="en-US" dirty="0"/>
-              <a:t>  );</a:t>
-            </a:r>
-          </a:p>
-          <a:p>
-            <a:r>
-              <a:rPr lang="en-US" dirty="0"/>
-              <a:t>   void process2(  B   </a:t>
-            </a:r>
-            <a:r>
-              <a:rPr lang="en-US" dirty="0" err="1"/>
-              <a:t>firstObject</a:t>
-            </a:r>
-            <a:r>
-              <a:rPr lang="en-US" dirty="0"/>
-              <a:t>  );</a:t>
-            </a:r>
-          </a:p>
-          <a:p>
-            <a:r>
-              <a:rPr lang="en-US" dirty="0"/>
-              <a:t>   void process2(  C   </a:t>
-            </a:r>
-            <a:r>
-              <a:rPr lang="en-US" dirty="0" err="1"/>
-              <a:t>firstObject</a:t>
-            </a:r>
-            <a:r>
-              <a:rPr lang="en-US" dirty="0"/>
-              <a:t>  );</a:t>
-            </a:r>
-          </a:p>
-          <a:p>
-            <a:r>
-              <a:rPr lang="en-US" dirty="0"/>
-              <a:t>}</a:t>
-            </a:r>
-            <a:endParaRPr lang="hu-HU" dirty="0"/>
-          </a:p>
-          <a:p>
-            <a:endParaRPr lang="hu-HU" dirty="0"/>
-          </a:p>
-          <a:p>
-            <a:r>
-              <a:rPr lang="en-US" dirty="0"/>
-              <a:t>static class A implements Base {</a:t>
-            </a:r>
-          </a:p>
-          <a:p>
-            <a:r>
-              <a:rPr lang="en-US" dirty="0"/>
-              <a:t>   public void process1( Base second ) { </a:t>
-            </a:r>
-            <a:endParaRPr lang="hu-HU" dirty="0"/>
-          </a:p>
-          <a:p>
-            <a:r>
-              <a:rPr lang="hu-HU" dirty="0"/>
-              <a:t>                  </a:t>
-            </a:r>
-            <a:r>
-              <a:rPr lang="en-US" dirty="0"/>
-              <a:t>second.process2( this ); </a:t>
-            </a:r>
-            <a:endParaRPr lang="hu-HU" dirty="0"/>
-          </a:p>
-          <a:p>
-            <a:r>
-              <a:rPr lang="hu-HU" dirty="0"/>
-              <a:t>   </a:t>
-            </a:r>
-            <a:r>
-              <a:rPr lang="en-US" dirty="0"/>
-              <a:t>}</a:t>
-            </a:r>
-          </a:p>
-          <a:p>
-            <a:r>
-              <a:rPr lang="en-US" dirty="0"/>
-              <a:t>   public void process2( A first ) {</a:t>
-            </a:r>
-          </a:p>
-          <a:p>
-            <a:r>
-              <a:rPr lang="en-US" dirty="0"/>
-              <a:t>      </a:t>
-            </a:r>
-            <a:r>
-              <a:rPr lang="en-US" dirty="0" err="1"/>
-              <a:t>System.out.println</a:t>
-            </a:r>
-            <a:r>
-              <a:rPr lang="en-US" dirty="0"/>
-              <a:t>(</a:t>
-            </a:r>
-            <a:endParaRPr lang="hu-HU" dirty="0"/>
-          </a:p>
-          <a:p>
-            <a:r>
-              <a:rPr lang="hu-HU" dirty="0"/>
-              <a:t>          </a:t>
-            </a:r>
-            <a:r>
-              <a:rPr lang="en-US" dirty="0"/>
-              <a:t>"first is A, second is A" ); </a:t>
-            </a:r>
-            <a:endParaRPr lang="hu-HU" dirty="0"/>
-          </a:p>
-          <a:p>
-            <a:r>
-              <a:rPr lang="hu-HU" dirty="0"/>
-              <a:t>   </a:t>
-            </a:r>
-            <a:r>
-              <a:rPr lang="en-US" dirty="0"/>
-              <a:t>}</a:t>
-            </a:r>
-          </a:p>
-        </p:txBody>
-      </p:sp>
-    </p:spTree>
-    <p:extLst>
-      <p:ext uri="{BB962C8B-B14F-4D97-AF65-F5344CB8AC3E}">
-        <p14:creationId xmlns:p14="http://schemas.microsoft.com/office/powerpoint/2010/main" val="3924049922"/>
-      </p:ext>
-    </p:extLst>
-  </p:cSld>
-  <p:clrMapOvr>
-    <a:masterClrMapping/>
-  </p:clrMapOvr>
-</p:sld>
-</file>
-
 <file path=ppt/slides/slide52.xml><?xml version="1.0" encoding="utf-8"?>
 <p:sld xmlns:a="http://schemas.openxmlformats.org/drawingml/2006/main" xmlns:r="http://schemas.openxmlformats.org/officeDocument/2006/relationships" xmlns:p="http://schemas.openxmlformats.org/presentationml/2006/main">
   <p:cSld>
@@ -31134,6 +31628,226 @@
           <a:p>
             <a:r>
               <a:rPr lang="en-US" dirty="0"/>
+              <a:t>interface Base {</a:t>
+            </a:r>
+          </a:p>
+          <a:p>
+            <a:r>
+              <a:rPr lang="en-US" dirty="0"/>
+              <a:t>   void process1( Base </a:t>
+            </a:r>
+            <a:r>
+              <a:rPr lang="en-US" dirty="0" err="1"/>
+              <a:t>secondObject</a:t>
+            </a:r>
+            <a:r>
+              <a:rPr lang="en-US" dirty="0"/>
+              <a:t> );</a:t>
+            </a:r>
+          </a:p>
+          <a:p>
+            <a:r>
+              <a:rPr lang="en-US" dirty="0"/>
+              <a:t>   void process2(  A   </a:t>
+            </a:r>
+            <a:r>
+              <a:rPr lang="en-US" dirty="0" err="1"/>
+              <a:t>firstObject</a:t>
+            </a:r>
+            <a:r>
+              <a:rPr lang="en-US" dirty="0"/>
+              <a:t>  );</a:t>
+            </a:r>
+          </a:p>
+          <a:p>
+            <a:r>
+              <a:rPr lang="en-US" dirty="0"/>
+              <a:t>   void process2(  B   </a:t>
+            </a:r>
+            <a:r>
+              <a:rPr lang="en-US" dirty="0" err="1"/>
+              <a:t>firstObject</a:t>
+            </a:r>
+            <a:r>
+              <a:rPr lang="en-US" dirty="0"/>
+              <a:t>  );</a:t>
+            </a:r>
+          </a:p>
+          <a:p>
+            <a:r>
+              <a:rPr lang="en-US" dirty="0"/>
+              <a:t>   void process2(  C   </a:t>
+            </a:r>
+            <a:r>
+              <a:rPr lang="en-US" dirty="0" err="1"/>
+              <a:t>firstObject</a:t>
+            </a:r>
+            <a:r>
+              <a:rPr lang="en-US" dirty="0"/>
+              <a:t>  );</a:t>
+            </a:r>
+          </a:p>
+          <a:p>
+            <a:r>
+              <a:rPr lang="en-US" dirty="0"/>
+              <a:t>}</a:t>
+            </a:r>
+            <a:endParaRPr lang="hu-HU" dirty="0"/>
+          </a:p>
+          <a:p>
+            <a:endParaRPr lang="hu-HU" dirty="0"/>
+          </a:p>
+          <a:p>
+            <a:r>
+              <a:rPr lang="en-US" dirty="0"/>
+              <a:t>static class A implements Base {</a:t>
+            </a:r>
+          </a:p>
+          <a:p>
+            <a:r>
+              <a:rPr lang="en-US" dirty="0"/>
+              <a:t>   public void process1( Base second ) { </a:t>
+            </a:r>
+            <a:endParaRPr lang="hu-HU" dirty="0"/>
+          </a:p>
+          <a:p>
+            <a:r>
+              <a:rPr lang="hu-HU" dirty="0"/>
+              <a:t>                  </a:t>
+            </a:r>
+            <a:r>
+              <a:rPr lang="en-US" dirty="0"/>
+              <a:t>second.process2( this ); </a:t>
+            </a:r>
+            <a:endParaRPr lang="hu-HU" dirty="0"/>
+          </a:p>
+          <a:p>
+            <a:r>
+              <a:rPr lang="hu-HU" dirty="0"/>
+              <a:t>   </a:t>
+            </a:r>
+            <a:r>
+              <a:rPr lang="en-US" dirty="0"/>
+              <a:t>}</a:t>
+            </a:r>
+          </a:p>
+          <a:p>
+            <a:r>
+              <a:rPr lang="en-US" dirty="0"/>
+              <a:t>   public void process2( A first ) {</a:t>
+            </a:r>
+          </a:p>
+          <a:p>
+            <a:r>
+              <a:rPr lang="en-US" dirty="0"/>
+              <a:t>      </a:t>
+            </a:r>
+            <a:r>
+              <a:rPr lang="en-US" dirty="0" err="1"/>
+              <a:t>System.out.println</a:t>
+            </a:r>
+            <a:r>
+              <a:rPr lang="en-US" dirty="0"/>
+              <a:t>(</a:t>
+            </a:r>
+            <a:endParaRPr lang="hu-HU" dirty="0"/>
+          </a:p>
+          <a:p>
+            <a:r>
+              <a:rPr lang="hu-HU" dirty="0"/>
+              <a:t>          </a:t>
+            </a:r>
+            <a:r>
+              <a:rPr lang="en-US" dirty="0"/>
+              <a:t>"first is A, second is A" ); </a:t>
+            </a:r>
+            <a:endParaRPr lang="hu-HU" dirty="0"/>
+          </a:p>
+          <a:p>
+            <a:r>
+              <a:rPr lang="hu-HU" dirty="0"/>
+              <a:t>   </a:t>
+            </a:r>
+            <a:r>
+              <a:rPr lang="en-US" dirty="0"/>
+              <a:t>}</a:t>
+            </a:r>
+          </a:p>
+        </p:txBody>
+      </p:sp>
+    </p:spTree>
+    <p:extLst>
+      <p:ext uri="{BB962C8B-B14F-4D97-AF65-F5344CB8AC3E}">
+        <p14:creationId xmlns:p14="http://schemas.microsoft.com/office/powerpoint/2010/main" val="3924049922"/>
+      </p:ext>
+    </p:extLst>
+  </p:cSld>
+  <p:clrMapOvr>
+    <a:masterClrMapping/>
+  </p:clrMapOvr>
+</p:sld>
+</file>
+
+<file path=ppt/slides/slide53.xml><?xml version="1.0" encoding="utf-8"?>
+<p:sld xmlns:a="http://schemas.openxmlformats.org/drawingml/2006/main" xmlns:r="http://schemas.openxmlformats.org/officeDocument/2006/relationships" xmlns:p="http://schemas.openxmlformats.org/presentationml/2006/main">
+  <p:cSld>
+    <p:spTree>
+      <p:nvGrpSpPr>
+        <p:cNvPr id="1" name=""/>
+        <p:cNvGrpSpPr/>
+        <p:nvPr/>
+      </p:nvGrpSpPr>
+      <p:grpSpPr>
+        <a:xfrm>
+          <a:off x="0" y="0"/>
+          <a:ext cx="0" cy="0"/>
+          <a:chOff x="0" y="0"/>
+          <a:chExt cx="0" cy="0"/>
+        </a:xfrm>
+      </p:grpSpPr>
+      <p:sp>
+        <p:nvSpPr>
+          <p:cNvPr id="2" name="Title 1"/>
+          <p:cNvSpPr>
+            <a:spLocks noGrp="1"/>
+          </p:cNvSpPr>
+          <p:nvPr>
+            <p:ph type="title"/>
+          </p:nvPr>
+        </p:nvSpPr>
+        <p:spPr/>
+        <p:txBody>
+          <a:bodyPr/>
+          <a:lstStyle/>
+          <a:p>
+            <a:r>
+              <a:rPr lang="hu-HU" dirty="0"/>
+              <a:t>Interakciók </a:t>
+            </a:r>
+            <a:r>
+              <a:rPr lang="en-US" dirty="0"/>
+              <a:t>– double dispatch</a:t>
+            </a:r>
+          </a:p>
+        </p:txBody>
+      </p:sp>
+      <p:sp>
+        <p:nvSpPr>
+          <p:cNvPr id="4" name="Content Placeholder 3"/>
+          <p:cNvSpPr>
+            <a:spLocks noGrp="1"/>
+          </p:cNvSpPr>
+          <p:nvPr>
+            <p:ph idx="1"/>
+          </p:nvPr>
+        </p:nvSpPr>
+        <p:spPr/>
+        <p:txBody>
+          <a:bodyPr/>
+          <a:lstStyle/>
+          <a:p>
+            <a:r>
+              <a:rPr lang="en-US" dirty="0"/>
               <a:t>static class B implements Base {</a:t>
             </a:r>
           </a:p>
@@ -31272,7 +31986,7 @@
 </p:sld>
 </file>
 
-<file path=ppt/slides/slide53.xml><?xml version="1.0" encoding="utf-8"?>
+<file path=ppt/slides/slide54.xml><?xml version="1.0" encoding="utf-8"?>
 <p:sld xmlns:a="http://schemas.openxmlformats.org/drawingml/2006/main" xmlns:r="http://schemas.openxmlformats.org/officeDocument/2006/relationships" xmlns:p="http://schemas.openxmlformats.org/presentationml/2006/main">
   <p:cSld>
     <p:spTree>
@@ -31357,90 +32071,6 @@
     <p:extLst>
       <p:ext uri="{BB962C8B-B14F-4D97-AF65-F5344CB8AC3E}">
         <p14:creationId xmlns:p14="http://schemas.microsoft.com/office/powerpoint/2010/main" val="2576180238"/>
-      </p:ext>
-    </p:extLst>
-  </p:cSld>
-  <p:clrMapOvr>
-    <a:masterClrMapping/>
-  </p:clrMapOvr>
-</p:sld>
-</file>
-
-<file path=ppt/slides/slide54.xml><?xml version="1.0" encoding="utf-8"?>
-<p:sld xmlns:a="http://schemas.openxmlformats.org/drawingml/2006/main" xmlns:r="http://schemas.openxmlformats.org/officeDocument/2006/relationships" xmlns:p="http://schemas.openxmlformats.org/presentationml/2006/main">
-  <p:cSld>
-    <p:spTree>
-      <p:nvGrpSpPr>
-        <p:cNvPr id="1" name=""/>
-        <p:cNvGrpSpPr/>
-        <p:nvPr/>
-      </p:nvGrpSpPr>
-      <p:grpSpPr>
-        <a:xfrm>
-          <a:off x="0" y="0"/>
-          <a:ext cx="0" cy="0"/>
-          <a:chOff x="0" y="0"/>
-          <a:chExt cx="0" cy="0"/>
-        </a:xfrm>
-      </p:grpSpPr>
-      <p:sp>
-        <p:nvSpPr>
-          <p:cNvPr id="2" name="Title 1"/>
-          <p:cNvSpPr>
-            <a:spLocks noGrp="1"/>
-          </p:cNvSpPr>
-          <p:nvPr>
-            <p:ph type="title"/>
-          </p:nvPr>
-        </p:nvSpPr>
-        <p:spPr/>
-        <p:txBody>
-          <a:bodyPr/>
-          <a:lstStyle/>
-          <a:p>
-            <a:r>
-              <a:rPr lang="hu-HU" dirty="0"/>
-              <a:t>AI - követő</a:t>
-            </a:r>
-            <a:endParaRPr lang="en-US" dirty="0"/>
-          </a:p>
-        </p:txBody>
-      </p:sp>
-      <p:sp>
-        <p:nvSpPr>
-          <p:cNvPr id="3" name="Content Placeholder 2"/>
-          <p:cNvSpPr>
-            <a:spLocks noGrp="1"/>
-          </p:cNvSpPr>
-          <p:nvPr>
-            <p:ph idx="1"/>
-          </p:nvPr>
-        </p:nvSpPr>
-        <p:spPr/>
-        <p:txBody>
-          <a:bodyPr/>
-          <a:lstStyle/>
-          <a:p>
-            <a:r>
-              <a:rPr lang="hu-HU" dirty="0"/>
-              <a:t>miben különbözik ez a </a:t>
-            </a:r>
-            <a:r>
-              <a:rPr lang="hu-HU" dirty="0" err="1"/>
-              <a:t>waypointtól</a:t>
-            </a:r>
-            <a:r>
-              <a:rPr lang="hu-HU" dirty="0"/>
-              <a:t>?</a:t>
-            </a:r>
-            <a:endParaRPr lang="en-US" dirty="0"/>
-          </a:p>
-        </p:txBody>
-      </p:sp>
-    </p:spTree>
-    <p:extLst>
-      <p:ext uri="{BB962C8B-B14F-4D97-AF65-F5344CB8AC3E}">
-        <p14:creationId xmlns:p14="http://schemas.microsoft.com/office/powerpoint/2010/main" val="4194715421"/>
       </p:ext>
     </p:extLst>
   </p:cSld>
@@ -31484,7 +32114,7 @@
           <a:p>
             <a:r>
               <a:rPr lang="hu-HU" dirty="0"/>
-              <a:t>Lövés</a:t>
+              <a:t>AI - követő</a:t>
             </a:r>
             <a:endParaRPr lang="en-US" dirty="0"/>
           </a:p>
@@ -31507,132 +32137,15 @@
           <a:p>
             <a:r>
               <a:rPr lang="hu-HU" dirty="0"/>
-              <a:t>új objektum</a:t>
-            </a:r>
-          </a:p>
-          <a:p>
-            <a:pPr lvl="1"/>
+              <a:t>miben különbözik ez a </a:t>
+            </a:r>
+            <a:r>
+              <a:rPr lang="hu-HU" dirty="0" err="1"/>
+              <a:t>waypointtól</a:t>
+            </a:r>
             <a:r>
               <a:rPr lang="hu-HU" dirty="0"/>
-              <a:t>beszúrhatjuk simán az </a:t>
-            </a:r>
-            <a:r>
-              <a:rPr lang="hu-HU" dirty="0" err="1"/>
-              <a:t>objektumlistábaa</a:t>
-            </a:r>
-            <a:r>
-              <a:rPr lang="hu-HU" dirty="0"/>
-              <a:t> </a:t>
-            </a:r>
-            <a:r>
-              <a:rPr lang="hu-HU" dirty="0" err="1"/>
-              <a:t>control</a:t>
-            </a:r>
-            <a:r>
-              <a:rPr lang="hu-HU" dirty="0"/>
-              <a:t> metódusban, vagy sem?</a:t>
-            </a:r>
-          </a:p>
-          <a:p>
-            <a:pPr lvl="1"/>
-            <a:endParaRPr lang="hu-HU" dirty="0"/>
-          </a:p>
-          <a:p>
-            <a:pPr lvl="1"/>
-            <a:r>
-              <a:rPr lang="hu-HU" dirty="0"/>
-              <a:t>ha nem</a:t>
-            </a:r>
-          </a:p>
-          <a:p>
-            <a:pPr lvl="2"/>
-            <a:r>
-              <a:rPr lang="hu-HU" dirty="0"/>
-              <a:t>visszatérés új objektumok listájával</a:t>
-            </a:r>
-          </a:p>
-          <a:p>
-            <a:pPr lvl="2"/>
-            <a:r>
-              <a:rPr lang="hu-HU" dirty="0"/>
-              <a:t>összeolvasztás a meglevőkkel, ha az iteráció már lefutott</a:t>
-            </a:r>
-          </a:p>
-          <a:p>
-            <a:pPr lvl="2"/>
-            <a:endParaRPr lang="hu-HU" dirty="0"/>
-          </a:p>
-          <a:p>
-            <a:r>
-              <a:rPr lang="hu-HU" dirty="0"/>
-              <a:t>időkorlát</a:t>
-            </a:r>
-          </a:p>
-          <a:p>
-            <a:pPr lvl="1"/>
-            <a:r>
-              <a:rPr lang="en-US" dirty="0"/>
-              <a:t>l</a:t>
-            </a:r>
-            <a:r>
-              <a:rPr lang="hu-HU" dirty="0" err="1"/>
-              <a:t>övéskor</a:t>
-            </a:r>
-            <a:r>
-              <a:rPr lang="hu-HU" dirty="0"/>
-              <a:t> </a:t>
-            </a:r>
-            <a:r>
-              <a:rPr lang="hu-HU" dirty="0" err="1"/>
-              <a:t>timeToNextShot</a:t>
-            </a:r>
-            <a:r>
-              <a:rPr lang="hu-HU" dirty="0"/>
-              <a:t> </a:t>
-            </a:r>
-            <a:r>
-              <a:rPr lang="en-US" dirty="0"/>
-              <a:t>= cooldown; </a:t>
-            </a:r>
-            <a:endParaRPr lang="hu-HU" dirty="0"/>
-          </a:p>
-          <a:p>
-            <a:pPr lvl="1"/>
-            <a:r>
-              <a:rPr lang="hu-HU" dirty="0"/>
-              <a:t>mindig </a:t>
-            </a:r>
-            <a:r>
-              <a:rPr lang="hu-HU" dirty="0" err="1"/>
-              <a:t>timeToNextShot</a:t>
-            </a:r>
-            <a:r>
-              <a:rPr lang="en-US" dirty="0"/>
-              <a:t> -= </a:t>
-            </a:r>
-            <a:r>
-              <a:rPr lang="en-US" dirty="0" err="1"/>
-              <a:t>dt</a:t>
-            </a:r>
-            <a:r>
-              <a:rPr lang="en-US" dirty="0"/>
-              <a:t>;</a:t>
-            </a:r>
-            <a:endParaRPr lang="hu-HU" dirty="0"/>
-          </a:p>
-          <a:p>
-            <a:pPr lvl="1"/>
-            <a:r>
-              <a:rPr lang="hu-HU" dirty="0"/>
-              <a:t>ha </a:t>
-            </a:r>
-            <a:r>
-              <a:rPr lang="hu-HU" dirty="0" err="1"/>
-              <a:t>timeToNextShot</a:t>
-            </a:r>
-            <a:r>
-              <a:rPr lang="hu-HU" dirty="0"/>
-              <a:t> negatív, csak akkor lehet lőni</a:t>
+              <a:t>?</a:t>
             </a:r>
             <a:endParaRPr lang="en-US" dirty="0"/>
           </a:p>
@@ -31641,7 +32154,7 @@
     </p:spTree>
     <p:extLst>
       <p:ext uri="{BB962C8B-B14F-4D97-AF65-F5344CB8AC3E}">
-        <p14:creationId xmlns:p14="http://schemas.microsoft.com/office/powerpoint/2010/main" val="2327906222"/>
+        <p14:creationId xmlns:p14="http://schemas.microsoft.com/office/powerpoint/2010/main" val="4194715421"/>
       </p:ext>
     </p:extLst>
   </p:cSld>
@@ -31685,7 +32198,7 @@
           <a:p>
             <a:r>
               <a:rPr lang="hu-HU" dirty="0"/>
-              <a:t>Megsemmisülés</a:t>
+              <a:t>Lövés</a:t>
             </a:r>
             <a:endParaRPr lang="en-US" dirty="0"/>
           </a:p>
@@ -31708,6 +32221,207 @@
           <a:p>
             <a:r>
               <a:rPr lang="hu-HU" dirty="0"/>
+              <a:t>új objektum</a:t>
+            </a:r>
+          </a:p>
+          <a:p>
+            <a:pPr lvl="1"/>
+            <a:r>
+              <a:rPr lang="hu-HU" dirty="0"/>
+              <a:t>beszúrhatjuk simán az </a:t>
+            </a:r>
+            <a:r>
+              <a:rPr lang="hu-HU" dirty="0" err="1"/>
+              <a:t>objektumlistábaa</a:t>
+            </a:r>
+            <a:r>
+              <a:rPr lang="hu-HU" dirty="0"/>
+              <a:t> </a:t>
+            </a:r>
+            <a:r>
+              <a:rPr lang="hu-HU" dirty="0" err="1"/>
+              <a:t>control</a:t>
+            </a:r>
+            <a:r>
+              <a:rPr lang="hu-HU" dirty="0"/>
+              <a:t> metódusban, vagy sem?</a:t>
+            </a:r>
+          </a:p>
+          <a:p>
+            <a:pPr lvl="1"/>
+            <a:endParaRPr lang="hu-HU" dirty="0"/>
+          </a:p>
+          <a:p>
+            <a:pPr lvl="1"/>
+            <a:r>
+              <a:rPr lang="hu-HU" dirty="0"/>
+              <a:t>ha nem</a:t>
+            </a:r>
+          </a:p>
+          <a:p>
+            <a:pPr lvl="2"/>
+            <a:r>
+              <a:rPr lang="hu-HU" dirty="0"/>
+              <a:t>visszatérés új objektumok listájával</a:t>
+            </a:r>
+          </a:p>
+          <a:p>
+            <a:pPr lvl="2"/>
+            <a:r>
+              <a:rPr lang="hu-HU" dirty="0"/>
+              <a:t>összeolvasztás a meglevőkkel, ha az iteráció már lefutott</a:t>
+            </a:r>
+          </a:p>
+          <a:p>
+            <a:pPr lvl="2"/>
+            <a:endParaRPr lang="hu-HU" dirty="0"/>
+          </a:p>
+          <a:p>
+            <a:r>
+              <a:rPr lang="hu-HU" dirty="0"/>
+              <a:t>időkorlát</a:t>
+            </a:r>
+          </a:p>
+          <a:p>
+            <a:pPr lvl="1"/>
+            <a:r>
+              <a:rPr lang="en-US" dirty="0"/>
+              <a:t>l</a:t>
+            </a:r>
+            <a:r>
+              <a:rPr lang="hu-HU" dirty="0" err="1"/>
+              <a:t>övéskor</a:t>
+            </a:r>
+            <a:r>
+              <a:rPr lang="hu-HU" dirty="0"/>
+              <a:t> </a:t>
+            </a:r>
+            <a:r>
+              <a:rPr lang="hu-HU" dirty="0" err="1"/>
+              <a:t>timeToNextShot</a:t>
+            </a:r>
+            <a:r>
+              <a:rPr lang="hu-HU" dirty="0"/>
+              <a:t> </a:t>
+            </a:r>
+            <a:r>
+              <a:rPr lang="en-US" dirty="0"/>
+              <a:t>= cooldown; </a:t>
+            </a:r>
+            <a:endParaRPr lang="hu-HU" dirty="0"/>
+          </a:p>
+          <a:p>
+            <a:pPr lvl="1"/>
+            <a:r>
+              <a:rPr lang="hu-HU" dirty="0"/>
+              <a:t>mindig </a:t>
+            </a:r>
+            <a:r>
+              <a:rPr lang="hu-HU" dirty="0" err="1"/>
+              <a:t>timeToNextShot</a:t>
+            </a:r>
+            <a:r>
+              <a:rPr lang="en-US" dirty="0"/>
+              <a:t> -= </a:t>
+            </a:r>
+            <a:r>
+              <a:rPr lang="en-US" dirty="0" err="1"/>
+              <a:t>dt</a:t>
+            </a:r>
+            <a:r>
+              <a:rPr lang="en-US" dirty="0"/>
+              <a:t>;</a:t>
+            </a:r>
+            <a:endParaRPr lang="hu-HU" dirty="0"/>
+          </a:p>
+          <a:p>
+            <a:pPr lvl="1"/>
+            <a:r>
+              <a:rPr lang="hu-HU" dirty="0"/>
+              <a:t>ha </a:t>
+            </a:r>
+            <a:r>
+              <a:rPr lang="hu-HU" dirty="0" err="1"/>
+              <a:t>timeToNextShot</a:t>
+            </a:r>
+            <a:r>
+              <a:rPr lang="hu-HU" dirty="0"/>
+              <a:t> negatív, csak akkor lehet lőni</a:t>
+            </a:r>
+            <a:endParaRPr lang="en-US" dirty="0"/>
+          </a:p>
+        </p:txBody>
+      </p:sp>
+    </p:spTree>
+    <p:extLst>
+      <p:ext uri="{BB962C8B-B14F-4D97-AF65-F5344CB8AC3E}">
+        <p14:creationId xmlns:p14="http://schemas.microsoft.com/office/powerpoint/2010/main" val="2327906222"/>
+      </p:ext>
+    </p:extLst>
+  </p:cSld>
+  <p:clrMapOvr>
+    <a:masterClrMapping/>
+  </p:clrMapOvr>
+</p:sld>
+</file>
+
+<file path=ppt/slides/slide57.xml><?xml version="1.0" encoding="utf-8"?>
+<p:sld xmlns:a="http://schemas.openxmlformats.org/drawingml/2006/main" xmlns:r="http://schemas.openxmlformats.org/officeDocument/2006/relationships" xmlns:p="http://schemas.openxmlformats.org/presentationml/2006/main">
+  <p:cSld>
+    <p:spTree>
+      <p:nvGrpSpPr>
+        <p:cNvPr id="1" name=""/>
+        <p:cNvGrpSpPr/>
+        <p:nvPr/>
+      </p:nvGrpSpPr>
+      <p:grpSpPr>
+        <a:xfrm>
+          <a:off x="0" y="0"/>
+          <a:ext cx="0" cy="0"/>
+          <a:chOff x="0" y="0"/>
+          <a:chExt cx="0" cy="0"/>
+        </a:xfrm>
+      </p:grpSpPr>
+      <p:sp>
+        <p:nvSpPr>
+          <p:cNvPr id="2" name="Title 1"/>
+          <p:cNvSpPr>
+            <a:spLocks noGrp="1"/>
+          </p:cNvSpPr>
+          <p:nvPr>
+            <p:ph type="title"/>
+          </p:nvPr>
+        </p:nvSpPr>
+        <p:spPr/>
+        <p:txBody>
+          <a:bodyPr/>
+          <a:lstStyle/>
+          <a:p>
+            <a:r>
+              <a:rPr lang="hu-HU" dirty="0"/>
+              <a:t>Megsemmisülés</a:t>
+            </a:r>
+            <a:endParaRPr lang="en-US" dirty="0"/>
+          </a:p>
+        </p:txBody>
+      </p:sp>
+      <p:sp>
+        <p:nvSpPr>
+          <p:cNvPr id="3" name="Content Placeholder 2"/>
+          <p:cNvSpPr>
+            <a:spLocks noGrp="1"/>
+          </p:cNvSpPr>
+          <p:nvPr>
+            <p:ph idx="1"/>
+          </p:nvPr>
+        </p:nvSpPr>
+        <p:spPr/>
+        <p:txBody>
+          <a:bodyPr/>
+          <a:lstStyle/>
+          <a:p>
+            <a:r>
+              <a:rPr lang="hu-HU" dirty="0"/>
               <a:t>objektum törlése</a:t>
             </a:r>
           </a:p>
@@ -31769,7 +32483,7 @@
 </p:sld>
 </file>
 
-<file path=ppt/slides/slide57.xml><?xml version="1.0" encoding="utf-8"?>
+<file path=ppt/slides/slide58.xml><?xml version="1.0" encoding="utf-8"?>
 <p:sld xmlns:a="http://schemas.openxmlformats.org/drawingml/2006/main" xmlns:r="http://schemas.openxmlformats.org/officeDocument/2006/relationships" xmlns:p="http://schemas.openxmlformats.org/presentationml/2006/main">
   <p:cSld>
     <p:spTree>
